--- a/Presentaciones/4.7 Control de programa de proyecto.pptx
+++ b/Presentaciones/4.7 Control de programa de proyecto.pptx
@@ -2,18 +2,20 @@
 <file path=ppt/presentation.xml><?xml version="1.0" encoding="utf-8"?>
 <p:presentation xmlns:a="http://schemas.openxmlformats.org/drawingml/2006/main" xmlns:r="http://schemas.openxmlformats.org/officeDocument/2006/relationships" xmlns:p="http://schemas.openxmlformats.org/presentationml/2006/main" saveSubsetFonts="1">
   <p:sldMasterIdLst>
-    <p:sldMasterId id="2147483648" r:id="rId1"/>
+    <p:sldMasterId id="2147483660" r:id="rId1"/>
   </p:sldMasterIdLst>
   <p:sldIdLst>
     <p:sldId id="256" r:id="rId2"/>
+    <p:sldId id="257" r:id="rId3"/>
+    <p:sldId id="258" r:id="rId4"/>
   </p:sldIdLst>
   <p:sldSz cx="12192000" cy="6858000"/>
   <p:notesSz cx="6858000" cy="9144000"/>
   <p:defaultTextStyle>
     <a:defPPr>
-      <a:defRPr lang="es-MX"/>
+      <a:defRPr lang="en-US"/>
     </a:defPPr>
-    <a:lvl1pPr marL="0" algn="l" defTabSz="914400" rtl="0" eaLnBrk="1" latinLnBrk="0" hangingPunct="1">
+    <a:lvl1pPr marL="0" algn="l" defTabSz="457200" rtl="0" eaLnBrk="1" latinLnBrk="0" hangingPunct="1">
       <a:defRPr sz="1800" kern="1200">
         <a:solidFill>
           <a:schemeClr val="tx1"/>
@@ -23,7 +25,7 @@
         <a:cs typeface="+mn-cs"/>
       </a:defRPr>
     </a:lvl1pPr>
-    <a:lvl2pPr marL="457200" algn="l" defTabSz="914400" rtl="0" eaLnBrk="1" latinLnBrk="0" hangingPunct="1">
+    <a:lvl2pPr marL="457200" algn="l" defTabSz="457200" rtl="0" eaLnBrk="1" latinLnBrk="0" hangingPunct="1">
       <a:defRPr sz="1800" kern="1200">
         <a:solidFill>
           <a:schemeClr val="tx1"/>
@@ -33,7 +35,7 @@
         <a:cs typeface="+mn-cs"/>
       </a:defRPr>
     </a:lvl2pPr>
-    <a:lvl3pPr marL="914400" algn="l" defTabSz="914400" rtl="0" eaLnBrk="1" latinLnBrk="0" hangingPunct="1">
+    <a:lvl3pPr marL="914400" algn="l" defTabSz="457200" rtl="0" eaLnBrk="1" latinLnBrk="0" hangingPunct="1">
       <a:defRPr sz="1800" kern="1200">
         <a:solidFill>
           <a:schemeClr val="tx1"/>
@@ -43,7 +45,7 @@
         <a:cs typeface="+mn-cs"/>
       </a:defRPr>
     </a:lvl3pPr>
-    <a:lvl4pPr marL="1371600" algn="l" defTabSz="914400" rtl="0" eaLnBrk="1" latinLnBrk="0" hangingPunct="1">
+    <a:lvl4pPr marL="1371600" algn="l" defTabSz="457200" rtl="0" eaLnBrk="1" latinLnBrk="0" hangingPunct="1">
       <a:defRPr sz="1800" kern="1200">
         <a:solidFill>
           <a:schemeClr val="tx1"/>
@@ -53,7 +55,7 @@
         <a:cs typeface="+mn-cs"/>
       </a:defRPr>
     </a:lvl4pPr>
-    <a:lvl5pPr marL="1828800" algn="l" defTabSz="914400" rtl="0" eaLnBrk="1" latinLnBrk="0" hangingPunct="1">
+    <a:lvl5pPr marL="1828800" algn="l" defTabSz="457200" rtl="0" eaLnBrk="1" latinLnBrk="0" hangingPunct="1">
       <a:defRPr sz="1800" kern="1200">
         <a:solidFill>
           <a:schemeClr val="tx1"/>
@@ -63,7 +65,7 @@
         <a:cs typeface="+mn-cs"/>
       </a:defRPr>
     </a:lvl5pPr>
-    <a:lvl6pPr marL="2286000" algn="l" defTabSz="914400" rtl="0" eaLnBrk="1" latinLnBrk="0" hangingPunct="1">
+    <a:lvl6pPr marL="2286000" algn="l" defTabSz="457200" rtl="0" eaLnBrk="1" latinLnBrk="0" hangingPunct="1">
       <a:defRPr sz="1800" kern="1200">
         <a:solidFill>
           <a:schemeClr val="tx1"/>
@@ -73,7 +75,7 @@
         <a:cs typeface="+mn-cs"/>
       </a:defRPr>
     </a:lvl6pPr>
-    <a:lvl7pPr marL="2743200" algn="l" defTabSz="914400" rtl="0" eaLnBrk="1" latinLnBrk="0" hangingPunct="1">
+    <a:lvl7pPr marL="2743200" algn="l" defTabSz="457200" rtl="0" eaLnBrk="1" latinLnBrk="0" hangingPunct="1">
       <a:defRPr sz="1800" kern="1200">
         <a:solidFill>
           <a:schemeClr val="tx1"/>
@@ -83,7 +85,7 @@
         <a:cs typeface="+mn-cs"/>
       </a:defRPr>
     </a:lvl7pPr>
-    <a:lvl8pPr marL="3200400" algn="l" defTabSz="914400" rtl="0" eaLnBrk="1" latinLnBrk="0" hangingPunct="1">
+    <a:lvl8pPr marL="3200400" algn="l" defTabSz="457200" rtl="0" eaLnBrk="1" latinLnBrk="0" hangingPunct="1">
       <a:defRPr sz="1800" kern="1200">
         <a:solidFill>
           <a:schemeClr val="tx1"/>
@@ -93,7 +95,7 @@
         <a:cs typeface="+mn-cs"/>
       </a:defRPr>
     </a:lvl8pPr>
-    <a:lvl9pPr marL="3657600" algn="l" defTabSz="914400" rtl="0" eaLnBrk="1" latinLnBrk="0" hangingPunct="1">
+    <a:lvl9pPr marL="3657600" algn="l" defTabSz="457200" rtl="0" eaLnBrk="1" latinLnBrk="0" hangingPunct="1">
       <a:defRPr sz="1800" kern="1200">
         <a:solidFill>
           <a:schemeClr val="tx1"/>
@@ -104,11 +106,16 @@
       </a:defRPr>
     </a:lvl9pPr>
   </p:defaultTextStyle>
+  <p:extLst>
+    <p:ext uri="{EFAFB233-063F-42B5-8137-9DF3F51BA10A}">
+      <p15:sldGuideLst xmlns:p15="http://schemas.microsoft.com/office/powerpoint/2012/main"/>
+    </p:ext>
+  </p:extLst>
 </p:presentation>
 </file>
 
 <file path=ppt/slideLayouts/slideLayout1.xml><?xml version="1.0" encoding="utf-8"?>
-<p:sldLayout xmlns:a="http://schemas.openxmlformats.org/drawingml/2006/main" xmlns:r="http://schemas.openxmlformats.org/officeDocument/2006/relationships" xmlns:p="http://schemas.openxmlformats.org/presentationml/2006/main" type="title" preserve="1">
+<p:sldLayout xmlns:a="http://schemas.openxmlformats.org/drawingml/2006/main" xmlns:r="http://schemas.openxmlformats.org/officeDocument/2006/relationships" xmlns:p="http://schemas.openxmlformats.org/presentationml/2006/main" showMasterSp="0" type="title" preserve="1">
   <p:cSld name="Title Slide">
     <p:spTree>
       <p:nvGrpSpPr>
@@ -126,31 +133,109 @@
       </p:grpSpPr>
       <p:sp>
         <p:nvSpPr>
-          <p:cNvPr id="2" name="Title 1">
-            <a:extLst>
-              <a:ext uri="{FF2B5EF4-FFF2-40B4-BE49-F238E27FC236}">
-                <a16:creationId xmlns:a16="http://schemas.microsoft.com/office/drawing/2014/main" id="{EDCCF749-38EF-4A14-9E63-49832414FD34}"/>
-              </a:ext>
-            </a:extLst>
-          </p:cNvPr>
-          <p:cNvSpPr>
-            <a:spLocks noGrp="1"/>
-          </p:cNvSpPr>
-          <p:nvPr>
-            <p:ph type="ctrTitle"/>
-          </p:nvPr>
+          <p:cNvPr id="7" name="Rectangle 6"/>
+          <p:cNvSpPr/>
+          <p:nvPr/>
         </p:nvSpPr>
         <p:spPr>
           <a:xfrm>
-            <a:off x="1524000" y="1122363"/>
-            <a:ext cx="9144000" cy="2387600"/>
+            <a:off x="0" y="761999"/>
+            <a:ext cx="9141619" cy="5334001"/>
+          </a:xfrm>
+          <a:prstGeom prst="rect">
+            <a:avLst/>
+          </a:prstGeom>
+          <a:solidFill>
+            <a:schemeClr val="accent1"/>
+          </a:solidFill>
+          <a:ln>
+            <a:noFill/>
+          </a:ln>
+        </p:spPr>
+        <p:style>
+          <a:lnRef idx="2">
+            <a:schemeClr val="accent1">
+              <a:shade val="50000"/>
+            </a:schemeClr>
+          </a:lnRef>
+          <a:fillRef idx="1">
+            <a:schemeClr val="accent1"/>
+          </a:fillRef>
+          <a:effectRef idx="0">
+            <a:schemeClr val="accent1"/>
+          </a:effectRef>
+          <a:fontRef idx="minor">
+            <a:schemeClr val="lt1"/>
+          </a:fontRef>
+        </p:style>
+      </p:sp>
+      <p:sp>
+        <p:nvSpPr>
+          <p:cNvPr id="8" name="Rectangle 7"/>
+          <p:cNvSpPr/>
+          <p:nvPr/>
+        </p:nvSpPr>
+        <p:spPr>
+          <a:xfrm>
+            <a:off x="9270263" y="761999"/>
+            <a:ext cx="2925318" cy="5334001"/>
+          </a:xfrm>
+          <a:prstGeom prst="rect">
+            <a:avLst/>
+          </a:prstGeom>
+          <a:solidFill>
+            <a:srgbClr val="C8C8C8">
+              <a:alpha val="49804"/>
+            </a:srgbClr>
+          </a:solidFill>
+          <a:ln>
+            <a:noFill/>
+          </a:ln>
+        </p:spPr>
+        <p:style>
+          <a:lnRef idx="2">
+            <a:schemeClr val="accent1">
+              <a:shade val="50000"/>
+            </a:schemeClr>
+          </a:lnRef>
+          <a:fillRef idx="1">
+            <a:schemeClr val="accent1"/>
+          </a:fillRef>
+          <a:effectRef idx="0">
+            <a:schemeClr val="accent1"/>
+          </a:effectRef>
+          <a:fontRef idx="minor">
+            <a:schemeClr val="lt1"/>
+          </a:fontRef>
+        </p:style>
+      </p:sp>
+      <p:sp>
+        <p:nvSpPr>
+          <p:cNvPr id="2" name="Title 1"/>
+          <p:cNvSpPr>
+            <a:spLocks noGrp="1"/>
+          </p:cNvSpPr>
+          <p:nvPr>
+            <p:ph type="ctrTitle"/>
+          </p:nvPr>
+        </p:nvSpPr>
+        <p:spPr>
+          <a:xfrm>
+            <a:off x="1069848" y="1298448"/>
+            <a:ext cx="7315200" cy="3255264"/>
           </a:xfrm>
         </p:spPr>
         <p:txBody>
-          <a:bodyPr anchor="b"/>
+          <a:bodyPr anchor="b">
+            <a:normAutofit/>
+          </a:bodyPr>
           <a:lstStyle>
-            <a:lvl1pPr algn="ctr">
-              <a:defRPr sz="6000"/>
+            <a:lvl1pPr algn="l">
+              <a:defRPr sz="5900" spc="-100" baseline="0">
+                <a:solidFill>
+                  <a:srgbClr val="FFFFFF"/>
+                </a:solidFill>
+              </a:defRPr>
             </a:lvl1pPr>
           </a:lstStyle>
           <a:p>
@@ -158,19 +243,13 @@
               <a:rPr lang="en-US"/>
               <a:t>Click to edit Master title style</a:t>
             </a:r>
-            <a:endParaRPr lang="es-MX"/>
-          </a:p>
-        </p:txBody>
-      </p:sp>
-      <p:sp>
-        <p:nvSpPr>
-          <p:cNvPr id="3" name="Subtitle 2">
-            <a:extLst>
-              <a:ext uri="{FF2B5EF4-FFF2-40B4-BE49-F238E27FC236}">
-                <a16:creationId xmlns:a16="http://schemas.microsoft.com/office/drawing/2014/main" id="{88EC5956-D818-40CC-8C31-096C070D300F}"/>
-              </a:ext>
-            </a:extLst>
-          </p:cNvPr>
+            <a:endParaRPr lang="en-US" dirty="0"/>
+          </a:p>
+        </p:txBody>
+      </p:sp>
+      <p:sp>
+        <p:nvSpPr>
+          <p:cNvPr id="3" name="Subtitle 2"/>
           <p:cNvSpPr>
             <a:spLocks noGrp="1"/>
           </p:cNvSpPr>
@@ -180,48 +259,57 @@
         </p:nvSpPr>
         <p:spPr>
           <a:xfrm>
-            <a:off x="1524000" y="3602038"/>
-            <a:ext cx="9144000" cy="1655762"/>
+            <a:off x="1100015" y="4670246"/>
+            <a:ext cx="7315200" cy="914400"/>
           </a:xfrm>
         </p:spPr>
         <p:txBody>
-          <a:bodyPr/>
+          <a:bodyPr anchor="t">
+            <a:normAutofit/>
+          </a:bodyPr>
           <a:lstStyle>
-            <a:lvl1pPr marL="0" indent="0" algn="ctr">
-              <a:buNone/>
-              <a:defRPr sz="2400"/>
+            <a:lvl1pPr marL="0" indent="0" algn="l">
+              <a:buNone/>
+              <a:defRPr sz="2200" cap="none" spc="0" baseline="0">
+                <a:solidFill>
+                  <a:schemeClr val="accent1">
+                    <a:lumMod val="20000"/>
+                    <a:lumOff val="80000"/>
+                  </a:schemeClr>
+                </a:solidFill>
+              </a:defRPr>
             </a:lvl1pPr>
             <a:lvl2pPr marL="457200" indent="0" algn="ctr">
               <a:buNone/>
-              <a:defRPr sz="2000"/>
+              <a:defRPr sz="2200"/>
             </a:lvl2pPr>
             <a:lvl3pPr marL="914400" indent="0" algn="ctr">
               <a:buNone/>
-              <a:defRPr sz="1800"/>
+              <a:defRPr sz="2200"/>
             </a:lvl3pPr>
             <a:lvl4pPr marL="1371600" indent="0" algn="ctr">
               <a:buNone/>
-              <a:defRPr sz="1600"/>
+              <a:defRPr sz="2000"/>
             </a:lvl4pPr>
             <a:lvl5pPr marL="1828800" indent="0" algn="ctr">
               <a:buNone/>
-              <a:defRPr sz="1600"/>
+              <a:defRPr sz="2000"/>
             </a:lvl5pPr>
             <a:lvl6pPr marL="2286000" indent="0" algn="ctr">
               <a:buNone/>
-              <a:defRPr sz="1600"/>
+              <a:defRPr sz="2000"/>
             </a:lvl6pPr>
             <a:lvl7pPr marL="2743200" indent="0" algn="ctr">
               <a:buNone/>
-              <a:defRPr sz="1600"/>
+              <a:defRPr sz="2000"/>
             </a:lvl7pPr>
             <a:lvl8pPr marL="3200400" indent="0" algn="ctr">
               <a:buNone/>
-              <a:defRPr sz="1600"/>
+              <a:defRPr sz="2000"/>
             </a:lvl8pPr>
             <a:lvl9pPr marL="3657600" indent="0" algn="ctr">
               <a:buNone/>
-              <a:defRPr sz="1600"/>
+              <a:defRPr sz="2000"/>
             </a:lvl9pPr>
           </a:lstStyle>
           <a:p>
@@ -229,19 +317,13 @@
               <a:rPr lang="en-US"/>
               <a:t>Click to edit Master subtitle style</a:t>
             </a:r>
-            <a:endParaRPr lang="es-MX"/>
-          </a:p>
-        </p:txBody>
-      </p:sp>
-      <p:sp>
-        <p:nvSpPr>
-          <p:cNvPr id="4" name="Date Placeholder 3">
-            <a:extLst>
-              <a:ext uri="{FF2B5EF4-FFF2-40B4-BE49-F238E27FC236}">
-                <a16:creationId xmlns:a16="http://schemas.microsoft.com/office/drawing/2014/main" id="{A943D69D-3F09-4908-89D3-FCF0E95C7BBB}"/>
-              </a:ext>
-            </a:extLst>
-          </p:cNvPr>
+            <a:endParaRPr lang="en-US" dirty="0"/>
+          </a:p>
+        </p:txBody>
+      </p:sp>
+      <p:sp>
+        <p:nvSpPr>
+          <p:cNvPr id="4" name="Date Placeholder 3"/>
           <p:cNvSpPr>
             <a:spLocks noGrp="1"/>
           </p:cNvSpPr>
@@ -256,7 +338,7 @@
           <a:p>
             <a:fld id="{8C95B75D-73A6-48A0-A6AB-4E09535D57A2}" type="datetimeFigureOut">
               <a:rPr lang="es-MX" smtClean="0"/>
-              <a:t>15/03/2019</a:t>
+              <a:t>20/03/2019</a:t>
             </a:fld>
             <a:endParaRPr lang="es-MX"/>
           </a:p>
@@ -264,13 +346,7 @@
       </p:sp>
       <p:sp>
         <p:nvSpPr>
-          <p:cNvPr id="5" name="Footer Placeholder 4">
-            <a:extLst>
-              <a:ext uri="{FF2B5EF4-FFF2-40B4-BE49-F238E27FC236}">
-                <a16:creationId xmlns:a16="http://schemas.microsoft.com/office/drawing/2014/main" id="{614E6310-C235-41E4-90EB-A178D2962882}"/>
-              </a:ext>
-            </a:extLst>
-          </p:cNvPr>
+          <p:cNvPr id="5" name="Footer Placeholder 4"/>
           <p:cNvSpPr>
             <a:spLocks noGrp="1"/>
           </p:cNvSpPr>
@@ -289,13 +365,7 @@
       </p:sp>
       <p:sp>
         <p:nvSpPr>
-          <p:cNvPr id="6" name="Slide Number Placeholder 5">
-            <a:extLst>
-              <a:ext uri="{FF2B5EF4-FFF2-40B4-BE49-F238E27FC236}">
-                <a16:creationId xmlns:a16="http://schemas.microsoft.com/office/drawing/2014/main" id="{51F71E00-DF1C-4635-9C52-FC1095C9EE3E}"/>
-              </a:ext>
-            </a:extLst>
-          </p:cNvPr>
+          <p:cNvPr id="6" name="Slide Number Placeholder 5"/>
           <p:cNvSpPr>
             <a:spLocks noGrp="1"/>
           </p:cNvSpPr>
@@ -319,7 +389,7 @@
     </p:spTree>
     <p:extLst>
       <p:ext uri="{BB962C8B-B14F-4D97-AF65-F5344CB8AC3E}">
-        <p14:creationId xmlns:p14="http://schemas.microsoft.com/office/powerpoint/2010/main" val="2829245195"/>
+        <p14:creationId xmlns:p14="http://schemas.microsoft.com/office/powerpoint/2010/main" val="1595737038"/>
       </p:ext>
     </p:extLst>
   </p:cSld>
@@ -348,13 +418,7 @@
       </p:grpSpPr>
       <p:sp>
         <p:nvSpPr>
-          <p:cNvPr id="2" name="Title 1">
-            <a:extLst>
-              <a:ext uri="{FF2B5EF4-FFF2-40B4-BE49-F238E27FC236}">
-                <a16:creationId xmlns:a16="http://schemas.microsoft.com/office/drawing/2014/main" id="{169AC88C-2431-4472-8276-2E01BD1EF48A}"/>
-              </a:ext>
-            </a:extLst>
-          </p:cNvPr>
+          <p:cNvPr id="2" name="Title 1"/>
           <p:cNvSpPr>
             <a:spLocks noGrp="1"/>
           </p:cNvSpPr>
@@ -371,19 +435,13 @@
               <a:rPr lang="en-US"/>
               <a:t>Click to edit Master title style</a:t>
             </a:r>
-            <a:endParaRPr lang="es-MX"/>
-          </a:p>
-        </p:txBody>
-      </p:sp>
-      <p:sp>
-        <p:nvSpPr>
-          <p:cNvPr id="3" name="Vertical Text Placeholder 2">
-            <a:extLst>
-              <a:ext uri="{FF2B5EF4-FFF2-40B4-BE49-F238E27FC236}">
-                <a16:creationId xmlns:a16="http://schemas.microsoft.com/office/drawing/2014/main" id="{08D6FA93-AE68-41C2-AD9E-62A0EA1A4C66}"/>
-              </a:ext>
-            </a:extLst>
-          </p:cNvPr>
+            <a:endParaRPr lang="en-US" dirty="0"/>
+          </a:p>
+        </p:txBody>
+      </p:sp>
+      <p:sp>
+        <p:nvSpPr>
+          <p:cNvPr id="3" name="Vertical Text Placeholder 2"/>
           <p:cNvSpPr>
             <a:spLocks noGrp="1"/>
           </p:cNvSpPr>
@@ -393,7 +451,7 @@
         </p:nvSpPr>
         <p:spPr/>
         <p:txBody>
-          <a:bodyPr vert="eaVert"/>
+          <a:bodyPr vert="eaVert" anchor="t"/>
           <a:lstStyle/>
           <a:p>
             <a:pPr lvl="0"/>
@@ -429,19 +487,13 @@
               <a:rPr lang="en-US"/>
               <a:t>Fifth level</a:t>
             </a:r>
-            <a:endParaRPr lang="es-MX"/>
-          </a:p>
-        </p:txBody>
-      </p:sp>
-      <p:sp>
-        <p:nvSpPr>
-          <p:cNvPr id="4" name="Date Placeholder 3">
-            <a:extLst>
-              <a:ext uri="{FF2B5EF4-FFF2-40B4-BE49-F238E27FC236}">
-                <a16:creationId xmlns:a16="http://schemas.microsoft.com/office/drawing/2014/main" id="{14429304-BDA1-43C7-A6B8-8BED22AB82EF}"/>
-              </a:ext>
-            </a:extLst>
-          </p:cNvPr>
+            <a:endParaRPr lang="en-US" dirty="0"/>
+          </a:p>
+        </p:txBody>
+      </p:sp>
+      <p:sp>
+        <p:nvSpPr>
+          <p:cNvPr id="7" name="Date Placeholder 6"/>
           <p:cNvSpPr>
             <a:spLocks noGrp="1"/>
           </p:cNvSpPr>
@@ -456,7 +508,7 @@
           <a:p>
             <a:fld id="{8C95B75D-73A6-48A0-A6AB-4E09535D57A2}" type="datetimeFigureOut">
               <a:rPr lang="es-MX" smtClean="0"/>
-              <a:t>15/03/2019</a:t>
+              <a:t>20/03/2019</a:t>
             </a:fld>
             <a:endParaRPr lang="es-MX"/>
           </a:p>
@@ -464,13 +516,7 @@
       </p:sp>
       <p:sp>
         <p:nvSpPr>
-          <p:cNvPr id="5" name="Footer Placeholder 4">
-            <a:extLst>
-              <a:ext uri="{FF2B5EF4-FFF2-40B4-BE49-F238E27FC236}">
-                <a16:creationId xmlns:a16="http://schemas.microsoft.com/office/drawing/2014/main" id="{3113BC10-05CE-4329-B0B5-EC0F1AA7589B}"/>
-              </a:ext>
-            </a:extLst>
-          </p:cNvPr>
+          <p:cNvPr id="8" name="Footer Placeholder 7"/>
           <p:cNvSpPr>
             <a:spLocks noGrp="1"/>
           </p:cNvSpPr>
@@ -489,13 +535,7 @@
       </p:sp>
       <p:sp>
         <p:nvSpPr>
-          <p:cNvPr id="6" name="Slide Number Placeholder 5">
-            <a:extLst>
-              <a:ext uri="{FF2B5EF4-FFF2-40B4-BE49-F238E27FC236}">
-                <a16:creationId xmlns:a16="http://schemas.microsoft.com/office/drawing/2014/main" id="{472DBD6F-E47E-4A1C-B9BA-5AD11268A6F8}"/>
-              </a:ext>
-            </a:extLst>
-          </p:cNvPr>
+          <p:cNvPr id="9" name="Slide Number Placeholder 8"/>
           <p:cNvSpPr>
             <a:spLocks noGrp="1"/>
           </p:cNvSpPr>
@@ -519,7 +559,7 @@
     </p:spTree>
     <p:extLst>
       <p:ext uri="{BB962C8B-B14F-4D97-AF65-F5344CB8AC3E}">
-        <p14:creationId xmlns:p14="http://schemas.microsoft.com/office/powerpoint/2010/main" val="3810949861"/>
+        <p14:creationId xmlns:p14="http://schemas.microsoft.com/office/powerpoint/2010/main" val="1972645396"/>
       </p:ext>
     </p:extLst>
   </p:cSld>
@@ -548,13 +588,7 @@
       </p:grpSpPr>
       <p:sp>
         <p:nvSpPr>
-          <p:cNvPr id="2" name="Vertical Title 1">
-            <a:extLst>
-              <a:ext uri="{FF2B5EF4-FFF2-40B4-BE49-F238E27FC236}">
-                <a16:creationId xmlns:a16="http://schemas.microsoft.com/office/drawing/2014/main" id="{121F6BF0-67F8-41E6-9AE4-24D9079CD310}"/>
-              </a:ext>
-            </a:extLst>
-          </p:cNvPr>
+          <p:cNvPr id="2" name="Vertical Title 1"/>
           <p:cNvSpPr>
             <a:spLocks noGrp="1"/>
           </p:cNvSpPr>
@@ -564,8 +598,8 @@
         </p:nvSpPr>
         <p:spPr>
           <a:xfrm>
-            <a:off x="8724900" y="365125"/>
-            <a:ext cx="2628900" cy="5811838"/>
+            <a:off x="381000" y="990600"/>
+            <a:ext cx="2819400" cy="4953000"/>
           </a:xfrm>
         </p:spPr>
         <p:txBody>
@@ -576,19 +610,13 @@
               <a:rPr lang="en-US"/>
               <a:t>Click to edit Master title style</a:t>
             </a:r>
-            <a:endParaRPr lang="es-MX"/>
-          </a:p>
-        </p:txBody>
-      </p:sp>
-      <p:sp>
-        <p:nvSpPr>
-          <p:cNvPr id="3" name="Vertical Text Placeholder 2">
-            <a:extLst>
-              <a:ext uri="{FF2B5EF4-FFF2-40B4-BE49-F238E27FC236}">
-                <a16:creationId xmlns:a16="http://schemas.microsoft.com/office/drawing/2014/main" id="{344C78A5-E516-4F80-B51E-ADC88CA44F81}"/>
-              </a:ext>
-            </a:extLst>
-          </p:cNvPr>
+            <a:endParaRPr lang="en-US" dirty="0"/>
+          </a:p>
+        </p:txBody>
+      </p:sp>
+      <p:sp>
+        <p:nvSpPr>
+          <p:cNvPr id="3" name="Vertical Text Placeholder 2"/>
           <p:cNvSpPr>
             <a:spLocks noGrp="1"/>
           </p:cNvSpPr>
@@ -598,12 +626,12 @@
         </p:nvSpPr>
         <p:spPr>
           <a:xfrm>
-            <a:off x="838200" y="365125"/>
-            <a:ext cx="7734300" cy="5811838"/>
+            <a:off x="3867912" y="868680"/>
+            <a:ext cx="7315200" cy="5120640"/>
           </a:xfrm>
         </p:spPr>
         <p:txBody>
-          <a:bodyPr vert="eaVert"/>
+          <a:bodyPr vert="eaVert" anchor="t"/>
           <a:lstStyle/>
           <a:p>
             <a:pPr lvl="0"/>
@@ -639,19 +667,13 @@
               <a:rPr lang="en-US"/>
               <a:t>Fifth level</a:t>
             </a:r>
-            <a:endParaRPr lang="es-MX"/>
-          </a:p>
-        </p:txBody>
-      </p:sp>
-      <p:sp>
-        <p:nvSpPr>
-          <p:cNvPr id="4" name="Date Placeholder 3">
-            <a:extLst>
-              <a:ext uri="{FF2B5EF4-FFF2-40B4-BE49-F238E27FC236}">
-                <a16:creationId xmlns:a16="http://schemas.microsoft.com/office/drawing/2014/main" id="{39A4968C-7B99-4A56-9115-76C19B83FD0E}"/>
-              </a:ext>
-            </a:extLst>
-          </p:cNvPr>
+            <a:endParaRPr lang="en-US" dirty="0"/>
+          </a:p>
+        </p:txBody>
+      </p:sp>
+      <p:sp>
+        <p:nvSpPr>
+          <p:cNvPr id="7" name="Date Placeholder 6"/>
           <p:cNvSpPr>
             <a:spLocks noGrp="1"/>
           </p:cNvSpPr>
@@ -666,7 +688,7 @@
           <a:p>
             <a:fld id="{8C95B75D-73A6-48A0-A6AB-4E09535D57A2}" type="datetimeFigureOut">
               <a:rPr lang="es-MX" smtClean="0"/>
-              <a:t>15/03/2019</a:t>
+              <a:t>20/03/2019</a:t>
             </a:fld>
             <a:endParaRPr lang="es-MX"/>
           </a:p>
@@ -674,13 +696,7 @@
       </p:sp>
       <p:sp>
         <p:nvSpPr>
-          <p:cNvPr id="5" name="Footer Placeholder 4">
-            <a:extLst>
-              <a:ext uri="{FF2B5EF4-FFF2-40B4-BE49-F238E27FC236}">
-                <a16:creationId xmlns:a16="http://schemas.microsoft.com/office/drawing/2014/main" id="{A929665A-A7DB-4C01-9F19-7E513502F0AA}"/>
-              </a:ext>
-            </a:extLst>
-          </p:cNvPr>
+          <p:cNvPr id="8" name="Footer Placeholder 7"/>
           <p:cNvSpPr>
             <a:spLocks noGrp="1"/>
           </p:cNvSpPr>
@@ -699,13 +715,7 @@
       </p:sp>
       <p:sp>
         <p:nvSpPr>
-          <p:cNvPr id="6" name="Slide Number Placeholder 5">
-            <a:extLst>
-              <a:ext uri="{FF2B5EF4-FFF2-40B4-BE49-F238E27FC236}">
-                <a16:creationId xmlns:a16="http://schemas.microsoft.com/office/drawing/2014/main" id="{CEC5CEB8-747C-40B6-87C2-79B7D39AE89C}"/>
-              </a:ext>
-            </a:extLst>
-          </p:cNvPr>
+          <p:cNvPr id="9" name="Slide Number Placeholder 8"/>
           <p:cNvSpPr>
             <a:spLocks noGrp="1"/>
           </p:cNvSpPr>
@@ -729,7 +739,7 @@
     </p:spTree>
     <p:extLst>
       <p:ext uri="{BB962C8B-B14F-4D97-AF65-F5344CB8AC3E}">
-        <p14:creationId xmlns:p14="http://schemas.microsoft.com/office/powerpoint/2010/main" val="3115887168"/>
+        <p14:creationId xmlns:p14="http://schemas.microsoft.com/office/powerpoint/2010/main" val="3636211075"/>
       </p:ext>
     </p:extLst>
   </p:cSld>
@@ -758,13 +768,7 @@
       </p:grpSpPr>
       <p:sp>
         <p:nvSpPr>
-          <p:cNvPr id="2" name="Title 1">
-            <a:extLst>
-              <a:ext uri="{FF2B5EF4-FFF2-40B4-BE49-F238E27FC236}">
-                <a16:creationId xmlns:a16="http://schemas.microsoft.com/office/drawing/2014/main" id="{6242AF55-EE20-4BD2-8640-27D74ADE1761}"/>
-              </a:ext>
-            </a:extLst>
-          </p:cNvPr>
+          <p:cNvPr id="2" name="Title 1"/>
           <p:cNvSpPr>
             <a:spLocks noGrp="1"/>
           </p:cNvSpPr>
@@ -781,19 +785,13 @@
               <a:rPr lang="en-US"/>
               <a:t>Click to edit Master title style</a:t>
             </a:r>
-            <a:endParaRPr lang="es-MX"/>
-          </a:p>
-        </p:txBody>
-      </p:sp>
-      <p:sp>
-        <p:nvSpPr>
-          <p:cNvPr id="3" name="Content Placeholder 2">
-            <a:extLst>
-              <a:ext uri="{FF2B5EF4-FFF2-40B4-BE49-F238E27FC236}">
-                <a16:creationId xmlns:a16="http://schemas.microsoft.com/office/drawing/2014/main" id="{D09E28D5-7EF5-46E1-9B0A-272CF5A4DEF4}"/>
-              </a:ext>
-            </a:extLst>
-          </p:cNvPr>
+            <a:endParaRPr lang="en-US" dirty="0"/>
+          </a:p>
+        </p:txBody>
+      </p:sp>
+      <p:sp>
+        <p:nvSpPr>
+          <p:cNvPr id="3" name="Content Placeholder 2"/>
           <p:cNvSpPr>
             <a:spLocks noGrp="1"/>
           </p:cNvSpPr>
@@ -839,19 +837,13 @@
               <a:rPr lang="en-US"/>
               <a:t>Fifth level</a:t>
             </a:r>
-            <a:endParaRPr lang="es-MX"/>
-          </a:p>
-        </p:txBody>
-      </p:sp>
-      <p:sp>
-        <p:nvSpPr>
-          <p:cNvPr id="4" name="Date Placeholder 3">
-            <a:extLst>
-              <a:ext uri="{FF2B5EF4-FFF2-40B4-BE49-F238E27FC236}">
-                <a16:creationId xmlns:a16="http://schemas.microsoft.com/office/drawing/2014/main" id="{3BD5B2A1-EEC0-4058-AA80-7B5C1BCBBF75}"/>
-              </a:ext>
-            </a:extLst>
-          </p:cNvPr>
+            <a:endParaRPr lang="en-US" dirty="0"/>
+          </a:p>
+        </p:txBody>
+      </p:sp>
+      <p:sp>
+        <p:nvSpPr>
+          <p:cNvPr id="4" name="Date Placeholder 3"/>
           <p:cNvSpPr>
             <a:spLocks noGrp="1"/>
           </p:cNvSpPr>
@@ -866,7 +858,7 @@
           <a:p>
             <a:fld id="{8C95B75D-73A6-48A0-A6AB-4E09535D57A2}" type="datetimeFigureOut">
               <a:rPr lang="es-MX" smtClean="0"/>
-              <a:t>15/03/2019</a:t>
+              <a:t>20/03/2019</a:t>
             </a:fld>
             <a:endParaRPr lang="es-MX"/>
           </a:p>
@@ -874,13 +866,7 @@
       </p:sp>
       <p:sp>
         <p:nvSpPr>
-          <p:cNvPr id="5" name="Footer Placeholder 4">
-            <a:extLst>
-              <a:ext uri="{FF2B5EF4-FFF2-40B4-BE49-F238E27FC236}">
-                <a16:creationId xmlns:a16="http://schemas.microsoft.com/office/drawing/2014/main" id="{1BA7325E-572F-4A42-BA9A-4DC638913C75}"/>
-              </a:ext>
-            </a:extLst>
-          </p:cNvPr>
+          <p:cNvPr id="5" name="Footer Placeholder 4"/>
           <p:cNvSpPr>
             <a:spLocks noGrp="1"/>
           </p:cNvSpPr>
@@ -899,13 +885,7 @@
       </p:sp>
       <p:sp>
         <p:nvSpPr>
-          <p:cNvPr id="6" name="Slide Number Placeholder 5">
-            <a:extLst>
-              <a:ext uri="{FF2B5EF4-FFF2-40B4-BE49-F238E27FC236}">
-                <a16:creationId xmlns:a16="http://schemas.microsoft.com/office/drawing/2014/main" id="{4D831DAC-49F2-4D28-9D72-B28EFEEF12D0}"/>
-              </a:ext>
-            </a:extLst>
-          </p:cNvPr>
+          <p:cNvPr id="6" name="Slide Number Placeholder 5"/>
           <p:cNvSpPr>
             <a:spLocks noGrp="1"/>
           </p:cNvSpPr>
@@ -929,7 +909,7 @@
     </p:spTree>
     <p:extLst>
       <p:ext uri="{BB962C8B-B14F-4D97-AF65-F5344CB8AC3E}">
-        <p14:creationId xmlns:p14="http://schemas.microsoft.com/office/powerpoint/2010/main" val="2991575910"/>
+        <p14:creationId xmlns:p14="http://schemas.microsoft.com/office/powerpoint/2010/main" val="1306347266"/>
       </p:ext>
     </p:extLst>
   </p:cSld>
@@ -958,13 +938,7 @@
       </p:grpSpPr>
       <p:sp>
         <p:nvSpPr>
-          <p:cNvPr id="2" name="Title 1">
-            <a:extLst>
-              <a:ext uri="{FF2B5EF4-FFF2-40B4-BE49-F238E27FC236}">
-                <a16:creationId xmlns:a16="http://schemas.microsoft.com/office/drawing/2014/main" id="{B931DFFE-2DE9-4329-9AB7-CED03ACA6616}"/>
-              </a:ext>
-            </a:extLst>
-          </p:cNvPr>
+          <p:cNvPr id="2" name="Title 1"/>
           <p:cNvSpPr>
             <a:spLocks noGrp="1"/>
           </p:cNvSpPr>
@@ -974,15 +948,24 @@
         </p:nvSpPr>
         <p:spPr>
           <a:xfrm>
-            <a:off x="831850" y="1709738"/>
-            <a:ext cx="10515600" cy="2852737"/>
+            <a:off x="3867912" y="1298448"/>
+            <a:ext cx="7315200" cy="3255264"/>
           </a:xfrm>
         </p:spPr>
         <p:txBody>
-          <a:bodyPr anchor="b"/>
+          <a:bodyPr anchor="b">
+            <a:normAutofit/>
+          </a:bodyPr>
           <a:lstStyle>
             <a:lvl1pPr>
-              <a:defRPr sz="6000"/>
+              <a:defRPr sz="5900" b="0" spc="-100" baseline="0">
+                <a:solidFill>
+                  <a:schemeClr val="tx1">
+                    <a:lumMod val="65000"/>
+                    <a:lumOff val="35000"/>
+                  </a:schemeClr>
+                </a:solidFill>
+              </a:defRPr>
             </a:lvl1pPr>
           </a:lstStyle>
           <a:p>
@@ -990,19 +973,13 @@
               <a:rPr lang="en-US"/>
               <a:t>Click to edit Master title style</a:t>
             </a:r>
-            <a:endParaRPr lang="es-MX"/>
-          </a:p>
-        </p:txBody>
-      </p:sp>
-      <p:sp>
-        <p:nvSpPr>
-          <p:cNvPr id="3" name="Text Placeholder 2">
-            <a:extLst>
-              <a:ext uri="{FF2B5EF4-FFF2-40B4-BE49-F238E27FC236}">
-                <a16:creationId xmlns:a16="http://schemas.microsoft.com/office/drawing/2014/main" id="{B26EB7B6-7BBC-4024-9AD2-85BF3557639B}"/>
-              </a:ext>
-            </a:extLst>
-          </p:cNvPr>
+            <a:endParaRPr lang="en-US" dirty="0"/>
+          </a:p>
+        </p:txBody>
+      </p:sp>
+      <p:sp>
+        <p:nvSpPr>
+          <p:cNvPr id="3" name="Text Placeholder 2"/>
           <p:cNvSpPr>
             <a:spLocks noGrp="1"/>
           </p:cNvSpPr>
@@ -1012,26 +989,29 @@
         </p:nvSpPr>
         <p:spPr>
           <a:xfrm>
-            <a:off x="831850" y="4589463"/>
-            <a:ext cx="10515600" cy="1500187"/>
+            <a:off x="3886200" y="4672584"/>
+            <a:ext cx="7315200" cy="914400"/>
           </a:xfrm>
         </p:spPr>
         <p:txBody>
-          <a:bodyPr/>
+          <a:bodyPr anchor="t">
+            <a:normAutofit/>
+          </a:bodyPr>
           <a:lstStyle>
             <a:lvl1pPr marL="0" indent="0">
               <a:buNone/>
-              <a:defRPr sz="2400">
+              <a:defRPr sz="2200" cap="none" spc="0" baseline="0">
                 <a:solidFill>
                   <a:schemeClr val="tx1">
-                    <a:tint val="75000"/>
+                    <a:lumMod val="65000"/>
+                    <a:lumOff val="35000"/>
                   </a:schemeClr>
                 </a:solidFill>
               </a:defRPr>
             </a:lvl1pPr>
             <a:lvl2pPr marL="457200" indent="0">
               <a:buNone/>
-              <a:defRPr sz="2000">
+              <a:defRPr sz="1800">
                 <a:solidFill>
                   <a:schemeClr val="tx1">
                     <a:tint val="75000"/>
@@ -1041,7 +1021,7 @@
             </a:lvl2pPr>
             <a:lvl3pPr marL="914400" indent="0">
               <a:buNone/>
-              <a:defRPr sz="1800">
+              <a:defRPr sz="1600">
                 <a:solidFill>
                   <a:schemeClr val="tx1">
                     <a:tint val="75000"/>
@@ -1051,7 +1031,7 @@
             </a:lvl3pPr>
             <a:lvl4pPr marL="1371600" indent="0">
               <a:buNone/>
-              <a:defRPr sz="1600">
+              <a:defRPr sz="1400">
                 <a:solidFill>
                   <a:schemeClr val="tx1">
                     <a:tint val="75000"/>
@@ -1061,7 +1041,7 @@
             </a:lvl4pPr>
             <a:lvl5pPr marL="1828800" indent="0">
               <a:buNone/>
-              <a:defRPr sz="1600">
+              <a:defRPr sz="1400">
                 <a:solidFill>
                   <a:schemeClr val="tx1">
                     <a:tint val="75000"/>
@@ -1071,7 +1051,7 @@
             </a:lvl5pPr>
             <a:lvl6pPr marL="2286000" indent="0">
               <a:buNone/>
-              <a:defRPr sz="1600">
+              <a:defRPr sz="1400">
                 <a:solidFill>
                   <a:schemeClr val="tx1">
                     <a:tint val="75000"/>
@@ -1081,7 +1061,7 @@
             </a:lvl6pPr>
             <a:lvl7pPr marL="2743200" indent="0">
               <a:buNone/>
-              <a:defRPr sz="1600">
+              <a:defRPr sz="1400">
                 <a:solidFill>
                   <a:schemeClr val="tx1">
                     <a:tint val="75000"/>
@@ -1091,7 +1071,7 @@
             </a:lvl7pPr>
             <a:lvl8pPr marL="3200400" indent="0">
               <a:buNone/>
-              <a:defRPr sz="1600">
+              <a:defRPr sz="1400">
                 <a:solidFill>
                   <a:schemeClr val="tx1">
                     <a:tint val="75000"/>
@@ -1101,7 +1081,7 @@
             </a:lvl8pPr>
             <a:lvl9pPr marL="3657600" indent="0">
               <a:buNone/>
-              <a:defRPr sz="1600">
+              <a:defRPr sz="1400">
                 <a:solidFill>
                   <a:schemeClr val="tx1">
                     <a:tint val="75000"/>
@@ -1121,13 +1101,7 @@
       </p:sp>
       <p:sp>
         <p:nvSpPr>
-          <p:cNvPr id="4" name="Date Placeholder 3">
-            <a:extLst>
-              <a:ext uri="{FF2B5EF4-FFF2-40B4-BE49-F238E27FC236}">
-                <a16:creationId xmlns:a16="http://schemas.microsoft.com/office/drawing/2014/main" id="{222EEEF4-FF80-4D53-A97B-B7BEA1EB001B}"/>
-              </a:ext>
-            </a:extLst>
-          </p:cNvPr>
+          <p:cNvPr id="4" name="Date Placeholder 3"/>
           <p:cNvSpPr>
             <a:spLocks noGrp="1"/>
           </p:cNvSpPr>
@@ -1142,7 +1116,7 @@
           <a:p>
             <a:fld id="{8C95B75D-73A6-48A0-A6AB-4E09535D57A2}" type="datetimeFigureOut">
               <a:rPr lang="es-MX" smtClean="0"/>
-              <a:t>15/03/2019</a:t>
+              <a:t>20/03/2019</a:t>
             </a:fld>
             <a:endParaRPr lang="es-MX"/>
           </a:p>
@@ -1150,13 +1124,7 @@
       </p:sp>
       <p:sp>
         <p:nvSpPr>
-          <p:cNvPr id="5" name="Footer Placeholder 4">
-            <a:extLst>
-              <a:ext uri="{FF2B5EF4-FFF2-40B4-BE49-F238E27FC236}">
-                <a16:creationId xmlns:a16="http://schemas.microsoft.com/office/drawing/2014/main" id="{A827E6BE-DA16-4598-A534-74E63BD21B44}"/>
-              </a:ext>
-            </a:extLst>
-          </p:cNvPr>
+          <p:cNvPr id="5" name="Footer Placeholder 4"/>
           <p:cNvSpPr>
             <a:spLocks noGrp="1"/>
           </p:cNvSpPr>
@@ -1175,13 +1143,7 @@
       </p:sp>
       <p:sp>
         <p:nvSpPr>
-          <p:cNvPr id="6" name="Slide Number Placeholder 5">
-            <a:extLst>
-              <a:ext uri="{FF2B5EF4-FFF2-40B4-BE49-F238E27FC236}">
-                <a16:creationId xmlns:a16="http://schemas.microsoft.com/office/drawing/2014/main" id="{1B5EAA1B-3CB3-4EA2-ADFD-6217ECDD596D}"/>
-              </a:ext>
-            </a:extLst>
-          </p:cNvPr>
+          <p:cNvPr id="6" name="Slide Number Placeholder 5"/>
           <p:cNvSpPr>
             <a:spLocks noGrp="1"/>
           </p:cNvSpPr>
@@ -1205,7 +1167,7 @@
     </p:spTree>
     <p:extLst>
       <p:ext uri="{BB962C8B-B14F-4D97-AF65-F5344CB8AC3E}">
-        <p14:creationId xmlns:p14="http://schemas.microsoft.com/office/powerpoint/2010/main" val="1150610630"/>
+        <p14:creationId xmlns:p14="http://schemas.microsoft.com/office/powerpoint/2010/main" val="574142014"/>
       </p:ext>
     </p:extLst>
   </p:cSld>
@@ -1234,13 +1196,7 @@
       </p:grpSpPr>
       <p:sp>
         <p:nvSpPr>
-          <p:cNvPr id="2" name="Title 1">
-            <a:extLst>
-              <a:ext uri="{FF2B5EF4-FFF2-40B4-BE49-F238E27FC236}">
-                <a16:creationId xmlns:a16="http://schemas.microsoft.com/office/drawing/2014/main" id="{E6F86093-2AF3-4590-A7BD-F0FEB4C8EAFF}"/>
-              </a:ext>
-            </a:extLst>
-          </p:cNvPr>
+          <p:cNvPr id="2" name="Title 1"/>
           <p:cNvSpPr>
             <a:spLocks noGrp="1"/>
           </p:cNvSpPr>
@@ -1257,19 +1213,13 @@
               <a:rPr lang="en-US"/>
               <a:t>Click to edit Master title style</a:t>
             </a:r>
-            <a:endParaRPr lang="es-MX"/>
-          </a:p>
-        </p:txBody>
-      </p:sp>
-      <p:sp>
-        <p:nvSpPr>
-          <p:cNvPr id="3" name="Content Placeholder 2">
-            <a:extLst>
-              <a:ext uri="{FF2B5EF4-FFF2-40B4-BE49-F238E27FC236}">
-                <a16:creationId xmlns:a16="http://schemas.microsoft.com/office/drawing/2014/main" id="{722CB4E1-E585-4844-83E1-AD335441CFE3}"/>
-              </a:ext>
-            </a:extLst>
-          </p:cNvPr>
+            <a:endParaRPr lang="en-US" dirty="0"/>
+          </a:p>
+        </p:txBody>
+      </p:sp>
+      <p:sp>
+        <p:nvSpPr>
+          <p:cNvPr id="3" name="Content Placeholder 2"/>
           <p:cNvSpPr>
             <a:spLocks noGrp="1"/>
           </p:cNvSpPr>
@@ -1279,13 +1229,41 @@
         </p:nvSpPr>
         <p:spPr>
           <a:xfrm>
-            <a:off x="838200" y="1825625"/>
-            <a:ext cx="5181600" cy="4351338"/>
+            <a:off x="3867912" y="868680"/>
+            <a:ext cx="3474720" cy="5120640"/>
           </a:xfrm>
         </p:spPr>
         <p:txBody>
           <a:bodyPr/>
-          <a:lstStyle/>
+          <a:lstStyle>
+            <a:lvl1pPr>
+              <a:defRPr sz="2000"/>
+            </a:lvl1pPr>
+            <a:lvl2pPr>
+              <a:defRPr sz="1800"/>
+            </a:lvl2pPr>
+            <a:lvl3pPr>
+              <a:defRPr sz="1600"/>
+            </a:lvl3pPr>
+            <a:lvl4pPr>
+              <a:defRPr sz="1400"/>
+            </a:lvl4pPr>
+            <a:lvl5pPr>
+              <a:defRPr sz="1400"/>
+            </a:lvl5pPr>
+            <a:lvl6pPr>
+              <a:defRPr sz="1400"/>
+            </a:lvl6pPr>
+            <a:lvl7pPr>
+              <a:defRPr sz="1400"/>
+            </a:lvl7pPr>
+            <a:lvl8pPr>
+              <a:defRPr sz="1400"/>
+            </a:lvl8pPr>
+            <a:lvl9pPr>
+              <a:defRPr sz="1400"/>
+            </a:lvl9pPr>
+          </a:lstStyle>
           <a:p>
             <a:pPr lvl="0"/>
             <a:r>
@@ -1320,19 +1298,13 @@
               <a:rPr lang="en-US"/>
               <a:t>Fifth level</a:t>
             </a:r>
-            <a:endParaRPr lang="es-MX"/>
-          </a:p>
-        </p:txBody>
-      </p:sp>
-      <p:sp>
-        <p:nvSpPr>
-          <p:cNvPr id="4" name="Content Placeholder 3">
-            <a:extLst>
-              <a:ext uri="{FF2B5EF4-FFF2-40B4-BE49-F238E27FC236}">
-                <a16:creationId xmlns:a16="http://schemas.microsoft.com/office/drawing/2014/main" id="{CA8F453A-F86A-49B9-A898-88AED6D74E00}"/>
-              </a:ext>
-            </a:extLst>
-          </p:cNvPr>
+            <a:endParaRPr lang="en-US" dirty="0"/>
+          </a:p>
+        </p:txBody>
+      </p:sp>
+      <p:sp>
+        <p:nvSpPr>
+          <p:cNvPr id="4" name="Content Placeholder 3"/>
           <p:cNvSpPr>
             <a:spLocks noGrp="1"/>
           </p:cNvSpPr>
@@ -1342,13 +1314,41 @@
         </p:nvSpPr>
         <p:spPr>
           <a:xfrm>
-            <a:off x="6172200" y="1825625"/>
-            <a:ext cx="5181600" cy="4351338"/>
+            <a:off x="7818120" y="868680"/>
+            <a:ext cx="3474720" cy="5120640"/>
           </a:xfrm>
         </p:spPr>
         <p:txBody>
           <a:bodyPr/>
-          <a:lstStyle/>
+          <a:lstStyle>
+            <a:lvl1pPr>
+              <a:defRPr sz="2000"/>
+            </a:lvl1pPr>
+            <a:lvl2pPr>
+              <a:defRPr sz="1800"/>
+            </a:lvl2pPr>
+            <a:lvl3pPr>
+              <a:defRPr sz="1600"/>
+            </a:lvl3pPr>
+            <a:lvl4pPr>
+              <a:defRPr sz="1400"/>
+            </a:lvl4pPr>
+            <a:lvl5pPr>
+              <a:defRPr sz="1400"/>
+            </a:lvl5pPr>
+            <a:lvl6pPr>
+              <a:defRPr sz="1400"/>
+            </a:lvl6pPr>
+            <a:lvl7pPr>
+              <a:defRPr sz="1400"/>
+            </a:lvl7pPr>
+            <a:lvl8pPr>
+              <a:defRPr sz="1400"/>
+            </a:lvl8pPr>
+            <a:lvl9pPr>
+              <a:defRPr sz="1400"/>
+            </a:lvl9pPr>
+          </a:lstStyle>
           <a:p>
             <a:pPr lvl="0"/>
             <a:r>
@@ -1383,19 +1383,13 @@
               <a:rPr lang="en-US"/>
               <a:t>Fifth level</a:t>
             </a:r>
-            <a:endParaRPr lang="es-MX"/>
-          </a:p>
-        </p:txBody>
-      </p:sp>
-      <p:sp>
-        <p:nvSpPr>
-          <p:cNvPr id="5" name="Date Placeholder 4">
-            <a:extLst>
-              <a:ext uri="{FF2B5EF4-FFF2-40B4-BE49-F238E27FC236}">
-                <a16:creationId xmlns:a16="http://schemas.microsoft.com/office/drawing/2014/main" id="{27198AA9-8703-45B3-9057-895268161921}"/>
-              </a:ext>
-            </a:extLst>
-          </p:cNvPr>
+            <a:endParaRPr lang="en-US" dirty="0"/>
+          </a:p>
+        </p:txBody>
+      </p:sp>
+      <p:sp>
+        <p:nvSpPr>
+          <p:cNvPr id="8" name="Date Placeholder 7"/>
           <p:cNvSpPr>
             <a:spLocks noGrp="1"/>
           </p:cNvSpPr>
@@ -1410,7 +1404,7 @@
           <a:p>
             <a:fld id="{8C95B75D-73A6-48A0-A6AB-4E09535D57A2}" type="datetimeFigureOut">
               <a:rPr lang="es-MX" smtClean="0"/>
-              <a:t>15/03/2019</a:t>
+              <a:t>20/03/2019</a:t>
             </a:fld>
             <a:endParaRPr lang="es-MX"/>
           </a:p>
@@ -1418,13 +1412,7 @@
       </p:sp>
       <p:sp>
         <p:nvSpPr>
-          <p:cNvPr id="6" name="Footer Placeholder 5">
-            <a:extLst>
-              <a:ext uri="{FF2B5EF4-FFF2-40B4-BE49-F238E27FC236}">
-                <a16:creationId xmlns:a16="http://schemas.microsoft.com/office/drawing/2014/main" id="{3431D89B-2552-4264-A10F-8DC48C292E14}"/>
-              </a:ext>
-            </a:extLst>
-          </p:cNvPr>
+          <p:cNvPr id="9" name="Footer Placeholder 8"/>
           <p:cNvSpPr>
             <a:spLocks noGrp="1"/>
           </p:cNvSpPr>
@@ -1443,13 +1431,7 @@
       </p:sp>
       <p:sp>
         <p:nvSpPr>
-          <p:cNvPr id="7" name="Slide Number Placeholder 6">
-            <a:extLst>
-              <a:ext uri="{FF2B5EF4-FFF2-40B4-BE49-F238E27FC236}">
-                <a16:creationId xmlns:a16="http://schemas.microsoft.com/office/drawing/2014/main" id="{3720804F-CC42-4893-B275-E1C67922D6DA}"/>
-              </a:ext>
-            </a:extLst>
-          </p:cNvPr>
+          <p:cNvPr id="10" name="Slide Number Placeholder 9"/>
           <p:cNvSpPr>
             <a:spLocks noGrp="1"/>
           </p:cNvSpPr>
@@ -1473,7 +1455,7 @@
     </p:spTree>
     <p:extLst>
       <p:ext uri="{BB962C8B-B14F-4D97-AF65-F5344CB8AC3E}">
-        <p14:creationId xmlns:p14="http://schemas.microsoft.com/office/powerpoint/2010/main" val="3997661028"/>
+        <p14:creationId xmlns:p14="http://schemas.microsoft.com/office/powerpoint/2010/main" val="296668294"/>
       </p:ext>
     </p:extLst>
   </p:cSld>
@@ -1502,66 +1484,61 @@
       </p:grpSpPr>
       <p:sp>
         <p:nvSpPr>
-          <p:cNvPr id="2" name="Title 1">
-            <a:extLst>
-              <a:ext uri="{FF2B5EF4-FFF2-40B4-BE49-F238E27FC236}">
-                <a16:creationId xmlns:a16="http://schemas.microsoft.com/office/drawing/2014/main" id="{11D43C0F-BB4C-4F3D-AD47-7284F9DB95C4}"/>
-              </a:ext>
-            </a:extLst>
-          </p:cNvPr>
+          <p:cNvPr id="10" name="Title 9"/>
           <p:cNvSpPr>
             <a:spLocks noGrp="1"/>
           </p:cNvSpPr>
           <p:nvPr>
             <p:ph type="title"/>
+          </p:nvPr>
+        </p:nvSpPr>
+        <p:spPr/>
+        <p:txBody>
+          <a:bodyPr/>
+          <a:lstStyle/>
+          <a:p>
+            <a:r>
+              <a:rPr lang="en-US"/>
+              <a:t>Click to edit Master title style</a:t>
+            </a:r>
+            <a:endParaRPr lang="en-US" dirty="0"/>
+          </a:p>
+        </p:txBody>
+      </p:sp>
+      <p:sp>
+        <p:nvSpPr>
+          <p:cNvPr id="3" name="Text Placeholder 2"/>
+          <p:cNvSpPr>
+            <a:spLocks noGrp="1"/>
+          </p:cNvSpPr>
+          <p:nvPr>
+            <p:ph type="body" idx="1"/>
           </p:nvPr>
         </p:nvSpPr>
         <p:spPr>
           <a:xfrm>
-            <a:off x="839788" y="365125"/>
-            <a:ext cx="10515600" cy="1325563"/>
+            <a:off x="3867912" y="1023586"/>
+            <a:ext cx="3474720" cy="807720"/>
           </a:xfrm>
         </p:spPr>
         <p:txBody>
-          <a:bodyPr/>
-          <a:lstStyle/>
-          <a:p>
-            <a:r>
-              <a:rPr lang="en-US"/>
-              <a:t>Click to edit Master title style</a:t>
-            </a:r>
-            <a:endParaRPr lang="es-MX"/>
-          </a:p>
-        </p:txBody>
-      </p:sp>
-      <p:sp>
-        <p:nvSpPr>
-          <p:cNvPr id="3" name="Text Placeholder 2">
-            <a:extLst>
-              <a:ext uri="{FF2B5EF4-FFF2-40B4-BE49-F238E27FC236}">
-                <a16:creationId xmlns:a16="http://schemas.microsoft.com/office/drawing/2014/main" id="{778129E8-744F-4E27-B614-3B5DF84D016A}"/>
-              </a:ext>
-            </a:extLst>
-          </p:cNvPr>
-          <p:cNvSpPr>
-            <a:spLocks noGrp="1"/>
-          </p:cNvSpPr>
-          <p:nvPr>
-            <p:ph type="body" idx="1"/>
-          </p:nvPr>
-        </p:nvSpPr>
-        <p:spPr>
-          <a:xfrm>
-            <a:off x="839788" y="1681163"/>
-            <a:ext cx="5157787" cy="823912"/>
-          </a:xfrm>
-        </p:spPr>
-        <p:txBody>
-          <a:bodyPr anchor="b"/>
+          <a:bodyPr anchor="b">
+            <a:normAutofit/>
+          </a:bodyPr>
           <a:lstStyle>
             <a:lvl1pPr marL="0" indent="0">
-              <a:buNone/>
-              <a:defRPr sz="2400" b="1"/>
+              <a:spcBef>
+                <a:spcPts val="0"/>
+              </a:spcBef>
+              <a:buNone/>
+              <a:defRPr sz="2000" b="1">
+                <a:solidFill>
+                  <a:schemeClr val="tx1">
+                    <a:lumMod val="65000"/>
+                    <a:lumOff val="35000"/>
+                  </a:schemeClr>
+                </a:solidFill>
+              </a:defRPr>
             </a:lvl1pPr>
             <a:lvl2pPr marL="457200" indent="0">
               <a:buNone/>
@@ -1607,13 +1584,7 @@
       </p:sp>
       <p:sp>
         <p:nvSpPr>
-          <p:cNvPr id="4" name="Content Placeholder 3">
-            <a:extLst>
-              <a:ext uri="{FF2B5EF4-FFF2-40B4-BE49-F238E27FC236}">
-                <a16:creationId xmlns:a16="http://schemas.microsoft.com/office/drawing/2014/main" id="{08BC7B59-22FF-40F0-ADC8-D33F2BE77AEB}"/>
-              </a:ext>
-            </a:extLst>
-          </p:cNvPr>
+          <p:cNvPr id="4" name="Content Placeholder 3"/>
           <p:cNvSpPr>
             <a:spLocks noGrp="1"/>
           </p:cNvSpPr>
@@ -1623,13 +1594,41 @@
         </p:nvSpPr>
         <p:spPr>
           <a:xfrm>
-            <a:off x="839788" y="2505075"/>
-            <a:ext cx="5157787" cy="3684588"/>
+            <a:off x="3867912" y="1930936"/>
+            <a:ext cx="3474720" cy="4023360"/>
           </a:xfrm>
         </p:spPr>
         <p:txBody>
           <a:bodyPr/>
-          <a:lstStyle/>
+          <a:lstStyle>
+            <a:lvl1pPr>
+              <a:defRPr sz="2000"/>
+            </a:lvl1pPr>
+            <a:lvl2pPr>
+              <a:defRPr sz="1800"/>
+            </a:lvl2pPr>
+            <a:lvl3pPr>
+              <a:defRPr sz="1600"/>
+            </a:lvl3pPr>
+            <a:lvl4pPr>
+              <a:defRPr sz="1400"/>
+            </a:lvl4pPr>
+            <a:lvl5pPr>
+              <a:defRPr sz="1400"/>
+            </a:lvl5pPr>
+            <a:lvl6pPr>
+              <a:defRPr sz="1400"/>
+            </a:lvl6pPr>
+            <a:lvl7pPr>
+              <a:defRPr sz="1400"/>
+            </a:lvl7pPr>
+            <a:lvl8pPr>
+              <a:defRPr sz="1400"/>
+            </a:lvl8pPr>
+            <a:lvl9pPr>
+              <a:defRPr sz="1400"/>
+            </a:lvl9pPr>
+          </a:lstStyle>
           <a:p>
             <a:pPr lvl="0"/>
             <a:r>
@@ -1664,19 +1663,13 @@
               <a:rPr lang="en-US"/>
               <a:t>Fifth level</a:t>
             </a:r>
-            <a:endParaRPr lang="es-MX"/>
-          </a:p>
-        </p:txBody>
-      </p:sp>
-      <p:sp>
-        <p:nvSpPr>
-          <p:cNvPr id="5" name="Text Placeholder 4">
-            <a:extLst>
-              <a:ext uri="{FF2B5EF4-FFF2-40B4-BE49-F238E27FC236}">
-                <a16:creationId xmlns:a16="http://schemas.microsoft.com/office/drawing/2014/main" id="{7ACC8A18-9527-4D42-8906-D23D8301E2F2}"/>
-              </a:ext>
-            </a:extLst>
-          </p:cNvPr>
+            <a:endParaRPr lang="en-US" dirty="0"/>
+          </a:p>
+        </p:txBody>
+      </p:sp>
+      <p:sp>
+        <p:nvSpPr>
+          <p:cNvPr id="5" name="Text Placeholder 4"/>
           <p:cNvSpPr>
             <a:spLocks noGrp="1"/>
           </p:cNvSpPr>
@@ -1686,16 +1679,28 @@
         </p:nvSpPr>
         <p:spPr>
           <a:xfrm>
-            <a:off x="6172200" y="1681163"/>
-            <a:ext cx="5183188" cy="823912"/>
+            <a:off x="7818463" y="1023586"/>
+            <a:ext cx="3474720" cy="813171"/>
           </a:xfrm>
         </p:spPr>
         <p:txBody>
-          <a:bodyPr anchor="b"/>
+          <a:bodyPr anchor="b">
+            <a:normAutofit/>
+          </a:bodyPr>
           <a:lstStyle>
             <a:lvl1pPr marL="0" indent="0">
-              <a:buNone/>
-              <a:defRPr sz="2400" b="1"/>
+              <a:spcBef>
+                <a:spcPts val="0"/>
+              </a:spcBef>
+              <a:buNone/>
+              <a:defRPr sz="2000" b="1">
+                <a:solidFill>
+                  <a:schemeClr val="tx1">
+                    <a:lumMod val="65000"/>
+                    <a:lumOff val="35000"/>
+                  </a:schemeClr>
+                </a:solidFill>
+              </a:defRPr>
             </a:lvl1pPr>
             <a:lvl2pPr marL="457200" indent="0">
               <a:buNone/>
@@ -1741,13 +1746,7 @@
       </p:sp>
       <p:sp>
         <p:nvSpPr>
-          <p:cNvPr id="6" name="Content Placeholder 5">
-            <a:extLst>
-              <a:ext uri="{FF2B5EF4-FFF2-40B4-BE49-F238E27FC236}">
-                <a16:creationId xmlns:a16="http://schemas.microsoft.com/office/drawing/2014/main" id="{AB0F19BE-CB3C-427D-ADF2-DDEC252869D1}"/>
-              </a:ext>
-            </a:extLst>
-          </p:cNvPr>
+          <p:cNvPr id="6" name="Content Placeholder 5"/>
           <p:cNvSpPr>
             <a:spLocks noGrp="1"/>
           </p:cNvSpPr>
@@ -1757,13 +1756,41 @@
         </p:nvSpPr>
         <p:spPr>
           <a:xfrm>
-            <a:off x="6172200" y="2505075"/>
-            <a:ext cx="5183188" cy="3684588"/>
+            <a:off x="7818463" y="1930936"/>
+            <a:ext cx="3474720" cy="4023360"/>
           </a:xfrm>
         </p:spPr>
         <p:txBody>
           <a:bodyPr/>
-          <a:lstStyle/>
+          <a:lstStyle>
+            <a:lvl1pPr>
+              <a:defRPr sz="2000"/>
+            </a:lvl1pPr>
+            <a:lvl2pPr>
+              <a:defRPr sz="1800"/>
+            </a:lvl2pPr>
+            <a:lvl3pPr>
+              <a:defRPr sz="1600"/>
+            </a:lvl3pPr>
+            <a:lvl4pPr>
+              <a:defRPr sz="1400"/>
+            </a:lvl4pPr>
+            <a:lvl5pPr>
+              <a:defRPr sz="1400"/>
+            </a:lvl5pPr>
+            <a:lvl6pPr>
+              <a:defRPr sz="1400"/>
+            </a:lvl6pPr>
+            <a:lvl7pPr>
+              <a:defRPr sz="1400"/>
+            </a:lvl7pPr>
+            <a:lvl8pPr>
+              <a:defRPr sz="1400"/>
+            </a:lvl8pPr>
+            <a:lvl9pPr>
+              <a:defRPr sz="1400"/>
+            </a:lvl9pPr>
+          </a:lstStyle>
           <a:p>
             <a:pPr lvl="0"/>
             <a:r>
@@ -1798,19 +1825,13 @@
               <a:rPr lang="en-US"/>
               <a:t>Fifth level</a:t>
             </a:r>
-            <a:endParaRPr lang="es-MX"/>
-          </a:p>
-        </p:txBody>
-      </p:sp>
-      <p:sp>
-        <p:nvSpPr>
-          <p:cNvPr id="7" name="Date Placeholder 6">
-            <a:extLst>
-              <a:ext uri="{FF2B5EF4-FFF2-40B4-BE49-F238E27FC236}">
-                <a16:creationId xmlns:a16="http://schemas.microsoft.com/office/drawing/2014/main" id="{A97E4175-2B20-4CA7-8B5B-FC8CB7D1B738}"/>
-              </a:ext>
-            </a:extLst>
-          </p:cNvPr>
+            <a:endParaRPr lang="en-US" dirty="0"/>
+          </a:p>
+        </p:txBody>
+      </p:sp>
+      <p:sp>
+        <p:nvSpPr>
+          <p:cNvPr id="2" name="Date Placeholder 1"/>
           <p:cNvSpPr>
             <a:spLocks noGrp="1"/>
           </p:cNvSpPr>
@@ -1825,7 +1846,7 @@
           <a:p>
             <a:fld id="{8C95B75D-73A6-48A0-A6AB-4E09535D57A2}" type="datetimeFigureOut">
               <a:rPr lang="es-MX" smtClean="0"/>
-              <a:t>15/03/2019</a:t>
+              <a:t>20/03/2019</a:t>
             </a:fld>
             <a:endParaRPr lang="es-MX"/>
           </a:p>
@@ -1833,13 +1854,7 @@
       </p:sp>
       <p:sp>
         <p:nvSpPr>
-          <p:cNvPr id="8" name="Footer Placeholder 7">
-            <a:extLst>
-              <a:ext uri="{FF2B5EF4-FFF2-40B4-BE49-F238E27FC236}">
-                <a16:creationId xmlns:a16="http://schemas.microsoft.com/office/drawing/2014/main" id="{9A82F551-6D17-473D-A295-D62F7863CFC4}"/>
-              </a:ext>
-            </a:extLst>
-          </p:cNvPr>
+          <p:cNvPr id="11" name="Footer Placeholder 10"/>
           <p:cNvSpPr>
             <a:spLocks noGrp="1"/>
           </p:cNvSpPr>
@@ -1858,13 +1873,7 @@
       </p:sp>
       <p:sp>
         <p:nvSpPr>
-          <p:cNvPr id="9" name="Slide Number Placeholder 8">
-            <a:extLst>
-              <a:ext uri="{FF2B5EF4-FFF2-40B4-BE49-F238E27FC236}">
-                <a16:creationId xmlns:a16="http://schemas.microsoft.com/office/drawing/2014/main" id="{07701A3F-1903-4A05-BE17-983E1A548703}"/>
-              </a:ext>
-            </a:extLst>
-          </p:cNvPr>
+          <p:cNvPr id="12" name="Slide Number Placeholder 11"/>
           <p:cNvSpPr>
             <a:spLocks noGrp="1"/>
           </p:cNvSpPr>
@@ -1888,7 +1897,7 @@
     </p:spTree>
     <p:extLst>
       <p:ext uri="{BB962C8B-B14F-4D97-AF65-F5344CB8AC3E}">
-        <p14:creationId xmlns:p14="http://schemas.microsoft.com/office/powerpoint/2010/main" val="2297093760"/>
+        <p14:creationId xmlns:p14="http://schemas.microsoft.com/office/powerpoint/2010/main" val="2097018202"/>
       </p:ext>
     </p:extLst>
   </p:cSld>
@@ -1917,13 +1926,7 @@
       </p:grpSpPr>
       <p:sp>
         <p:nvSpPr>
-          <p:cNvPr id="2" name="Title 1">
-            <a:extLst>
-              <a:ext uri="{FF2B5EF4-FFF2-40B4-BE49-F238E27FC236}">
-                <a16:creationId xmlns:a16="http://schemas.microsoft.com/office/drawing/2014/main" id="{E401DB4D-128F-4D1F-8E7C-D9FE3B1DD937}"/>
-              </a:ext>
-            </a:extLst>
-          </p:cNvPr>
+          <p:cNvPr id="6" name="Title 5"/>
           <p:cNvSpPr>
             <a:spLocks noGrp="1"/>
           </p:cNvSpPr>
@@ -1940,19 +1943,13 @@
               <a:rPr lang="en-US"/>
               <a:t>Click to edit Master title style</a:t>
             </a:r>
-            <a:endParaRPr lang="es-MX"/>
-          </a:p>
-        </p:txBody>
-      </p:sp>
-      <p:sp>
-        <p:nvSpPr>
-          <p:cNvPr id="3" name="Date Placeholder 2">
-            <a:extLst>
-              <a:ext uri="{FF2B5EF4-FFF2-40B4-BE49-F238E27FC236}">
-                <a16:creationId xmlns:a16="http://schemas.microsoft.com/office/drawing/2014/main" id="{19DED307-0165-4370-918B-7C6523D49F82}"/>
-              </a:ext>
-            </a:extLst>
-          </p:cNvPr>
+            <a:endParaRPr lang="en-US" dirty="0"/>
+          </a:p>
+        </p:txBody>
+      </p:sp>
+      <p:sp>
+        <p:nvSpPr>
+          <p:cNvPr id="2" name="Date Placeholder 1"/>
           <p:cNvSpPr>
             <a:spLocks noGrp="1"/>
           </p:cNvSpPr>
@@ -1967,7 +1964,7 @@
           <a:p>
             <a:fld id="{8C95B75D-73A6-48A0-A6AB-4E09535D57A2}" type="datetimeFigureOut">
               <a:rPr lang="es-MX" smtClean="0"/>
-              <a:t>15/03/2019</a:t>
+              <a:t>20/03/2019</a:t>
             </a:fld>
             <a:endParaRPr lang="es-MX"/>
           </a:p>
@@ -1975,13 +1972,7 @@
       </p:sp>
       <p:sp>
         <p:nvSpPr>
-          <p:cNvPr id="4" name="Footer Placeholder 3">
-            <a:extLst>
-              <a:ext uri="{FF2B5EF4-FFF2-40B4-BE49-F238E27FC236}">
-                <a16:creationId xmlns:a16="http://schemas.microsoft.com/office/drawing/2014/main" id="{BEE751D0-8458-4182-8941-760EDBB8CED3}"/>
-              </a:ext>
-            </a:extLst>
-          </p:cNvPr>
+          <p:cNvPr id="7" name="Footer Placeholder 6"/>
           <p:cNvSpPr>
             <a:spLocks noGrp="1"/>
           </p:cNvSpPr>
@@ -2000,13 +1991,7 @@
       </p:sp>
       <p:sp>
         <p:nvSpPr>
-          <p:cNvPr id="5" name="Slide Number Placeholder 4">
-            <a:extLst>
-              <a:ext uri="{FF2B5EF4-FFF2-40B4-BE49-F238E27FC236}">
-                <a16:creationId xmlns:a16="http://schemas.microsoft.com/office/drawing/2014/main" id="{34242A28-4882-4274-B97A-103C5D0E0628}"/>
-              </a:ext>
-            </a:extLst>
-          </p:cNvPr>
+          <p:cNvPr id="8" name="Slide Number Placeholder 7"/>
           <p:cNvSpPr>
             <a:spLocks noGrp="1"/>
           </p:cNvSpPr>
@@ -2030,7 +2015,7 @@
     </p:spTree>
     <p:extLst>
       <p:ext uri="{BB962C8B-B14F-4D97-AF65-F5344CB8AC3E}">
-        <p14:creationId xmlns:p14="http://schemas.microsoft.com/office/powerpoint/2010/main" val="1085427201"/>
+        <p14:creationId xmlns:p14="http://schemas.microsoft.com/office/powerpoint/2010/main" val="3591325749"/>
       </p:ext>
     </p:extLst>
   </p:cSld>
@@ -2041,7 +2026,7 @@
 </file>
 
 <file path=ppt/slideLayouts/slideLayout7.xml><?xml version="1.0" encoding="utf-8"?>
-<p:sldLayout xmlns:a="http://schemas.openxmlformats.org/drawingml/2006/main" xmlns:r="http://schemas.openxmlformats.org/officeDocument/2006/relationships" xmlns:p="http://schemas.openxmlformats.org/presentationml/2006/main" type="blank" preserve="1">
+<p:sldLayout xmlns:a="http://schemas.openxmlformats.org/drawingml/2006/main" xmlns:r="http://schemas.openxmlformats.org/officeDocument/2006/relationships" xmlns:p="http://schemas.openxmlformats.org/presentationml/2006/main" showMasterSp="0" type="blank" preserve="1">
   <p:cSld name="Blank">
     <p:spTree>
       <p:nvGrpSpPr>
@@ -2059,13 +2044,7 @@
       </p:grpSpPr>
       <p:sp>
         <p:nvSpPr>
-          <p:cNvPr id="2" name="Date Placeholder 1">
-            <a:extLst>
-              <a:ext uri="{FF2B5EF4-FFF2-40B4-BE49-F238E27FC236}">
-                <a16:creationId xmlns:a16="http://schemas.microsoft.com/office/drawing/2014/main" id="{DF9B9BF3-FB6A-4EEA-8E29-D284AA1F946F}"/>
-              </a:ext>
-            </a:extLst>
-          </p:cNvPr>
+          <p:cNvPr id="5" name="Date Placeholder 4"/>
           <p:cNvSpPr>
             <a:spLocks noGrp="1"/>
           </p:cNvSpPr>
@@ -2080,7 +2059,7 @@
           <a:p>
             <a:fld id="{8C95B75D-73A6-48A0-A6AB-4E09535D57A2}" type="datetimeFigureOut">
               <a:rPr lang="es-MX" smtClean="0"/>
-              <a:t>15/03/2019</a:t>
+              <a:t>20/03/2019</a:t>
             </a:fld>
             <a:endParaRPr lang="es-MX"/>
           </a:p>
@@ -2088,13 +2067,7 @@
       </p:sp>
       <p:sp>
         <p:nvSpPr>
-          <p:cNvPr id="3" name="Footer Placeholder 2">
-            <a:extLst>
-              <a:ext uri="{FF2B5EF4-FFF2-40B4-BE49-F238E27FC236}">
-                <a16:creationId xmlns:a16="http://schemas.microsoft.com/office/drawing/2014/main" id="{F67C6B6A-E2CB-4172-BDFB-C7360454997F}"/>
-              </a:ext>
-            </a:extLst>
-          </p:cNvPr>
+          <p:cNvPr id="6" name="Footer Placeholder 5"/>
           <p:cNvSpPr>
             <a:spLocks noGrp="1"/>
           </p:cNvSpPr>
@@ -2113,13 +2086,7 @@
       </p:sp>
       <p:sp>
         <p:nvSpPr>
-          <p:cNvPr id="4" name="Slide Number Placeholder 3">
-            <a:extLst>
-              <a:ext uri="{FF2B5EF4-FFF2-40B4-BE49-F238E27FC236}">
-                <a16:creationId xmlns:a16="http://schemas.microsoft.com/office/drawing/2014/main" id="{D2D1635E-8719-4CB3-9066-06E6DCAE196B}"/>
-              </a:ext>
-            </a:extLst>
-          </p:cNvPr>
+          <p:cNvPr id="7" name="Slide Number Placeholder 6"/>
           <p:cNvSpPr>
             <a:spLocks noGrp="1"/>
           </p:cNvSpPr>
@@ -2143,7 +2110,7 @@
     </p:spTree>
     <p:extLst>
       <p:ext uri="{BB962C8B-B14F-4D97-AF65-F5344CB8AC3E}">
-        <p14:creationId xmlns:p14="http://schemas.microsoft.com/office/powerpoint/2010/main" val="2238723874"/>
+        <p14:creationId xmlns:p14="http://schemas.microsoft.com/office/powerpoint/2010/main" val="1752022152"/>
       </p:ext>
     </p:extLst>
   </p:cSld>
@@ -2172,13 +2139,7 @@
       </p:grpSpPr>
       <p:sp>
         <p:nvSpPr>
-          <p:cNvPr id="2" name="Title 1">
-            <a:extLst>
-              <a:ext uri="{FF2B5EF4-FFF2-40B4-BE49-F238E27FC236}">
-                <a16:creationId xmlns:a16="http://schemas.microsoft.com/office/drawing/2014/main" id="{26767F32-87B7-4B97-8237-3066C3494CB6}"/>
-              </a:ext>
-            </a:extLst>
-          </p:cNvPr>
+          <p:cNvPr id="2" name="Title 1"/>
           <p:cNvSpPr>
             <a:spLocks noGrp="1"/>
           </p:cNvSpPr>
@@ -2188,15 +2149,17 @@
         </p:nvSpPr>
         <p:spPr>
           <a:xfrm>
-            <a:off x="839788" y="457200"/>
-            <a:ext cx="3932237" cy="1600200"/>
+            <a:off x="256032" y="1143000"/>
+            <a:ext cx="2834640" cy="2377440"/>
           </a:xfrm>
         </p:spPr>
         <p:txBody>
-          <a:bodyPr anchor="b"/>
+          <a:bodyPr anchor="b">
+            <a:normAutofit/>
+          </a:bodyPr>
           <a:lstStyle>
             <a:lvl1pPr>
-              <a:defRPr sz="3200"/>
+              <a:defRPr sz="3200" b="0" baseline="0"/>
             </a:lvl1pPr>
           </a:lstStyle>
           <a:p>
@@ -2204,19 +2167,13 @@
               <a:rPr lang="en-US"/>
               <a:t>Click to edit Master title style</a:t>
             </a:r>
-            <a:endParaRPr lang="es-MX"/>
-          </a:p>
-        </p:txBody>
-      </p:sp>
-      <p:sp>
-        <p:nvSpPr>
-          <p:cNvPr id="3" name="Content Placeholder 2">
-            <a:extLst>
-              <a:ext uri="{FF2B5EF4-FFF2-40B4-BE49-F238E27FC236}">
-                <a16:creationId xmlns:a16="http://schemas.microsoft.com/office/drawing/2014/main" id="{A76041CE-71BF-49AA-876E-09CBF3B7ADD4}"/>
-              </a:ext>
-            </a:extLst>
-          </p:cNvPr>
+            <a:endParaRPr lang="en-US" dirty="0"/>
+          </a:p>
+        </p:txBody>
+      </p:sp>
+      <p:sp>
+        <p:nvSpPr>
+          <p:cNvPr id="3" name="Content Placeholder 2"/>
           <p:cNvSpPr>
             <a:spLocks noGrp="1"/>
           </p:cNvSpPr>
@@ -2226,39 +2183,39 @@
         </p:nvSpPr>
         <p:spPr>
           <a:xfrm>
-            <a:off x="5183188" y="987425"/>
-            <a:ext cx="6172200" cy="4873625"/>
+            <a:off x="3867912" y="868680"/>
+            <a:ext cx="7315200" cy="5120640"/>
           </a:xfrm>
         </p:spPr>
         <p:txBody>
           <a:bodyPr/>
           <a:lstStyle>
             <a:lvl1pPr>
-              <a:defRPr sz="3200"/>
+              <a:defRPr sz="2000"/>
             </a:lvl1pPr>
             <a:lvl2pPr>
-              <a:defRPr sz="2800"/>
+              <a:defRPr sz="1800"/>
             </a:lvl2pPr>
             <a:lvl3pPr>
-              <a:defRPr sz="2400"/>
+              <a:defRPr sz="1600"/>
             </a:lvl3pPr>
             <a:lvl4pPr>
-              <a:defRPr sz="2000"/>
+              <a:defRPr sz="1400"/>
             </a:lvl4pPr>
             <a:lvl5pPr>
-              <a:defRPr sz="2000"/>
+              <a:defRPr sz="1400"/>
             </a:lvl5pPr>
             <a:lvl6pPr>
-              <a:defRPr sz="2000"/>
+              <a:defRPr sz="1400"/>
             </a:lvl6pPr>
             <a:lvl7pPr>
-              <a:defRPr sz="2000"/>
+              <a:defRPr sz="1400"/>
             </a:lvl7pPr>
             <a:lvl8pPr>
-              <a:defRPr sz="2000"/>
+              <a:defRPr sz="1400"/>
             </a:lvl8pPr>
             <a:lvl9pPr>
-              <a:defRPr sz="2000"/>
+              <a:defRPr sz="1400"/>
             </a:lvl9pPr>
           </a:lstStyle>
           <a:p>
@@ -2295,19 +2252,13 @@
               <a:rPr lang="en-US"/>
               <a:t>Fifth level</a:t>
             </a:r>
-            <a:endParaRPr lang="es-MX"/>
-          </a:p>
-        </p:txBody>
-      </p:sp>
-      <p:sp>
-        <p:nvSpPr>
-          <p:cNvPr id="4" name="Text Placeholder 3">
-            <a:extLst>
-              <a:ext uri="{FF2B5EF4-FFF2-40B4-BE49-F238E27FC236}">
-                <a16:creationId xmlns:a16="http://schemas.microsoft.com/office/drawing/2014/main" id="{685FE183-0E29-44E0-A828-286639CB35A6}"/>
-              </a:ext>
-            </a:extLst>
-          </p:cNvPr>
+            <a:endParaRPr lang="en-US" dirty="0"/>
+          </a:p>
+        </p:txBody>
+      </p:sp>
+      <p:sp>
+        <p:nvSpPr>
+          <p:cNvPr id="4" name="Text Placeholder 3"/>
           <p:cNvSpPr>
             <a:spLocks noGrp="1"/>
           </p:cNvSpPr>
@@ -2317,48 +2268,57 @@
         </p:nvSpPr>
         <p:spPr>
           <a:xfrm>
-            <a:off x="839788" y="2057400"/>
-            <a:ext cx="3932237" cy="3811588"/>
+            <a:off x="256032" y="3494176"/>
+            <a:ext cx="2834640" cy="2321990"/>
           </a:xfrm>
         </p:spPr>
         <p:txBody>
-          <a:bodyPr/>
+          <a:bodyPr anchor="t">
+            <a:normAutofit/>
+          </a:bodyPr>
           <a:lstStyle>
             <a:lvl1pPr marL="0" indent="0">
-              <a:buNone/>
-              <a:defRPr sz="1600"/>
+              <a:lnSpc>
+                <a:spcPct val="100000"/>
+              </a:lnSpc>
+              <a:buNone/>
+              <a:defRPr sz="1400">
+                <a:solidFill>
+                  <a:srgbClr val="FFFFFF"/>
+                </a:solidFill>
+              </a:defRPr>
             </a:lvl1pPr>
             <a:lvl2pPr marL="457200" indent="0">
               <a:buNone/>
-              <a:defRPr sz="1400"/>
+              <a:defRPr sz="1200"/>
             </a:lvl2pPr>
             <a:lvl3pPr marL="914400" indent="0">
               <a:buNone/>
-              <a:defRPr sz="1200"/>
+              <a:defRPr sz="1000"/>
             </a:lvl3pPr>
             <a:lvl4pPr marL="1371600" indent="0">
               <a:buNone/>
-              <a:defRPr sz="1000"/>
+              <a:defRPr sz="900"/>
             </a:lvl4pPr>
             <a:lvl5pPr marL="1828800" indent="0">
               <a:buNone/>
-              <a:defRPr sz="1000"/>
+              <a:defRPr sz="900"/>
             </a:lvl5pPr>
             <a:lvl6pPr marL="2286000" indent="0">
               <a:buNone/>
-              <a:defRPr sz="1000"/>
+              <a:defRPr sz="900"/>
             </a:lvl6pPr>
             <a:lvl7pPr marL="2743200" indent="0">
               <a:buNone/>
-              <a:defRPr sz="1000"/>
+              <a:defRPr sz="900"/>
             </a:lvl7pPr>
             <a:lvl8pPr marL="3200400" indent="0">
               <a:buNone/>
-              <a:defRPr sz="1000"/>
+              <a:defRPr sz="900"/>
             </a:lvl8pPr>
             <a:lvl9pPr marL="3657600" indent="0">
               <a:buNone/>
-              <a:defRPr sz="1000"/>
+              <a:defRPr sz="900"/>
             </a:lvl9pPr>
           </a:lstStyle>
           <a:p>
@@ -2372,13 +2332,7 @@
       </p:sp>
       <p:sp>
         <p:nvSpPr>
-          <p:cNvPr id="5" name="Date Placeholder 4">
-            <a:extLst>
-              <a:ext uri="{FF2B5EF4-FFF2-40B4-BE49-F238E27FC236}">
-                <a16:creationId xmlns:a16="http://schemas.microsoft.com/office/drawing/2014/main" id="{22E35668-0F3D-43A5-A4A1-B87A8B007B9A}"/>
-              </a:ext>
-            </a:extLst>
-          </p:cNvPr>
+          <p:cNvPr id="8" name="Date Placeholder 7"/>
           <p:cNvSpPr>
             <a:spLocks noGrp="1"/>
           </p:cNvSpPr>
@@ -2393,7 +2347,7 @@
           <a:p>
             <a:fld id="{8C95B75D-73A6-48A0-A6AB-4E09535D57A2}" type="datetimeFigureOut">
               <a:rPr lang="es-MX" smtClean="0"/>
-              <a:t>15/03/2019</a:t>
+              <a:t>20/03/2019</a:t>
             </a:fld>
             <a:endParaRPr lang="es-MX"/>
           </a:p>
@@ -2401,13 +2355,7 @@
       </p:sp>
       <p:sp>
         <p:nvSpPr>
-          <p:cNvPr id="6" name="Footer Placeholder 5">
-            <a:extLst>
-              <a:ext uri="{FF2B5EF4-FFF2-40B4-BE49-F238E27FC236}">
-                <a16:creationId xmlns:a16="http://schemas.microsoft.com/office/drawing/2014/main" id="{DEC32141-C89C-4CFC-817A-AB0060CE982D}"/>
-              </a:ext>
-            </a:extLst>
-          </p:cNvPr>
+          <p:cNvPr id="9" name="Footer Placeholder 8"/>
           <p:cNvSpPr>
             <a:spLocks noGrp="1"/>
           </p:cNvSpPr>
@@ -2426,13 +2374,7 @@
       </p:sp>
       <p:sp>
         <p:nvSpPr>
-          <p:cNvPr id="7" name="Slide Number Placeholder 6">
-            <a:extLst>
-              <a:ext uri="{FF2B5EF4-FFF2-40B4-BE49-F238E27FC236}">
-                <a16:creationId xmlns:a16="http://schemas.microsoft.com/office/drawing/2014/main" id="{4EF01C86-2D3F-4533-9785-631FEF3FC0BD}"/>
-              </a:ext>
-            </a:extLst>
-          </p:cNvPr>
+          <p:cNvPr id="10" name="Slide Number Placeholder 9"/>
           <p:cNvSpPr>
             <a:spLocks noGrp="1"/>
           </p:cNvSpPr>
@@ -2456,7 +2398,7 @@
     </p:spTree>
     <p:extLst>
       <p:ext uri="{BB962C8B-B14F-4D97-AF65-F5344CB8AC3E}">
-        <p14:creationId xmlns:p14="http://schemas.microsoft.com/office/powerpoint/2010/main" val="355079957"/>
+        <p14:creationId xmlns:p14="http://schemas.microsoft.com/office/powerpoint/2010/main" val="2058520740"/>
       </p:ext>
     </p:extLst>
   </p:cSld>
@@ -2485,13 +2427,7 @@
       </p:grpSpPr>
       <p:sp>
         <p:nvSpPr>
-          <p:cNvPr id="2" name="Title 1">
-            <a:extLst>
-              <a:ext uri="{FF2B5EF4-FFF2-40B4-BE49-F238E27FC236}">
-                <a16:creationId xmlns:a16="http://schemas.microsoft.com/office/drawing/2014/main" id="{57009FEA-98FA-4A23-8C18-D029827E01F4}"/>
-              </a:ext>
-            </a:extLst>
-          </p:cNvPr>
+          <p:cNvPr id="2" name="Title 1"/>
           <p:cNvSpPr>
             <a:spLocks noGrp="1"/>
           </p:cNvSpPr>
@@ -2501,15 +2437,17 @@
         </p:nvSpPr>
         <p:spPr>
           <a:xfrm>
-            <a:off x="839788" y="457200"/>
-            <a:ext cx="3932237" cy="1600200"/>
+            <a:off x="256032" y="1143000"/>
+            <a:ext cx="2834640" cy="2377440"/>
           </a:xfrm>
         </p:spPr>
         <p:txBody>
-          <a:bodyPr anchor="b"/>
+          <a:bodyPr anchor="b">
+            <a:normAutofit/>
+          </a:bodyPr>
           <a:lstStyle>
             <a:lvl1pPr>
-              <a:defRPr sz="3200"/>
+              <a:defRPr sz="3200" b="0"/>
             </a:lvl1pPr>
           </a:lstStyle>
           <a:p>
@@ -2517,21 +2455,15 @@
               <a:rPr lang="en-US"/>
               <a:t>Click to edit Master title style</a:t>
             </a:r>
-            <a:endParaRPr lang="es-MX"/>
-          </a:p>
-        </p:txBody>
-      </p:sp>
-      <p:sp>
-        <p:nvSpPr>
-          <p:cNvPr id="3" name="Picture Placeholder 2">
-            <a:extLst>
-              <a:ext uri="{FF2B5EF4-FFF2-40B4-BE49-F238E27FC236}">
-                <a16:creationId xmlns:a16="http://schemas.microsoft.com/office/drawing/2014/main" id="{728F67C4-C289-4611-AC6E-9BC2EB47A839}"/>
-              </a:ext>
-            </a:extLst>
-          </p:cNvPr>
-          <p:cNvSpPr>
-            <a:spLocks noGrp="1"/>
+            <a:endParaRPr lang="en-US" dirty="0"/>
+          </a:p>
+        </p:txBody>
+      </p:sp>
+      <p:sp>
+        <p:nvSpPr>
+          <p:cNvPr id="3" name="Picture Placeholder 2"/>
+          <p:cNvSpPr>
+            <a:spLocks noGrp="1" noChangeAspect="1"/>
           </p:cNvSpPr>
           <p:nvPr>
             <p:ph type="pic" idx="1"/>
@@ -2539,12 +2471,17 @@
         </p:nvSpPr>
         <p:spPr>
           <a:xfrm>
-            <a:off x="5183188" y="987425"/>
-            <a:ext cx="6172200" cy="4873625"/>
+            <a:off x="3570644" y="767419"/>
+            <a:ext cx="8115230" cy="5330952"/>
           </a:xfrm>
+          <a:solidFill>
+            <a:schemeClr val="bg1">
+              <a:lumMod val="75000"/>
+            </a:schemeClr>
+          </a:solidFill>
         </p:spPr>
         <p:txBody>
-          <a:bodyPr/>
+          <a:bodyPr anchor="t"/>
           <a:lstStyle>
             <a:lvl1pPr marL="0" indent="0">
               <a:buNone/>
@@ -2584,19 +2521,17 @@
             </a:lvl9pPr>
           </a:lstStyle>
           <a:p>
-            <a:endParaRPr lang="es-MX"/>
-          </a:p>
-        </p:txBody>
-      </p:sp>
-      <p:sp>
-        <p:nvSpPr>
-          <p:cNvPr id="4" name="Text Placeholder 3">
-            <a:extLst>
-              <a:ext uri="{FF2B5EF4-FFF2-40B4-BE49-F238E27FC236}">
-                <a16:creationId xmlns:a16="http://schemas.microsoft.com/office/drawing/2014/main" id="{ABAB803A-CCCF-4BF1-9D37-D61AD11EF95C}"/>
-              </a:ext>
-            </a:extLst>
-          </p:cNvPr>
+            <a:r>
+              <a:rPr lang="en-US"/>
+              <a:t>Click icon to add picture</a:t>
+            </a:r>
+            <a:endParaRPr lang="en-US" dirty="0"/>
+          </a:p>
+        </p:txBody>
+      </p:sp>
+      <p:sp>
+        <p:nvSpPr>
+          <p:cNvPr id="4" name="Text Placeholder 3"/>
           <p:cNvSpPr>
             <a:spLocks noGrp="1"/>
           </p:cNvSpPr>
@@ -2606,48 +2541,57 @@
         </p:nvSpPr>
         <p:spPr>
           <a:xfrm>
-            <a:off x="839788" y="2057400"/>
-            <a:ext cx="3932237" cy="3811588"/>
+            <a:off x="256032" y="3493008"/>
+            <a:ext cx="2834640" cy="2322576"/>
           </a:xfrm>
         </p:spPr>
         <p:txBody>
-          <a:bodyPr/>
+          <a:bodyPr anchor="t">
+            <a:normAutofit/>
+          </a:bodyPr>
           <a:lstStyle>
             <a:lvl1pPr marL="0" indent="0">
-              <a:buNone/>
-              <a:defRPr sz="1600"/>
+              <a:lnSpc>
+                <a:spcPct val="100000"/>
+              </a:lnSpc>
+              <a:buNone/>
+              <a:defRPr sz="1400">
+                <a:solidFill>
+                  <a:srgbClr val="FFFFFF"/>
+                </a:solidFill>
+              </a:defRPr>
             </a:lvl1pPr>
             <a:lvl2pPr marL="457200" indent="0">
               <a:buNone/>
-              <a:defRPr sz="1400"/>
+              <a:defRPr sz="1200"/>
             </a:lvl2pPr>
             <a:lvl3pPr marL="914400" indent="0">
               <a:buNone/>
-              <a:defRPr sz="1200"/>
+              <a:defRPr sz="1000"/>
             </a:lvl3pPr>
             <a:lvl4pPr marL="1371600" indent="0">
               <a:buNone/>
-              <a:defRPr sz="1000"/>
+              <a:defRPr sz="900"/>
             </a:lvl4pPr>
             <a:lvl5pPr marL="1828800" indent="0">
               <a:buNone/>
-              <a:defRPr sz="1000"/>
+              <a:defRPr sz="900"/>
             </a:lvl5pPr>
             <a:lvl6pPr marL="2286000" indent="0">
               <a:buNone/>
-              <a:defRPr sz="1000"/>
+              <a:defRPr sz="900"/>
             </a:lvl6pPr>
             <a:lvl7pPr marL="2743200" indent="0">
               <a:buNone/>
-              <a:defRPr sz="1000"/>
+              <a:defRPr sz="900"/>
             </a:lvl7pPr>
             <a:lvl8pPr marL="3200400" indent="0">
               <a:buNone/>
-              <a:defRPr sz="1000"/>
+              <a:defRPr sz="900"/>
             </a:lvl8pPr>
             <a:lvl9pPr marL="3657600" indent="0">
               <a:buNone/>
-              <a:defRPr sz="1000"/>
+              <a:defRPr sz="900"/>
             </a:lvl9pPr>
           </a:lstStyle>
           <a:p>
@@ -2661,13 +2605,7 @@
       </p:sp>
       <p:sp>
         <p:nvSpPr>
-          <p:cNvPr id="5" name="Date Placeholder 4">
-            <a:extLst>
-              <a:ext uri="{FF2B5EF4-FFF2-40B4-BE49-F238E27FC236}">
-                <a16:creationId xmlns:a16="http://schemas.microsoft.com/office/drawing/2014/main" id="{F9D74590-4693-4E21-8949-0DB283336916}"/>
-              </a:ext>
-            </a:extLst>
-          </p:cNvPr>
+          <p:cNvPr id="8" name="Date Placeholder 7"/>
           <p:cNvSpPr>
             <a:spLocks noGrp="1"/>
           </p:cNvSpPr>
@@ -2682,7 +2620,7 @@
           <a:p>
             <a:fld id="{8C95B75D-73A6-48A0-A6AB-4E09535D57A2}" type="datetimeFigureOut">
               <a:rPr lang="es-MX" smtClean="0"/>
-              <a:t>15/03/2019</a:t>
+              <a:t>20/03/2019</a:t>
             </a:fld>
             <a:endParaRPr lang="es-MX"/>
           </a:p>
@@ -2690,13 +2628,7 @@
       </p:sp>
       <p:sp>
         <p:nvSpPr>
-          <p:cNvPr id="6" name="Footer Placeholder 5">
-            <a:extLst>
-              <a:ext uri="{FF2B5EF4-FFF2-40B4-BE49-F238E27FC236}">
-                <a16:creationId xmlns:a16="http://schemas.microsoft.com/office/drawing/2014/main" id="{4E09A548-369A-4517-82CB-9608B2125634}"/>
-              </a:ext>
-            </a:extLst>
-          </p:cNvPr>
+          <p:cNvPr id="9" name="Footer Placeholder 8"/>
           <p:cNvSpPr>
             <a:spLocks noGrp="1"/>
           </p:cNvSpPr>
@@ -2704,7 +2636,12 @@
             <p:ph type="ftr" sz="quarter" idx="11"/>
           </p:nvPr>
         </p:nvSpPr>
-        <p:spPr/>
+        <p:spPr>
+          <a:xfrm>
+            <a:off x="3499101" y="6356350"/>
+            <a:ext cx="5911517" cy="365125"/>
+          </a:xfrm>
+        </p:spPr>
         <p:txBody>
           <a:bodyPr/>
           <a:lstStyle/>
@@ -2715,13 +2652,7 @@
       </p:sp>
       <p:sp>
         <p:nvSpPr>
-          <p:cNvPr id="7" name="Slide Number Placeholder 6">
-            <a:extLst>
-              <a:ext uri="{FF2B5EF4-FFF2-40B4-BE49-F238E27FC236}">
-                <a16:creationId xmlns:a16="http://schemas.microsoft.com/office/drawing/2014/main" id="{4489C9B3-5C3C-4A36-A1B3-5147CDCCF21E}"/>
-              </a:ext>
-            </a:extLst>
-          </p:cNvPr>
+          <p:cNvPr id="10" name="Slide Number Placeholder 9"/>
           <p:cNvSpPr>
             <a:spLocks noGrp="1"/>
           </p:cNvSpPr>
@@ -2745,7 +2676,7 @@
     </p:spTree>
     <p:extLst>
       <p:ext uri="{BB962C8B-B14F-4D97-AF65-F5344CB8AC3E}">
-        <p14:creationId xmlns:p14="http://schemas.microsoft.com/office/powerpoint/2010/main" val="1793899807"/>
+        <p14:creationId xmlns:p14="http://schemas.microsoft.com/office/powerpoint/2010/main" val="2666163424"/>
       </p:ext>
     </p:extLst>
   </p:cSld>
@@ -2779,24 +2710,56 @@
       </p:grpSpPr>
       <p:sp>
         <p:nvSpPr>
-          <p:cNvPr id="2" name="Title Placeholder 1">
-            <a:extLst>
-              <a:ext uri="{FF2B5EF4-FFF2-40B4-BE49-F238E27FC236}">
-                <a16:creationId xmlns:a16="http://schemas.microsoft.com/office/drawing/2014/main" id="{709259AA-D6C9-45CB-90FF-CB50CCD35226}"/>
-              </a:ext>
-            </a:extLst>
-          </p:cNvPr>
-          <p:cNvSpPr>
-            <a:spLocks noGrp="1"/>
-          </p:cNvSpPr>
-          <p:nvPr>
-            <p:ph type="title"/>
-          </p:nvPr>
+          <p:cNvPr id="7" name="Rectangle 6"/>
+          <p:cNvSpPr/>
+          <p:nvPr/>
         </p:nvSpPr>
         <p:spPr>
           <a:xfrm>
-            <a:off x="838200" y="365125"/>
-            <a:ext cx="10515600" cy="1325563"/>
+            <a:off x="1" y="758952"/>
+            <a:ext cx="3443590" cy="5330952"/>
+          </a:xfrm>
+          <a:prstGeom prst="rect">
+            <a:avLst/>
+          </a:prstGeom>
+          <a:solidFill>
+            <a:schemeClr val="accent1"/>
+          </a:solidFill>
+          <a:ln>
+            <a:noFill/>
+          </a:ln>
+        </p:spPr>
+        <p:style>
+          <a:lnRef idx="2">
+            <a:schemeClr val="accent1">
+              <a:shade val="50000"/>
+            </a:schemeClr>
+          </a:lnRef>
+          <a:fillRef idx="1">
+            <a:schemeClr val="accent1"/>
+          </a:fillRef>
+          <a:effectRef idx="0">
+            <a:schemeClr val="accent1"/>
+          </a:effectRef>
+          <a:fontRef idx="minor">
+            <a:schemeClr val="lt1"/>
+          </a:fontRef>
+        </p:style>
+      </p:sp>
+      <p:sp>
+        <p:nvSpPr>
+          <p:cNvPr id="2" name="Title Placeholder 1"/>
+          <p:cNvSpPr>
+            <a:spLocks noGrp="1"/>
+          </p:cNvSpPr>
+          <p:nvPr>
+            <p:ph type="title"/>
+          </p:nvPr>
+        </p:nvSpPr>
+        <p:spPr>
+          <a:xfrm>
+            <a:off x="252919" y="1123837"/>
+            <a:ext cx="2947482" cy="4601183"/>
           </a:xfrm>
           <a:prstGeom prst="rect">
             <a:avLst/>
@@ -2812,37 +2775,71 @@
               <a:rPr lang="en-US"/>
               <a:t>Click to edit Master title style</a:t>
             </a:r>
-            <a:endParaRPr lang="es-MX"/>
-          </a:p>
-        </p:txBody>
-      </p:sp>
-      <p:sp>
-        <p:nvSpPr>
-          <p:cNvPr id="3" name="Text Placeholder 2">
-            <a:extLst>
-              <a:ext uri="{FF2B5EF4-FFF2-40B4-BE49-F238E27FC236}">
-                <a16:creationId xmlns:a16="http://schemas.microsoft.com/office/drawing/2014/main" id="{99A579FE-4E1F-4467-8819-2788357E2319}"/>
-              </a:ext>
-            </a:extLst>
-          </p:cNvPr>
-          <p:cNvSpPr>
-            <a:spLocks noGrp="1"/>
-          </p:cNvSpPr>
-          <p:nvPr>
-            <p:ph type="body" idx="1"/>
-          </p:nvPr>
+            <a:endParaRPr lang="en-US" dirty="0"/>
+          </a:p>
+        </p:txBody>
+      </p:sp>
+      <p:sp>
+        <p:nvSpPr>
+          <p:cNvPr id="38" name="Rectangle 37"/>
+          <p:cNvSpPr/>
+          <p:nvPr/>
         </p:nvSpPr>
         <p:spPr>
           <a:xfrm>
-            <a:off x="838200" y="1825625"/>
-            <a:ext cx="10515600" cy="4351338"/>
+            <a:off x="11815864" y="758952"/>
+            <a:ext cx="384048" cy="5330952"/>
+          </a:xfrm>
+          <a:prstGeom prst="rect">
+            <a:avLst/>
+          </a:prstGeom>
+          <a:solidFill>
+            <a:srgbClr val="C8C8C8">
+              <a:alpha val="49804"/>
+            </a:srgbClr>
+          </a:solidFill>
+          <a:ln>
+            <a:noFill/>
+          </a:ln>
+        </p:spPr>
+        <p:style>
+          <a:lnRef idx="2">
+            <a:schemeClr val="accent1">
+              <a:shade val="50000"/>
+            </a:schemeClr>
+          </a:lnRef>
+          <a:fillRef idx="1">
+            <a:schemeClr val="accent1"/>
+          </a:fillRef>
+          <a:effectRef idx="0">
+            <a:schemeClr val="accent1"/>
+          </a:effectRef>
+          <a:fontRef idx="minor">
+            <a:schemeClr val="lt1"/>
+          </a:fontRef>
+        </p:style>
+      </p:sp>
+      <p:sp>
+        <p:nvSpPr>
+          <p:cNvPr id="3" name="Text Placeholder 2"/>
+          <p:cNvSpPr>
+            <a:spLocks noGrp="1"/>
+          </p:cNvSpPr>
+          <p:nvPr>
+            <p:ph type="body" idx="1"/>
+          </p:nvPr>
+        </p:nvSpPr>
+        <p:spPr>
+          <a:xfrm>
+            <a:off x="3869268" y="864108"/>
+            <a:ext cx="7315200" cy="5120640"/>
           </a:xfrm>
           <a:prstGeom prst="rect">
             <a:avLst/>
           </a:prstGeom>
         </p:spPr>
         <p:txBody>
-          <a:bodyPr vert="horz" lIns="91440" tIns="45720" rIns="91440" bIns="45720" rtlCol="0">
+          <a:bodyPr vert="horz" lIns="91440" tIns="45720" rIns="91440" bIns="45720" rtlCol="0" anchor="ctr">
             <a:normAutofit/>
           </a:bodyPr>
           <a:lstStyle/>
@@ -2880,19 +2877,13 @@
               <a:rPr lang="en-US"/>
               <a:t>Fifth level</a:t>
             </a:r>
-            <a:endParaRPr lang="es-MX"/>
-          </a:p>
-        </p:txBody>
-      </p:sp>
-      <p:sp>
-        <p:nvSpPr>
-          <p:cNvPr id="4" name="Date Placeholder 3">
-            <a:extLst>
-              <a:ext uri="{FF2B5EF4-FFF2-40B4-BE49-F238E27FC236}">
-                <a16:creationId xmlns:a16="http://schemas.microsoft.com/office/drawing/2014/main" id="{7A269FEE-9A4C-41FC-8D56-10BC04104234}"/>
-              </a:ext>
-            </a:extLst>
-          </p:cNvPr>
+            <a:endParaRPr lang="en-US" dirty="0"/>
+          </a:p>
+        </p:txBody>
+      </p:sp>
+      <p:sp>
+        <p:nvSpPr>
+          <p:cNvPr id="4" name="Date Placeholder 3"/>
           <p:cNvSpPr>
             <a:spLocks noGrp="1"/>
           </p:cNvSpPr>
@@ -2902,7 +2893,7 @@
         </p:nvSpPr>
         <p:spPr>
           <a:xfrm>
-            <a:off x="838200" y="6356350"/>
+            <a:off x="262465" y="6356350"/>
             <a:ext cx="2743200" cy="365125"/>
           </a:xfrm>
           <a:prstGeom prst="rect">
@@ -2913,10 +2904,11 @@
           <a:bodyPr vert="horz" lIns="91440" tIns="45720" rIns="91440" bIns="45720" rtlCol="0" anchor="ctr"/>
           <a:lstStyle>
             <a:lvl1pPr algn="l">
-              <a:defRPr sz="1200">
+              <a:defRPr sz="1100">
                 <a:solidFill>
                   <a:schemeClr val="tx1">
-                    <a:tint val="75000"/>
+                    <a:lumMod val="50000"/>
+                    <a:lumOff val="50000"/>
                   </a:schemeClr>
                 </a:solidFill>
               </a:defRPr>
@@ -2925,7 +2917,7 @@
           <a:p>
             <a:fld id="{8C95B75D-73A6-48A0-A6AB-4E09535D57A2}" type="datetimeFigureOut">
               <a:rPr lang="es-MX" smtClean="0"/>
-              <a:t>15/03/2019</a:t>
+              <a:t>20/03/2019</a:t>
             </a:fld>
             <a:endParaRPr lang="es-MX"/>
           </a:p>
@@ -2933,13 +2925,7 @@
       </p:sp>
       <p:sp>
         <p:nvSpPr>
-          <p:cNvPr id="5" name="Footer Placeholder 4">
-            <a:extLst>
-              <a:ext uri="{FF2B5EF4-FFF2-40B4-BE49-F238E27FC236}">
-                <a16:creationId xmlns:a16="http://schemas.microsoft.com/office/drawing/2014/main" id="{9C194023-4EAF-45DD-935E-4BECE7C30E9B}"/>
-              </a:ext>
-            </a:extLst>
-          </p:cNvPr>
+          <p:cNvPr id="5" name="Footer Placeholder 4"/>
           <p:cNvSpPr>
             <a:spLocks noGrp="1"/>
           </p:cNvSpPr>
@@ -2949,8 +2935,8 @@
         </p:nvSpPr>
         <p:spPr>
           <a:xfrm>
-            <a:off x="4038600" y="6356350"/>
-            <a:ext cx="4114800" cy="365125"/>
+            <a:off x="3869268" y="6356350"/>
+            <a:ext cx="5911517" cy="365125"/>
           </a:xfrm>
           <a:prstGeom prst="rect">
             <a:avLst/>
@@ -2959,11 +2945,12 @@
         <p:txBody>
           <a:bodyPr vert="horz" lIns="91440" tIns="45720" rIns="91440" bIns="45720" rtlCol="0" anchor="ctr"/>
           <a:lstStyle>
-            <a:lvl1pPr algn="ctr">
-              <a:defRPr sz="1200">
+            <a:lvl1pPr algn="l">
+              <a:defRPr sz="1100">
                 <a:solidFill>
                   <a:schemeClr val="tx1">
-                    <a:tint val="75000"/>
+                    <a:lumMod val="50000"/>
+                    <a:lumOff val="50000"/>
                   </a:schemeClr>
                 </a:solidFill>
               </a:defRPr>
@@ -2976,13 +2963,7 @@
       </p:sp>
       <p:sp>
         <p:nvSpPr>
-          <p:cNvPr id="6" name="Slide Number Placeholder 5">
-            <a:extLst>
-              <a:ext uri="{FF2B5EF4-FFF2-40B4-BE49-F238E27FC236}">
-                <a16:creationId xmlns:a16="http://schemas.microsoft.com/office/drawing/2014/main" id="{999F4214-A5A6-4E0F-AA1A-EA2B5AB2AC57}"/>
-              </a:ext>
-            </a:extLst>
-          </p:cNvPr>
+          <p:cNvPr id="6" name="Slide Number Placeholder 5"/>
           <p:cNvSpPr>
             <a:spLocks noGrp="1"/>
           </p:cNvSpPr>
@@ -2992,8 +2973,8 @@
         </p:nvSpPr>
         <p:spPr>
           <a:xfrm>
-            <a:off x="8610600" y="6356350"/>
-            <a:ext cx="2743200" cy="365125"/>
+            <a:off x="10634135" y="6356350"/>
+            <a:ext cx="1530927" cy="365125"/>
           </a:xfrm>
           <a:prstGeom prst="rect">
             <a:avLst/>
@@ -3003,11 +2984,9 @@
           <a:bodyPr vert="horz" lIns="91440" tIns="45720" rIns="91440" bIns="45720" rtlCol="0" anchor="ctr"/>
           <a:lstStyle>
             <a:lvl1pPr algn="r">
-              <a:defRPr sz="1200">
+              <a:defRPr sz="1200" b="1">
                 <a:solidFill>
-                  <a:schemeClr val="tx1">
-                    <a:tint val="75000"/>
-                  </a:schemeClr>
+                  <a:schemeClr val="accent1"/>
                 </a:solidFill>
               </a:defRPr>
             </a:lvl1pPr>
@@ -3024,23 +3003,23 @@
     </p:spTree>
     <p:extLst>
       <p:ext uri="{BB962C8B-B14F-4D97-AF65-F5344CB8AC3E}">
-        <p14:creationId xmlns:p14="http://schemas.microsoft.com/office/powerpoint/2010/main" val="386647458"/>
+        <p14:creationId xmlns:p14="http://schemas.microsoft.com/office/powerpoint/2010/main" val="3256688869"/>
       </p:ext>
     </p:extLst>
   </p:cSld>
   <p:clrMap bg1="lt1" tx1="dk1" bg2="lt2" tx2="dk2" accent1="accent1" accent2="accent2" accent3="accent3" accent4="accent4" accent5="accent5" accent6="accent6" hlink="hlink" folHlink="folHlink"/>
   <p:sldLayoutIdLst>
-    <p:sldLayoutId id="2147483649" r:id="rId1"/>
-    <p:sldLayoutId id="2147483650" r:id="rId2"/>
-    <p:sldLayoutId id="2147483651" r:id="rId3"/>
-    <p:sldLayoutId id="2147483652" r:id="rId4"/>
-    <p:sldLayoutId id="2147483653" r:id="rId5"/>
-    <p:sldLayoutId id="2147483654" r:id="rId6"/>
-    <p:sldLayoutId id="2147483655" r:id="rId7"/>
-    <p:sldLayoutId id="2147483656" r:id="rId8"/>
-    <p:sldLayoutId id="2147483657" r:id="rId9"/>
-    <p:sldLayoutId id="2147483658" r:id="rId10"/>
-    <p:sldLayoutId id="2147483659" r:id="rId11"/>
+    <p:sldLayoutId id="2147483661" r:id="rId1"/>
+    <p:sldLayoutId id="2147483662" r:id="rId2"/>
+    <p:sldLayoutId id="2147483663" r:id="rId3"/>
+    <p:sldLayoutId id="2147483664" r:id="rId4"/>
+    <p:sldLayoutId id="2147483665" r:id="rId5"/>
+    <p:sldLayoutId id="2147483666" r:id="rId6"/>
+    <p:sldLayoutId id="2147483667" r:id="rId7"/>
+    <p:sldLayoutId id="2147483668" r:id="rId8"/>
+    <p:sldLayoutId id="2147483669" r:id="rId9"/>
+    <p:sldLayoutId id="2147483670" r:id="rId10"/>
+    <p:sldLayoutId id="2147483671" r:id="rId11"/>
   </p:sldLayoutIdLst>
   <p:txStyles>
     <p:titleStyle>
@@ -3052,9 +3031,9 @@
           <a:spcPct val="0"/>
         </a:spcBef>
         <a:buNone/>
-        <a:defRPr sz="4400" kern="1200">
+        <a:defRPr sz="3600" kern="1200" spc="-60" baseline="0">
           <a:solidFill>
-            <a:schemeClr val="tx1"/>
+            <a:srgbClr val="FFFFFF"/>
           </a:solidFill>
           <a:latin typeface="+mj-lt"/>
           <a:ea typeface="+mj-ea"/>
@@ -3063,90 +3042,132 @@
       </a:lvl1pPr>
     </p:titleStyle>
     <p:bodyStyle>
-      <a:lvl1pPr marL="228600" indent="-228600" algn="l" defTabSz="914400" rtl="0" eaLnBrk="1" latinLnBrk="0" hangingPunct="1">
+      <a:lvl1pPr marL="182880" indent="-182880" algn="l" defTabSz="914400" rtl="0" eaLnBrk="1" latinLnBrk="0" hangingPunct="1">
         <a:lnSpc>
           <a:spcPct val="90000"/>
         </a:lnSpc>
         <a:spcBef>
-          <a:spcPts val="1000"/>
+          <a:spcPts val="1200"/>
         </a:spcBef>
-        <a:buFont typeface="Arial" panose="020B0604020202020204" pitchFamily="34" charset="0"/>
-        <a:buChar char="•"/>
-        <a:defRPr sz="2800" kern="1200">
+        <a:buClr>
+          <a:schemeClr val="accent1"/>
+        </a:buClr>
+        <a:buFont typeface="Wingdings 2" pitchFamily="18" charset="2"/>
+        <a:buChar char=""/>
+        <a:defRPr sz="2000" kern="1200">
           <a:solidFill>
-            <a:schemeClr val="tx1"/>
+            <a:schemeClr val="tx1">
+              <a:lumMod val="65000"/>
+              <a:lumOff val="35000"/>
+            </a:schemeClr>
           </a:solidFill>
           <a:latin typeface="+mn-lt"/>
           <a:ea typeface="+mn-ea"/>
           <a:cs typeface="+mn-cs"/>
         </a:defRPr>
       </a:lvl1pPr>
-      <a:lvl2pPr marL="685800" indent="-228600" algn="l" defTabSz="914400" rtl="0" eaLnBrk="1" latinLnBrk="0" hangingPunct="1">
+      <a:lvl2pPr marL="685800" indent="-182880" algn="l" defTabSz="914400" rtl="0" eaLnBrk="1" latinLnBrk="0" hangingPunct="1">
         <a:lnSpc>
           <a:spcPct val="90000"/>
         </a:lnSpc>
         <a:spcBef>
-          <a:spcPts val="500"/>
+          <a:spcPts val="250"/>
         </a:spcBef>
-        <a:buFont typeface="Arial" panose="020B0604020202020204" pitchFamily="34" charset="0"/>
-        <a:buChar char="•"/>
-        <a:defRPr sz="2400" kern="1200">
+        <a:spcAft>
+          <a:spcPts val="250"/>
+        </a:spcAft>
+        <a:buClr>
+          <a:schemeClr val="accent1"/>
+        </a:buClr>
+        <a:buFont typeface="Wingdings 2" pitchFamily="18" charset="2"/>
+        <a:buChar char=""/>
+        <a:defRPr sz="1800" kern="1200">
           <a:solidFill>
-            <a:schemeClr val="tx1"/>
+            <a:schemeClr val="tx1">
+              <a:lumMod val="65000"/>
+              <a:lumOff val="35000"/>
+            </a:schemeClr>
           </a:solidFill>
           <a:latin typeface="+mn-lt"/>
           <a:ea typeface="+mn-ea"/>
           <a:cs typeface="+mn-cs"/>
         </a:defRPr>
       </a:lvl2pPr>
-      <a:lvl3pPr marL="1143000" indent="-228600" algn="l" defTabSz="914400" rtl="0" eaLnBrk="1" latinLnBrk="0" hangingPunct="1">
+      <a:lvl3pPr marL="1143000" indent="-182880" algn="l" defTabSz="914400" rtl="0" eaLnBrk="1" latinLnBrk="0" hangingPunct="1">
         <a:lnSpc>
           <a:spcPct val="90000"/>
         </a:lnSpc>
         <a:spcBef>
-          <a:spcPts val="500"/>
+          <a:spcPts val="250"/>
         </a:spcBef>
-        <a:buFont typeface="Arial" panose="020B0604020202020204" pitchFamily="34" charset="0"/>
-        <a:buChar char="•"/>
-        <a:defRPr sz="2000" kern="1200">
+        <a:spcAft>
+          <a:spcPts val="250"/>
+        </a:spcAft>
+        <a:buClr>
+          <a:schemeClr val="accent1"/>
+        </a:buClr>
+        <a:buFont typeface="Wingdings 2" pitchFamily="18" charset="2"/>
+        <a:buChar char=""/>
+        <a:defRPr sz="1600" kern="1200">
           <a:solidFill>
-            <a:schemeClr val="tx1"/>
+            <a:schemeClr val="tx1">
+              <a:lumMod val="65000"/>
+              <a:lumOff val="35000"/>
+            </a:schemeClr>
           </a:solidFill>
           <a:latin typeface="+mn-lt"/>
           <a:ea typeface="+mn-ea"/>
           <a:cs typeface="+mn-cs"/>
         </a:defRPr>
       </a:lvl3pPr>
-      <a:lvl4pPr marL="1600200" indent="-228600" algn="l" defTabSz="914400" rtl="0" eaLnBrk="1" latinLnBrk="0" hangingPunct="1">
+      <a:lvl4pPr marL="1600200" indent="-182880" algn="l" defTabSz="914400" rtl="0" eaLnBrk="1" latinLnBrk="0" hangingPunct="1">
         <a:lnSpc>
           <a:spcPct val="90000"/>
         </a:lnSpc>
         <a:spcBef>
-          <a:spcPts val="500"/>
+          <a:spcPts val="250"/>
         </a:spcBef>
-        <a:buFont typeface="Arial" panose="020B0604020202020204" pitchFamily="34" charset="0"/>
-        <a:buChar char="•"/>
-        <a:defRPr sz="1800" kern="1200">
+        <a:spcAft>
+          <a:spcPts val="250"/>
+        </a:spcAft>
+        <a:buClr>
+          <a:schemeClr val="accent1"/>
+        </a:buClr>
+        <a:buFont typeface="Wingdings 2" pitchFamily="18" charset="2"/>
+        <a:buChar char=""/>
+        <a:defRPr sz="1400" kern="1200">
           <a:solidFill>
-            <a:schemeClr val="tx1"/>
+            <a:schemeClr val="tx1">
+              <a:lumMod val="65000"/>
+              <a:lumOff val="35000"/>
+            </a:schemeClr>
           </a:solidFill>
           <a:latin typeface="+mn-lt"/>
           <a:ea typeface="+mn-ea"/>
           <a:cs typeface="+mn-cs"/>
         </a:defRPr>
       </a:lvl4pPr>
-      <a:lvl5pPr marL="2057400" indent="-228600" algn="l" defTabSz="914400" rtl="0" eaLnBrk="1" latinLnBrk="0" hangingPunct="1">
+      <a:lvl5pPr marL="2057400" indent="-182880" algn="l" defTabSz="914400" rtl="0" eaLnBrk="1" latinLnBrk="0" hangingPunct="1">
         <a:lnSpc>
           <a:spcPct val="90000"/>
         </a:lnSpc>
         <a:spcBef>
-          <a:spcPts val="500"/>
+          <a:spcPts val="250"/>
         </a:spcBef>
-        <a:buFont typeface="Arial" panose="020B0604020202020204" pitchFamily="34" charset="0"/>
-        <a:buChar char="•"/>
-        <a:defRPr sz="1800" kern="1200">
+        <a:spcAft>
+          <a:spcPts val="250"/>
+        </a:spcAft>
+        <a:buClr>
+          <a:schemeClr val="accent1"/>
+        </a:buClr>
+        <a:buFont typeface="Wingdings 2" pitchFamily="18" charset="2"/>
+        <a:buChar char=""/>
+        <a:defRPr sz="1400" kern="1200">
           <a:solidFill>
-            <a:schemeClr val="tx1"/>
+            <a:schemeClr val="tx1">
+              <a:lumMod val="65000"/>
+              <a:lumOff val="35000"/>
+            </a:schemeClr>
           </a:solidFill>
           <a:latin typeface="+mn-lt"/>
           <a:ea typeface="+mn-ea"/>
@@ -3158,13 +3179,22 @@
           <a:spcPct val="90000"/>
         </a:lnSpc>
         <a:spcBef>
-          <a:spcPts val="500"/>
+          <a:spcPts val="250"/>
         </a:spcBef>
-        <a:buFont typeface="Arial" panose="020B0604020202020204" pitchFamily="34" charset="0"/>
-        <a:buChar char="•"/>
-        <a:defRPr sz="1800" kern="1200">
+        <a:spcAft>
+          <a:spcPts val="250"/>
+        </a:spcAft>
+        <a:buClr>
+          <a:schemeClr val="accent1"/>
+        </a:buClr>
+        <a:buFont typeface="Wingdings 2" pitchFamily="18" charset="2"/>
+        <a:buChar char=""/>
+        <a:defRPr sz="1400" kern="1200">
           <a:solidFill>
-            <a:schemeClr val="tx1"/>
+            <a:schemeClr val="tx1">
+              <a:lumMod val="65000"/>
+              <a:lumOff val="35000"/>
+            </a:schemeClr>
           </a:solidFill>
           <a:latin typeface="+mn-lt"/>
           <a:ea typeface="+mn-ea"/>
@@ -3176,13 +3206,22 @@
           <a:spcPct val="90000"/>
         </a:lnSpc>
         <a:spcBef>
-          <a:spcPts val="500"/>
+          <a:spcPts val="250"/>
         </a:spcBef>
-        <a:buFont typeface="Arial" panose="020B0604020202020204" pitchFamily="34" charset="0"/>
-        <a:buChar char="•"/>
-        <a:defRPr sz="1800" kern="1200">
+        <a:spcAft>
+          <a:spcPts val="250"/>
+        </a:spcAft>
+        <a:buClr>
+          <a:schemeClr val="accent1"/>
+        </a:buClr>
+        <a:buFont typeface="Wingdings 2" pitchFamily="18" charset="2"/>
+        <a:buChar char=""/>
+        <a:defRPr sz="1400" kern="1200">
           <a:solidFill>
-            <a:schemeClr val="tx1"/>
+            <a:schemeClr val="tx1">
+              <a:lumMod val="65000"/>
+              <a:lumOff val="35000"/>
+            </a:schemeClr>
           </a:solidFill>
           <a:latin typeface="+mn-lt"/>
           <a:ea typeface="+mn-ea"/>
@@ -3194,13 +3233,22 @@
           <a:spcPct val="90000"/>
         </a:lnSpc>
         <a:spcBef>
-          <a:spcPts val="500"/>
+          <a:spcPts val="250"/>
         </a:spcBef>
-        <a:buFont typeface="Arial" panose="020B0604020202020204" pitchFamily="34" charset="0"/>
-        <a:buChar char="•"/>
-        <a:defRPr sz="1800" kern="1200">
+        <a:spcAft>
+          <a:spcPts val="250"/>
+        </a:spcAft>
+        <a:buClr>
+          <a:schemeClr val="accent1"/>
+        </a:buClr>
+        <a:buFont typeface="Wingdings 2" pitchFamily="18" charset="2"/>
+        <a:buChar char=""/>
+        <a:defRPr sz="1400" kern="1200">
           <a:solidFill>
-            <a:schemeClr val="tx1"/>
+            <a:schemeClr val="tx1">
+              <a:lumMod val="65000"/>
+              <a:lumOff val="35000"/>
+            </a:schemeClr>
           </a:solidFill>
           <a:latin typeface="+mn-lt"/>
           <a:ea typeface="+mn-ea"/>
@@ -3212,13 +3260,22 @@
           <a:spcPct val="90000"/>
         </a:lnSpc>
         <a:spcBef>
-          <a:spcPts val="500"/>
+          <a:spcPts val="250"/>
         </a:spcBef>
-        <a:buFont typeface="Arial" panose="020B0604020202020204" pitchFamily="34" charset="0"/>
-        <a:buChar char="•"/>
-        <a:defRPr sz="1800" kern="1200">
+        <a:spcAft>
+          <a:spcPts val="250"/>
+        </a:spcAft>
+        <a:buClr>
+          <a:schemeClr val="accent1"/>
+        </a:buClr>
+        <a:buFont typeface="Wingdings 2" pitchFamily="18" charset="2"/>
+        <a:buChar char=""/>
+        <a:defRPr sz="1400" kern="1200">
           <a:solidFill>
-            <a:schemeClr val="tx1"/>
+            <a:schemeClr val="tx1">
+              <a:lumMod val="65000"/>
+              <a:lumOff val="35000"/>
+            </a:schemeClr>
           </a:solidFill>
           <a:latin typeface="+mn-lt"/>
           <a:ea typeface="+mn-ea"/>
@@ -3228,7 +3285,7 @@
     </p:bodyStyle>
     <p:otherStyle>
       <a:defPPr>
-        <a:defRPr lang="es-MX"/>
+        <a:defRPr lang="en-US"/>
       </a:defPPr>
       <a:lvl1pPr marL="0" algn="l" defTabSz="914400" rtl="0" eaLnBrk="1" latinLnBrk="0" hangingPunct="1">
         <a:defRPr sz="1800" kern="1200">
@@ -3328,6 +3385,17 @@
 <file path=ppt/slides/slide1.xml><?xml version="1.0" encoding="utf-8"?>
 <p:sld xmlns:a="http://schemas.openxmlformats.org/drawingml/2006/main" xmlns:r="http://schemas.openxmlformats.org/officeDocument/2006/relationships" xmlns:p="http://schemas.openxmlformats.org/presentationml/2006/main">
   <p:cSld>
+    <p:bg>
+      <p:bgPr>
+        <a:solidFill>
+          <a:schemeClr val="bg1">
+            <a:tint val="95000"/>
+            <a:satMod val="170000"/>
+          </a:schemeClr>
+        </a:solidFill>
+        <a:effectLst/>
+      </p:bgPr>
+    </p:bg>
     <p:spTree>
       <p:nvGrpSpPr>
         <p:cNvPr id="1" name=""/>
@@ -3344,6 +3412,257 @@
       </p:grpSpPr>
       <p:sp>
         <p:nvSpPr>
+          <p:cNvPr id="16" name="Rectangle 7">
+            <a:extLst>
+              <a:ext uri="{FF2B5EF4-FFF2-40B4-BE49-F238E27FC236}">
+                <a16:creationId xmlns:a16="http://schemas.microsoft.com/office/drawing/2014/main" id="{2F4AD318-2FB6-4C6E-931E-58E404FA18CD}"/>
+              </a:ext>
+              <a:ext uri="{C183D7F6-B498-43B3-948B-1728B52AA6E4}">
+                <adec:decorative xmlns:adec="http://schemas.microsoft.com/office/drawing/2017/decorative" val="1"/>
+              </a:ext>
+            </a:extLst>
+          </p:cNvPr>
+          <p:cNvSpPr>
+            <a:spLocks noGrp="1" noRot="1" noChangeAspect="1" noMove="1" noResize="1" noEditPoints="1" noAdjustHandles="1" noChangeArrowheads="1" noChangeShapeType="1" noTextEdit="1"/>
+          </p:cNvSpPr>
+          <p:nvPr>
+            <p:extLst>
+              <p:ext uri="{386F3935-93C4-4BCD-93E2-E3B085C9AB24}">
+                <p16:designElem xmlns:p16="http://schemas.microsoft.com/office/powerpoint/2015/main" val="1"/>
+              </p:ext>
+            </p:extLst>
+          </p:nvPr>
+        </p:nvSpPr>
+        <p:spPr>
+          <a:xfrm>
+            <a:off x="0" y="0"/>
+            <a:ext cx="12192000" cy="6858000"/>
+          </a:xfrm>
+          <a:prstGeom prst="rect">
+            <a:avLst/>
+          </a:prstGeom>
+          <a:solidFill>
+            <a:schemeClr val="accent1"/>
+          </a:solidFill>
+          <a:ln>
+            <a:noFill/>
+          </a:ln>
+        </p:spPr>
+        <p:style>
+          <a:lnRef idx="2">
+            <a:schemeClr val="accent1">
+              <a:shade val="50000"/>
+            </a:schemeClr>
+          </a:lnRef>
+          <a:fillRef idx="1">
+            <a:schemeClr val="accent1"/>
+          </a:fillRef>
+          <a:effectRef idx="0">
+            <a:schemeClr val="accent1"/>
+          </a:effectRef>
+          <a:fontRef idx="minor">
+            <a:schemeClr val="lt1"/>
+          </a:fontRef>
+        </p:style>
+        <p:txBody>
+          <a:bodyPr rtlCol="0" anchor="ctr"/>
+          <a:lstStyle/>
+          <a:p>
+            <a:pPr algn="ctr"/>
+            <a:endParaRPr lang="en-US" dirty="0"/>
+          </a:p>
+        </p:txBody>
+      </p:sp>
+      <p:sp>
+        <p:nvSpPr>
+          <p:cNvPr id="17" name="Freeform: Shape 9">
+            <a:extLst>
+              <a:ext uri="{FF2B5EF4-FFF2-40B4-BE49-F238E27FC236}">
+                <a16:creationId xmlns:a16="http://schemas.microsoft.com/office/drawing/2014/main" id="{1A118E35-1CBF-4863-8497-F4DF1A166D2D}"/>
+              </a:ext>
+              <a:ext uri="{C183D7F6-B498-43B3-948B-1728B52AA6E4}">
+                <adec:decorative xmlns:adec="http://schemas.microsoft.com/office/drawing/2017/decorative" val="1"/>
+              </a:ext>
+            </a:extLst>
+          </p:cNvPr>
+          <p:cNvSpPr>
+            <a:spLocks noGrp="1" noRot="1" noChangeAspect="1" noMove="1" noResize="1" noEditPoints="1" noAdjustHandles="1" noChangeArrowheads="1" noChangeShapeType="1" noTextEdit="1"/>
+          </p:cNvSpPr>
+          <p:nvPr>
+            <p:extLst>
+              <p:ext uri="{386F3935-93C4-4BCD-93E2-E3B085C9AB24}">
+                <p16:designElem xmlns:p16="http://schemas.microsoft.com/office/powerpoint/2015/main" val="1"/>
+              </p:ext>
+            </p:extLst>
+          </p:nvPr>
+        </p:nvSpPr>
+        <p:spPr>
+          <a:xfrm>
+            <a:off x="-3582" y="752748"/>
+            <a:ext cx="1001483" cy="4744251"/>
+          </a:xfrm>
+          <a:custGeom>
+            <a:avLst/>
+            <a:gdLst>
+              <a:gd name="connsiteX0" fmla="*/ 0 w 1001483"/>
+              <a:gd name="connsiteY0" fmla="*/ 0 h 4744251"/>
+              <a:gd name="connsiteX1" fmla="*/ 1001483 w 1001483"/>
+              <a:gd name="connsiteY1" fmla="*/ 0 h 4744251"/>
+              <a:gd name="connsiteX2" fmla="*/ 0 w 1001483"/>
+              <a:gd name="connsiteY2" fmla="*/ 4744251 h 4744251"/>
+            </a:gdLst>
+            <a:ahLst/>
+            <a:cxnLst>
+              <a:cxn ang="0">
+                <a:pos x="connsiteX0" y="connsiteY0"/>
+              </a:cxn>
+              <a:cxn ang="0">
+                <a:pos x="connsiteX1" y="connsiteY1"/>
+              </a:cxn>
+              <a:cxn ang="0">
+                <a:pos x="connsiteX2" y="connsiteY2"/>
+              </a:cxn>
+            </a:cxnLst>
+            <a:rect l="l" t="t" r="r" b="b"/>
+            <a:pathLst>
+              <a:path w="1001483" h="4744251">
+                <a:moveTo>
+                  <a:pt x="0" y="0"/>
+                </a:moveTo>
+                <a:lnTo>
+                  <a:pt x="1001483" y="0"/>
+                </a:lnTo>
+                <a:lnTo>
+                  <a:pt x="0" y="4744251"/>
+                </a:lnTo>
+                <a:close/>
+              </a:path>
+            </a:pathLst>
+          </a:custGeom>
+          <a:solidFill>
+            <a:schemeClr val="bg2"/>
+          </a:solidFill>
+          <a:ln>
+            <a:noFill/>
+          </a:ln>
+        </p:spPr>
+        <p:style>
+          <a:lnRef idx="2">
+            <a:schemeClr val="accent1">
+              <a:shade val="50000"/>
+            </a:schemeClr>
+          </a:lnRef>
+          <a:fillRef idx="1">
+            <a:schemeClr val="accent1"/>
+          </a:fillRef>
+          <a:effectRef idx="0">
+            <a:schemeClr val="accent1"/>
+          </a:effectRef>
+          <a:fontRef idx="minor">
+            <a:schemeClr val="lt1"/>
+          </a:fontRef>
+        </p:style>
+      </p:sp>
+      <p:sp>
+        <p:nvSpPr>
+          <p:cNvPr id="18" name="Freeform: Shape 11">
+            <a:extLst>
+              <a:ext uri="{FF2B5EF4-FFF2-40B4-BE49-F238E27FC236}">
+                <a16:creationId xmlns:a16="http://schemas.microsoft.com/office/drawing/2014/main" id="{6E187274-5DC2-4BE0-AF99-925D6D973550}"/>
+              </a:ext>
+              <a:ext uri="{C183D7F6-B498-43B3-948B-1728B52AA6E4}">
+                <adec:decorative xmlns:adec="http://schemas.microsoft.com/office/drawing/2017/decorative" val="1"/>
+              </a:ext>
+            </a:extLst>
+          </p:cNvPr>
+          <p:cNvSpPr>
+            <a:spLocks noGrp="1" noRot="1" noChangeAspect="1" noMove="1" noResize="1" noEditPoints="1" noAdjustHandles="1" noChangeArrowheads="1" noChangeShapeType="1" noTextEdit="1"/>
+          </p:cNvSpPr>
+          <p:nvPr>
+            <p:extLst>
+              <p:ext uri="{386F3935-93C4-4BCD-93E2-E3B085C9AB24}">
+                <p16:designElem xmlns:p16="http://schemas.microsoft.com/office/powerpoint/2015/main" val="1"/>
+              </p:ext>
+            </p:extLst>
+          </p:nvPr>
+        </p:nvSpPr>
+        <p:spPr>
+          <a:xfrm>
+            <a:off x="7987094" y="761999"/>
+            <a:ext cx="4208489" cy="5334001"/>
+          </a:xfrm>
+          <a:custGeom>
+            <a:avLst/>
+            <a:gdLst>
+              <a:gd name="connsiteX0" fmla="*/ 1015642 w 4208489"/>
+              <a:gd name="connsiteY0" fmla="*/ 0 h 5334001"/>
+              <a:gd name="connsiteX1" fmla="*/ 4208489 w 4208489"/>
+              <a:gd name="connsiteY1" fmla="*/ 0 h 5334001"/>
+              <a:gd name="connsiteX2" fmla="*/ 4208489 w 4208489"/>
+              <a:gd name="connsiteY2" fmla="*/ 5334001 h 5334001"/>
+              <a:gd name="connsiteX3" fmla="*/ 0 w 4208489"/>
+              <a:gd name="connsiteY3" fmla="*/ 5334001 h 5334001"/>
+            </a:gdLst>
+            <a:ahLst/>
+            <a:cxnLst>
+              <a:cxn ang="0">
+                <a:pos x="connsiteX0" y="connsiteY0"/>
+              </a:cxn>
+              <a:cxn ang="0">
+                <a:pos x="connsiteX1" y="connsiteY1"/>
+              </a:cxn>
+              <a:cxn ang="0">
+                <a:pos x="connsiteX2" y="connsiteY2"/>
+              </a:cxn>
+              <a:cxn ang="0">
+                <a:pos x="connsiteX3" y="connsiteY3"/>
+              </a:cxn>
+            </a:cxnLst>
+            <a:rect l="l" t="t" r="r" b="b"/>
+            <a:pathLst>
+              <a:path w="4208489" h="5334001">
+                <a:moveTo>
+                  <a:pt x="1015642" y="0"/>
+                </a:moveTo>
+                <a:lnTo>
+                  <a:pt x="4208489" y="0"/>
+                </a:lnTo>
+                <a:lnTo>
+                  <a:pt x="4208489" y="5334001"/>
+                </a:lnTo>
+                <a:lnTo>
+                  <a:pt x="0" y="5334001"/>
+                </a:lnTo>
+                <a:close/>
+              </a:path>
+            </a:pathLst>
+          </a:custGeom>
+          <a:solidFill>
+            <a:schemeClr val="bg2"/>
+          </a:solidFill>
+          <a:ln>
+            <a:noFill/>
+          </a:ln>
+        </p:spPr>
+        <p:style>
+          <a:lnRef idx="2">
+            <a:schemeClr val="accent1">
+              <a:shade val="50000"/>
+            </a:schemeClr>
+          </a:lnRef>
+          <a:fillRef idx="1">
+            <a:schemeClr val="accent1"/>
+          </a:fillRef>
+          <a:effectRef idx="0">
+            <a:schemeClr val="accent1"/>
+          </a:effectRef>
+          <a:fontRef idx="minor">
+            <a:schemeClr val="lt1"/>
+          </a:fontRef>
+        </p:style>
+      </p:sp>
+      <p:sp>
+        <p:nvSpPr>
           <p:cNvPr id="2" name="Title 1">
             <a:extLst>
               <a:ext uri="{FF2B5EF4-FFF2-40B4-BE49-F238E27FC236}">
@@ -3358,22 +3677,23 @@
             <p:ph type="ctrTitle"/>
           </p:nvPr>
         </p:nvSpPr>
-        <p:spPr/>
-        <p:txBody>
-          <a:bodyPr>
+        <p:spPr>
+          <a:xfrm>
+            <a:off x="1069849" y="1298448"/>
+            <a:ext cx="6917245" cy="3255264"/>
+          </a:xfrm>
+        </p:spPr>
+        <p:txBody>
+          <a:bodyPr anchor="ctr">
             <a:normAutofit/>
           </a:bodyPr>
           <a:lstStyle/>
           <a:p>
-            <a:r>
-              <a:rPr lang="es-MX" dirty="0"/>
-              <a:t>Control del programa de trabajo </a:t>
-            </a:r>
-            <a:r>
-              <a:rPr lang="es-MX"/>
-              <a:t>del proyecto</a:t>
-            </a:r>
-            <a:endParaRPr lang="es-MX" dirty="0"/>
+            <a:pPr algn="r"/>
+            <a:r>
+              <a:rPr lang="es-MX" sz="6000"/>
+              <a:t>Control del programa de trabajo del proyecto</a:t>
+            </a:r>
           </a:p>
         </p:txBody>
       </p:sp>
@@ -3393,12 +3713,23 @@
             <p:ph type="subTitle" idx="1"/>
           </p:nvPr>
         </p:nvSpPr>
-        <p:spPr/>
-        <p:txBody>
-          <a:bodyPr/>
-          <a:lstStyle/>
-          <a:p>
-            <a:endParaRPr lang="es-MX"/>
+        <p:spPr>
+          <a:xfrm>
+            <a:off x="8858384" y="2144121"/>
+            <a:ext cx="3021621" cy="1709159"/>
+          </a:xfrm>
+        </p:spPr>
+        <p:txBody>
+          <a:bodyPr anchor="ctr">
+            <a:normAutofit/>
+          </a:bodyPr>
+          <a:lstStyle/>
+          <a:p>
+            <a:endParaRPr lang="es-MX" sz="1800">
+              <a:solidFill>
+                <a:schemeClr val="tx1"/>
+              </a:solidFill>
+            </a:endParaRPr>
           </a:p>
         </p:txBody>
       </p:sp>
@@ -3406,6 +3737,746 @@
     <p:extLst>
       <p:ext uri="{BB962C8B-B14F-4D97-AF65-F5344CB8AC3E}">
         <p14:creationId xmlns:p14="http://schemas.microsoft.com/office/powerpoint/2010/main" val="421078136"/>
+      </p:ext>
+    </p:extLst>
+  </p:cSld>
+  <p:clrMapOvr>
+    <a:overrideClrMapping bg1="dk1" tx1="lt1" bg2="dk2" tx2="lt2" accent1="accent1" accent2="accent2" accent3="accent3" accent4="accent4" accent5="accent5" accent6="accent6" hlink="hlink" folHlink="folHlink"/>
+  </p:clrMapOvr>
+</p:sld>
+</file>
+
+<file path=ppt/slides/slide2.xml><?xml version="1.0" encoding="utf-8"?>
+<p:sld xmlns:a="http://schemas.openxmlformats.org/drawingml/2006/main" xmlns:r="http://schemas.openxmlformats.org/officeDocument/2006/relationships" xmlns:p="http://schemas.openxmlformats.org/presentationml/2006/main">
+  <p:cSld>
+    <p:bg>
+      <p:bgPr>
+        <a:solidFill>
+          <a:schemeClr val="bg1"/>
+        </a:solidFill>
+        <a:effectLst/>
+      </p:bgPr>
+    </p:bg>
+    <p:spTree>
+      <p:nvGrpSpPr>
+        <p:cNvPr id="1" name=""/>
+        <p:cNvGrpSpPr/>
+        <p:nvPr/>
+      </p:nvGrpSpPr>
+      <p:grpSpPr>
+        <a:xfrm>
+          <a:off x="0" y="0"/>
+          <a:ext cx="0" cy="0"/>
+          <a:chOff x="0" y="0"/>
+          <a:chExt cx="0" cy="0"/>
+        </a:xfrm>
+      </p:grpSpPr>
+      <p:sp useBgFill="1">
+        <p:nvSpPr>
+          <p:cNvPr id="8" name="Rectangle 7">
+            <a:extLst>
+              <a:ext uri="{FF2B5EF4-FFF2-40B4-BE49-F238E27FC236}">
+                <a16:creationId xmlns:a16="http://schemas.microsoft.com/office/drawing/2014/main" id="{80516254-1D9F-4F3A-9870-3A3280BE2BFE}"/>
+              </a:ext>
+              <a:ext uri="{C183D7F6-B498-43B3-948B-1728B52AA6E4}">
+                <adec:decorative xmlns:adec="http://schemas.microsoft.com/office/drawing/2017/decorative" val="1"/>
+              </a:ext>
+            </a:extLst>
+          </p:cNvPr>
+          <p:cNvSpPr>
+            <a:spLocks noGrp="1" noRot="1" noChangeAspect="1" noMove="1" noResize="1" noEditPoints="1" noAdjustHandles="1" noChangeArrowheads="1" noChangeShapeType="1" noTextEdit="1"/>
+          </p:cNvSpPr>
+          <p:nvPr>
+            <p:extLst>
+              <p:ext uri="{386F3935-93C4-4BCD-93E2-E3B085C9AB24}">
+                <p16:designElem xmlns:p16="http://schemas.microsoft.com/office/powerpoint/2015/main" val="1"/>
+              </p:ext>
+            </p:extLst>
+          </p:nvPr>
+        </p:nvSpPr>
+        <p:spPr>
+          <a:xfrm>
+            <a:off x="0" y="0"/>
+            <a:ext cx="12192000" cy="6858000"/>
+          </a:xfrm>
+          <a:prstGeom prst="rect">
+            <a:avLst/>
+          </a:prstGeom>
+          <a:ln>
+            <a:noFill/>
+          </a:ln>
+        </p:spPr>
+        <p:style>
+          <a:lnRef idx="2">
+            <a:schemeClr val="accent1">
+              <a:shade val="50000"/>
+            </a:schemeClr>
+          </a:lnRef>
+          <a:fillRef idx="1">
+            <a:schemeClr val="accent1"/>
+          </a:fillRef>
+          <a:effectRef idx="0">
+            <a:schemeClr val="accent1"/>
+          </a:effectRef>
+          <a:fontRef idx="minor">
+            <a:schemeClr val="lt1"/>
+          </a:fontRef>
+        </p:style>
+      </p:sp>
+      <p:sp>
+        <p:nvSpPr>
+          <p:cNvPr id="2" name="Title 1">
+            <a:extLst>
+              <a:ext uri="{FF2B5EF4-FFF2-40B4-BE49-F238E27FC236}">
+                <a16:creationId xmlns:a16="http://schemas.microsoft.com/office/drawing/2014/main" id="{84476CB8-65DE-4778-8958-8E77D1478337}"/>
+              </a:ext>
+            </a:extLst>
+          </p:cNvPr>
+          <p:cNvSpPr>
+            <a:spLocks noGrp="1"/>
+          </p:cNvSpPr>
+          <p:nvPr>
+            <p:ph type="title"/>
+          </p:nvPr>
+        </p:nvSpPr>
+        <p:spPr>
+          <a:xfrm>
+            <a:off x="1539116" y="864108"/>
+            <a:ext cx="3073914" cy="5120639"/>
+          </a:xfrm>
+        </p:spPr>
+        <p:txBody>
+          <a:bodyPr>
+            <a:normAutofit/>
+          </a:bodyPr>
+          <a:lstStyle/>
+          <a:p>
+            <a:pPr algn="r"/>
+            <a:r>
+              <a:rPr lang="es-MX">
+                <a:solidFill>
+                  <a:schemeClr val="tx1">
+                    <a:lumMod val="85000"/>
+                    <a:lumOff val="15000"/>
+                  </a:schemeClr>
+                </a:solidFill>
+              </a:rPr>
+              <a:t>Estructura de toma de decisiones. </a:t>
+            </a:r>
+          </a:p>
+        </p:txBody>
+      </p:sp>
+      <p:sp>
+        <p:nvSpPr>
+          <p:cNvPr id="10" name="Rectangle 9">
+            <a:extLst>
+              <a:ext uri="{FF2B5EF4-FFF2-40B4-BE49-F238E27FC236}">
+                <a16:creationId xmlns:a16="http://schemas.microsoft.com/office/drawing/2014/main" id="{FC14672B-27A5-4CDA-ABAF-5E4CF4B41C23}"/>
+              </a:ext>
+              <a:ext uri="{C183D7F6-B498-43B3-948B-1728B52AA6E4}">
+                <adec:decorative xmlns:adec="http://schemas.microsoft.com/office/drawing/2017/decorative" val="1"/>
+              </a:ext>
+            </a:extLst>
+          </p:cNvPr>
+          <p:cNvSpPr>
+            <a:spLocks noGrp="1" noRot="1" noChangeAspect="1" noMove="1" noResize="1" noEditPoints="1" noAdjustHandles="1" noChangeArrowheads="1" noChangeShapeType="1" noTextEdit="1"/>
+          </p:cNvSpPr>
+          <p:nvPr>
+            <p:extLst>
+              <p:ext uri="{386F3935-93C4-4BCD-93E2-E3B085C9AB24}">
+                <p16:designElem xmlns:p16="http://schemas.microsoft.com/office/powerpoint/2015/main" val="1"/>
+              </p:ext>
+            </p:extLst>
+          </p:nvPr>
+        </p:nvSpPr>
+        <p:spPr>
+          <a:xfrm>
+            <a:off x="0" y="761999"/>
+            <a:ext cx="1286934" cy="5334001"/>
+          </a:xfrm>
+          <a:prstGeom prst="rect">
+            <a:avLst/>
+          </a:prstGeom>
+          <a:solidFill>
+            <a:schemeClr val="accent1"/>
+          </a:solidFill>
+          <a:ln>
+            <a:noFill/>
+          </a:ln>
+        </p:spPr>
+        <p:style>
+          <a:lnRef idx="2">
+            <a:schemeClr val="accent1">
+              <a:shade val="50000"/>
+            </a:schemeClr>
+          </a:lnRef>
+          <a:fillRef idx="1">
+            <a:schemeClr val="accent1"/>
+          </a:fillRef>
+          <a:effectRef idx="0">
+            <a:schemeClr val="accent1"/>
+          </a:effectRef>
+          <a:fontRef idx="minor">
+            <a:schemeClr val="lt1"/>
+          </a:fontRef>
+        </p:style>
+      </p:sp>
+      <p:cxnSp>
+        <p:nvCxnSpPr>
+          <p:cNvPr id="12" name="Straight Connector 11">
+            <a:extLst>
+              <a:ext uri="{FF2B5EF4-FFF2-40B4-BE49-F238E27FC236}">
+                <a16:creationId xmlns:a16="http://schemas.microsoft.com/office/drawing/2014/main" id="{8D89589C-2C90-4407-A995-05EC3DD7AB14}"/>
+              </a:ext>
+              <a:ext uri="{C183D7F6-B498-43B3-948B-1728B52AA6E4}">
+                <adec:decorative xmlns:adec="http://schemas.microsoft.com/office/drawing/2017/decorative" val="1"/>
+              </a:ext>
+            </a:extLst>
+          </p:cNvPr>
+          <p:cNvCxnSpPr>
+            <a:cxnSpLocks noGrp="1" noRot="1" noChangeAspect="1" noMove="1" noResize="1" noEditPoints="1" noAdjustHandles="1" noChangeArrowheads="1" noChangeShapeType="1"/>
+          </p:cNvCxnSpPr>
+          <p:nvPr>
+            <p:extLst>
+              <p:ext uri="{386F3935-93C4-4BCD-93E2-E3B085C9AB24}">
+                <p16:designElem xmlns:p16="http://schemas.microsoft.com/office/powerpoint/2015/main" val="1"/>
+              </p:ext>
+            </p:extLst>
+          </p:nvPr>
+        </p:nvCxnSpPr>
+        <p:spPr>
+          <a:xfrm>
+            <a:off x="4951129" y="2085681"/>
+            <a:ext cx="0" cy="2686639"/>
+          </a:xfrm>
+          <a:prstGeom prst="line">
+            <a:avLst/>
+          </a:prstGeom>
+          <a:ln w="12700">
+            <a:solidFill>
+              <a:schemeClr val="tx1">
+                <a:lumMod val="50000"/>
+                <a:lumOff val="50000"/>
+              </a:schemeClr>
+            </a:solidFill>
+          </a:ln>
+        </p:spPr>
+        <p:style>
+          <a:lnRef idx="1">
+            <a:schemeClr val="accent1"/>
+          </a:lnRef>
+          <a:fillRef idx="0">
+            <a:schemeClr val="accent1"/>
+          </a:fillRef>
+          <a:effectRef idx="0">
+            <a:schemeClr val="accent1"/>
+          </a:effectRef>
+          <a:fontRef idx="minor">
+            <a:schemeClr val="tx1"/>
+          </a:fontRef>
+        </p:style>
+      </p:cxnSp>
+      <p:sp>
+        <p:nvSpPr>
+          <p:cNvPr id="3" name="Content Placeholder 2">
+            <a:extLst>
+              <a:ext uri="{FF2B5EF4-FFF2-40B4-BE49-F238E27FC236}">
+                <a16:creationId xmlns:a16="http://schemas.microsoft.com/office/drawing/2014/main" id="{9734A7A9-1FF6-4EEE-BDF9-0CDE9DFCCCA8}"/>
+              </a:ext>
+            </a:extLst>
+          </p:cNvPr>
+          <p:cNvSpPr>
+            <a:spLocks noGrp="1"/>
+          </p:cNvSpPr>
+          <p:nvPr>
+            <p:ph idx="1"/>
+          </p:nvPr>
+        </p:nvSpPr>
+        <p:spPr>
+          <a:xfrm>
+            <a:off x="5289229" y="864108"/>
+            <a:ext cx="5910677" cy="5120640"/>
+          </a:xfrm>
+        </p:spPr>
+        <p:txBody>
+          <a:bodyPr>
+            <a:normAutofit/>
+          </a:bodyPr>
+          <a:lstStyle/>
+          <a:p>
+            <a:r>
+              <a:rPr lang="es-MX" dirty="0"/>
+              <a:t>Yael Atletl</a:t>
+            </a:r>
+          </a:p>
+          <a:p>
+            <a:pPr lvl="1"/>
+            <a:r>
+              <a:rPr lang="es-MX" dirty="0"/>
+              <a:t>Kevin Peña</a:t>
+            </a:r>
+          </a:p>
+          <a:p>
+            <a:pPr lvl="2"/>
+            <a:r>
+              <a:rPr lang="es-MX" dirty="0"/>
+              <a:t>José Ángel</a:t>
+            </a:r>
+          </a:p>
+        </p:txBody>
+      </p:sp>
+      <p:sp>
+        <p:nvSpPr>
+          <p:cNvPr id="14" name="Rectangle 13">
+            <a:extLst>
+              <a:ext uri="{FF2B5EF4-FFF2-40B4-BE49-F238E27FC236}">
+                <a16:creationId xmlns:a16="http://schemas.microsoft.com/office/drawing/2014/main" id="{9A206779-5C74-4555-94BC-5845C92EC3A8}"/>
+              </a:ext>
+              <a:ext uri="{C183D7F6-B498-43B3-948B-1728B52AA6E4}">
+                <adec:decorative xmlns:adec="http://schemas.microsoft.com/office/drawing/2017/decorative" val="1"/>
+              </a:ext>
+            </a:extLst>
+          </p:cNvPr>
+          <p:cNvSpPr>
+            <a:spLocks noGrp="1" noRot="1" noChangeAspect="1" noMove="1" noResize="1" noEditPoints="1" noAdjustHandles="1" noChangeArrowheads="1" noChangeShapeType="1" noTextEdit="1"/>
+          </p:cNvSpPr>
+          <p:nvPr>
+            <p:extLst>
+              <p:ext uri="{386F3935-93C4-4BCD-93E2-E3B085C9AB24}">
+                <p16:designElem xmlns:p16="http://schemas.microsoft.com/office/powerpoint/2015/main" val="1"/>
+              </p:ext>
+            </p:extLst>
+          </p:nvPr>
+        </p:nvSpPr>
+        <p:spPr>
+          <a:xfrm>
+            <a:off x="11683988" y="767825"/>
+            <a:ext cx="508012" cy="5328173"/>
+          </a:xfrm>
+          <a:prstGeom prst="rect">
+            <a:avLst/>
+          </a:prstGeom>
+          <a:solidFill>
+            <a:srgbClr val="C8C8C8">
+              <a:alpha val="50000"/>
+            </a:srgbClr>
+          </a:solidFill>
+          <a:ln>
+            <a:noFill/>
+          </a:ln>
+        </p:spPr>
+        <p:style>
+          <a:lnRef idx="2">
+            <a:schemeClr val="accent1">
+              <a:shade val="50000"/>
+            </a:schemeClr>
+          </a:lnRef>
+          <a:fillRef idx="1">
+            <a:schemeClr val="accent1"/>
+          </a:fillRef>
+          <a:effectRef idx="0">
+            <a:schemeClr val="accent1"/>
+          </a:effectRef>
+          <a:fontRef idx="minor">
+            <a:schemeClr val="lt1"/>
+          </a:fontRef>
+        </p:style>
+        <p:txBody>
+          <a:bodyPr rtlCol="0" anchor="ctr"/>
+          <a:lstStyle/>
+          <a:p>
+            <a:pPr algn="ctr"/>
+            <a:endParaRPr lang="en-US"/>
+          </a:p>
+        </p:txBody>
+      </p:sp>
+    </p:spTree>
+    <p:extLst>
+      <p:ext uri="{BB962C8B-B14F-4D97-AF65-F5344CB8AC3E}">
+        <p14:creationId xmlns:p14="http://schemas.microsoft.com/office/powerpoint/2010/main" val="4083716621"/>
+      </p:ext>
+    </p:extLst>
+  </p:cSld>
+  <p:clrMapOvr>
+    <a:masterClrMapping/>
+  </p:clrMapOvr>
+</p:sld>
+</file>
+
+<file path=ppt/slides/slide3.xml><?xml version="1.0" encoding="utf-8"?>
+<p:sld xmlns:a="http://schemas.openxmlformats.org/drawingml/2006/main" xmlns:r="http://schemas.openxmlformats.org/officeDocument/2006/relationships" xmlns:p="http://schemas.openxmlformats.org/presentationml/2006/main">
+  <p:cSld>
+    <p:spTree>
+      <p:nvGrpSpPr>
+        <p:cNvPr id="1" name=""/>
+        <p:cNvGrpSpPr/>
+        <p:nvPr/>
+      </p:nvGrpSpPr>
+      <p:grpSpPr>
+        <a:xfrm>
+          <a:off x="0" y="0"/>
+          <a:ext cx="0" cy="0"/>
+          <a:chOff x="0" y="0"/>
+          <a:chExt cx="0" cy="0"/>
+        </a:xfrm>
+      </p:grpSpPr>
+      <p:sp>
+        <p:nvSpPr>
+          <p:cNvPr id="2" name="Title 1">
+            <a:extLst>
+              <a:ext uri="{FF2B5EF4-FFF2-40B4-BE49-F238E27FC236}">
+                <a16:creationId xmlns:a16="http://schemas.microsoft.com/office/drawing/2014/main" id="{53D3D1D7-BD0E-4D50-AE1A-3D055DF06927}"/>
+              </a:ext>
+            </a:extLst>
+          </p:cNvPr>
+          <p:cNvSpPr>
+            <a:spLocks noGrp="1"/>
+          </p:cNvSpPr>
+          <p:nvPr>
+            <p:ph type="title"/>
+          </p:nvPr>
+        </p:nvSpPr>
+        <p:spPr/>
+        <p:txBody>
+          <a:bodyPr/>
+          <a:lstStyle/>
+          <a:p>
+            <a:r>
+              <a:rPr lang="es-MX" dirty="0"/>
+              <a:t>Riesgos y Puntos críticos </a:t>
+            </a:r>
+          </a:p>
+        </p:txBody>
+      </p:sp>
+      <p:graphicFrame>
+        <p:nvGraphicFramePr>
+          <p:cNvPr id="4" name="Content Placeholder 3">
+            <a:extLst>
+              <a:ext uri="{FF2B5EF4-FFF2-40B4-BE49-F238E27FC236}">
+                <a16:creationId xmlns:a16="http://schemas.microsoft.com/office/drawing/2014/main" id="{1342A3C2-4CBE-4C61-BEF2-A69064C56596}"/>
+              </a:ext>
+            </a:extLst>
+          </p:cNvPr>
+          <p:cNvGraphicFramePr>
+            <a:graphicFrameLocks noGrp="1"/>
+          </p:cNvGraphicFramePr>
+          <p:nvPr>
+            <p:ph idx="1"/>
+            <p:extLst>
+              <p:ext uri="{D42A27DB-BD31-4B8C-83A1-F6EECF244321}">
+                <p14:modId xmlns:p14="http://schemas.microsoft.com/office/powerpoint/2010/main" val="1849280259"/>
+              </p:ext>
+            </p:extLst>
+          </p:nvPr>
+        </p:nvGraphicFramePr>
+        <p:xfrm>
+          <a:off x="3868738" y="863600"/>
+          <a:ext cx="7315200" cy="2494280"/>
+        </p:xfrm>
+        <a:graphic>
+          <a:graphicData uri="http://schemas.openxmlformats.org/drawingml/2006/table">
+            <a:tbl>
+              <a:tblPr firstRow="1" bandRow="1">
+                <a:tableStyleId>{5C22544A-7EE6-4342-B048-85BDC9FD1C3A}</a:tableStyleId>
+              </a:tblPr>
+              <a:tblGrid>
+                <a:gridCol w="2438400">
+                  <a:extLst>
+                    <a:ext uri="{9D8B030D-6E8A-4147-A177-3AD203B41FA5}">
+                      <a16:colId xmlns:a16="http://schemas.microsoft.com/office/drawing/2014/main" val="2440604528"/>
+                    </a:ext>
+                  </a:extLst>
+                </a:gridCol>
+                <a:gridCol w="2438400">
+                  <a:extLst>
+                    <a:ext uri="{9D8B030D-6E8A-4147-A177-3AD203B41FA5}">
+                      <a16:colId xmlns:a16="http://schemas.microsoft.com/office/drawing/2014/main" val="999175565"/>
+                    </a:ext>
+                  </a:extLst>
+                </a:gridCol>
+                <a:gridCol w="2438400">
+                  <a:extLst>
+                    <a:ext uri="{9D8B030D-6E8A-4147-A177-3AD203B41FA5}">
+                      <a16:colId xmlns:a16="http://schemas.microsoft.com/office/drawing/2014/main" val="850609980"/>
+                    </a:ext>
+                  </a:extLst>
+                </a:gridCol>
+              </a:tblGrid>
+              <a:tr h="370840">
+                <a:tc>
+                  <a:txBody>
+                    <a:bodyPr/>
+                    <a:lstStyle/>
+                    <a:p>
+                      <a:r>
+                        <a:rPr lang="es-MX" dirty="0"/>
+                        <a:t>Riesgos</a:t>
+                      </a:r>
+                    </a:p>
+                  </a:txBody>
+                  <a:tcPr marL="63610" marR="63610"/>
+                </a:tc>
+                <a:tc>
+                  <a:txBody>
+                    <a:bodyPr/>
+                    <a:lstStyle/>
+                    <a:p>
+                      <a:r>
+                        <a:rPr lang="es-MX" dirty="0"/>
+                        <a:t>Probabilidad de ocurrir en mediano plazo</a:t>
+                      </a:r>
+                    </a:p>
+                  </a:txBody>
+                  <a:tcPr marL="63610" marR="63610"/>
+                </a:tc>
+                <a:tc>
+                  <a:txBody>
+                    <a:bodyPr/>
+                    <a:lstStyle/>
+                    <a:p>
+                      <a:r>
+                        <a:rPr lang="es-MX" dirty="0"/>
+                        <a:t>Impacto</a:t>
+                      </a:r>
+                    </a:p>
+                  </a:txBody>
+                  <a:tcPr marL="63610" marR="63610"/>
+                </a:tc>
+                <a:extLst>
+                  <a:ext uri="{0D108BD9-81ED-4DB2-BD59-A6C34878D82A}">
+                    <a16:rowId xmlns:a16="http://schemas.microsoft.com/office/drawing/2014/main" val="4090480931"/>
+                  </a:ext>
+                </a:extLst>
+              </a:tr>
+              <a:tr h="370840">
+                <a:tc>
+                  <a:txBody>
+                    <a:bodyPr/>
+                    <a:lstStyle/>
+                    <a:p>
+                      <a:r>
+                        <a:rPr lang="es-MX" dirty="0"/>
+                        <a:t>Deserción del proyecto</a:t>
+                      </a:r>
+                    </a:p>
+                  </a:txBody>
+                  <a:tcPr marL="63610" marR="63610"/>
+                </a:tc>
+                <a:tc>
+                  <a:txBody>
+                    <a:bodyPr/>
+                    <a:lstStyle/>
+                    <a:p>
+                      <a:r>
+                        <a:rPr lang="es-MX" dirty="0"/>
+                        <a:t>20-30%</a:t>
+                      </a:r>
+                    </a:p>
+                  </a:txBody>
+                  <a:tcPr marL="63610" marR="63610"/>
+                </a:tc>
+                <a:tc>
+                  <a:txBody>
+                    <a:bodyPr/>
+                    <a:lstStyle/>
+                    <a:p>
+                      <a:r>
+                        <a:rPr lang="es-MX" dirty="0"/>
+                        <a:t>Alto</a:t>
+                      </a:r>
+                    </a:p>
+                  </a:txBody>
+                  <a:tcPr marL="63610" marR="63610"/>
+                </a:tc>
+                <a:extLst>
+                  <a:ext uri="{0D108BD9-81ED-4DB2-BD59-A6C34878D82A}">
+                    <a16:rowId xmlns:a16="http://schemas.microsoft.com/office/drawing/2014/main" val="899329991"/>
+                  </a:ext>
+                </a:extLst>
+              </a:tr>
+              <a:tr h="370840">
+                <a:tc>
+                  <a:txBody>
+                    <a:bodyPr/>
+                    <a:lstStyle/>
+                    <a:p>
+                      <a:r>
+                        <a:rPr lang="es-MX" dirty="0"/>
+                        <a:t>Fallas administrativas</a:t>
+                      </a:r>
+                    </a:p>
+                  </a:txBody>
+                  <a:tcPr marL="63610" marR="63610"/>
+                </a:tc>
+                <a:tc>
+                  <a:txBody>
+                    <a:bodyPr/>
+                    <a:lstStyle/>
+                    <a:p>
+                      <a:r>
+                        <a:rPr lang="es-MX" dirty="0"/>
+                        <a:t>30-40%</a:t>
+                      </a:r>
+                    </a:p>
+                  </a:txBody>
+                  <a:tcPr marL="63610" marR="63610"/>
+                </a:tc>
+                <a:tc>
+                  <a:txBody>
+                    <a:bodyPr/>
+                    <a:lstStyle/>
+                    <a:p>
+                      <a:r>
+                        <a:rPr lang="es-MX" dirty="0"/>
+                        <a:t>Medio</a:t>
+                      </a:r>
+                    </a:p>
+                  </a:txBody>
+                  <a:tcPr marL="63610" marR="63610"/>
+                </a:tc>
+                <a:extLst>
+                  <a:ext uri="{0D108BD9-81ED-4DB2-BD59-A6C34878D82A}">
+                    <a16:rowId xmlns:a16="http://schemas.microsoft.com/office/drawing/2014/main" val="1170823983"/>
+                  </a:ext>
+                </a:extLst>
+              </a:tr>
+              <a:tr h="370840">
+                <a:tc>
+                  <a:txBody>
+                    <a:bodyPr/>
+                    <a:lstStyle/>
+                    <a:p>
+                      <a:r>
+                        <a:rPr lang="es-MX" dirty="0"/>
+                        <a:t>Fallas en el personal</a:t>
+                      </a:r>
+                    </a:p>
+                  </a:txBody>
+                  <a:tcPr marL="63610" marR="63610"/>
+                </a:tc>
+                <a:tc>
+                  <a:txBody>
+                    <a:bodyPr/>
+                    <a:lstStyle/>
+                    <a:p>
+                      <a:r>
+                        <a:rPr lang="es-MX" dirty="0"/>
+                        <a:t>30-40%</a:t>
+                      </a:r>
+                    </a:p>
+                  </a:txBody>
+                  <a:tcPr marL="63610" marR="63610"/>
+                </a:tc>
+                <a:tc>
+                  <a:txBody>
+                    <a:bodyPr/>
+                    <a:lstStyle/>
+                    <a:p>
+                      <a:r>
+                        <a:rPr lang="es-MX" dirty="0"/>
+                        <a:t>Medio</a:t>
+                      </a:r>
+                    </a:p>
+                  </a:txBody>
+                  <a:tcPr marL="63610" marR="63610"/>
+                </a:tc>
+                <a:extLst>
+                  <a:ext uri="{0D108BD9-81ED-4DB2-BD59-A6C34878D82A}">
+                    <a16:rowId xmlns:a16="http://schemas.microsoft.com/office/drawing/2014/main" val="2807768720"/>
+                  </a:ext>
+                </a:extLst>
+              </a:tr>
+              <a:tr h="370840">
+                <a:tc>
+                  <a:txBody>
+                    <a:bodyPr/>
+                    <a:lstStyle/>
+                    <a:p>
+                      <a:r>
+                        <a:rPr lang="es-MX" dirty="0"/>
+                        <a:t>Caída de la economía</a:t>
+                      </a:r>
+                    </a:p>
+                  </a:txBody>
+                  <a:tcPr marL="63610" marR="63610"/>
+                </a:tc>
+                <a:tc>
+                  <a:txBody>
+                    <a:bodyPr/>
+                    <a:lstStyle/>
+                    <a:p>
+                      <a:r>
+                        <a:rPr lang="es-MX" dirty="0"/>
+                        <a:t>10-20%</a:t>
+                      </a:r>
+                    </a:p>
+                  </a:txBody>
+                  <a:tcPr marL="63610" marR="63610"/>
+                </a:tc>
+                <a:tc>
+                  <a:txBody>
+                    <a:bodyPr/>
+                    <a:lstStyle/>
+                    <a:p>
+                      <a:r>
+                        <a:rPr lang="es-MX" dirty="0"/>
+                        <a:t>Alto</a:t>
+                      </a:r>
+                    </a:p>
+                  </a:txBody>
+                  <a:tcPr marL="63610" marR="63610"/>
+                </a:tc>
+                <a:extLst>
+                  <a:ext uri="{0D108BD9-81ED-4DB2-BD59-A6C34878D82A}">
+                    <a16:rowId xmlns:a16="http://schemas.microsoft.com/office/drawing/2014/main" val="1839115389"/>
+                  </a:ext>
+                </a:extLst>
+              </a:tr>
+              <a:tr h="370840">
+                <a:tc>
+                  <a:txBody>
+                    <a:bodyPr/>
+                    <a:lstStyle/>
+                    <a:p>
+                      <a:endParaRPr lang="es-MX" dirty="0"/>
+                    </a:p>
+                  </a:txBody>
+                  <a:tcPr marL="63610" marR="63610"/>
+                </a:tc>
+                <a:tc>
+                  <a:txBody>
+                    <a:bodyPr/>
+                    <a:lstStyle/>
+                    <a:p>
+                      <a:endParaRPr lang="es-MX" dirty="0"/>
+                    </a:p>
+                  </a:txBody>
+                  <a:tcPr marL="63610" marR="63610"/>
+                </a:tc>
+                <a:tc>
+                  <a:txBody>
+                    <a:bodyPr/>
+                    <a:lstStyle/>
+                    <a:p>
+                      <a:endParaRPr lang="es-MX" dirty="0"/>
+                    </a:p>
+                  </a:txBody>
+                  <a:tcPr marL="63610" marR="63610"/>
+                </a:tc>
+                <a:extLst>
+                  <a:ext uri="{0D108BD9-81ED-4DB2-BD59-A6C34878D82A}">
+                    <a16:rowId xmlns:a16="http://schemas.microsoft.com/office/drawing/2014/main" val="1866311457"/>
+                  </a:ext>
+                </a:extLst>
+              </a:tr>
+            </a:tbl>
+          </a:graphicData>
+        </a:graphic>
+      </p:graphicFrame>
+    </p:spTree>
+    <p:extLst>
+      <p:ext uri="{BB962C8B-B14F-4D97-AF65-F5344CB8AC3E}">
+        <p14:creationId xmlns:p14="http://schemas.microsoft.com/office/powerpoint/2010/main" val="3989157354"/>
       </p:ext>
     </p:extLst>
   </p:cSld>
@@ -3416,110 +4487,58 @@
 </file>
 
 <file path=ppt/theme/theme1.xml><?xml version="1.0" encoding="utf-8"?>
-<a:theme xmlns:a="http://schemas.openxmlformats.org/drawingml/2006/main" name="Office Theme">
+<a:theme xmlns:a="http://schemas.openxmlformats.org/drawingml/2006/main" name="Frame">
   <a:themeElements>
-    <a:clrScheme name="Office">
+    <a:clrScheme name="Frame">
       <a:dk1>
-        <a:sysClr val="windowText" lastClr="000000"/>
+        <a:srgbClr val="000000"/>
       </a:dk1>
       <a:lt1>
-        <a:sysClr val="window" lastClr="FFFFFF"/>
+        <a:srgbClr val="FFFFFF"/>
       </a:lt1>
       <a:dk2>
-        <a:srgbClr val="44546A"/>
+        <a:srgbClr val="545454"/>
       </a:dk2>
       <a:lt2>
-        <a:srgbClr val="E7E6E6"/>
+        <a:srgbClr val="BFBFBF"/>
       </a:lt2>
       <a:accent1>
-        <a:srgbClr val="4472C4"/>
+        <a:srgbClr val="40BAD2"/>
       </a:accent1>
       <a:accent2>
-        <a:srgbClr val="ED7D31"/>
+        <a:srgbClr val="FAB900"/>
       </a:accent2>
       <a:accent3>
-        <a:srgbClr val="A5A5A5"/>
+        <a:srgbClr val="90BB23"/>
       </a:accent3>
       <a:accent4>
-        <a:srgbClr val="FFC000"/>
+        <a:srgbClr val="EE7008"/>
       </a:accent4>
       <a:accent5>
-        <a:srgbClr val="5B9BD5"/>
+        <a:srgbClr val="1AB39F"/>
       </a:accent5>
       <a:accent6>
-        <a:srgbClr val="70AD47"/>
+        <a:srgbClr val="D5393D"/>
       </a:accent6>
       <a:hlink>
-        <a:srgbClr val="0563C1"/>
+        <a:srgbClr val="90BB23"/>
       </a:hlink>
       <a:folHlink>
-        <a:srgbClr val="954F72"/>
+        <a:srgbClr val="EE7008"/>
       </a:folHlink>
     </a:clrScheme>
-    <a:fontScheme name="Office">
+    <a:fontScheme name="Frame">
       <a:majorFont>
-        <a:latin typeface="Calibri Light" panose="020F0302020204030204"/>
+        <a:latin typeface="Corbel" panose="020B0503020204020204"/>
         <a:ea typeface=""/>
         <a:cs typeface=""/>
-        <a:font script="Jpan" typeface="游ゴシック Light"/>
-        <a:font script="Hang" typeface="맑은 고딕"/>
-        <a:font script="Hans" typeface="等线 Light"/>
-        <a:font script="Hant" typeface="新細明體"/>
-        <a:font script="Arab" typeface="Times New Roman"/>
-        <a:font script="Hebr" typeface="Times New Roman"/>
-        <a:font script="Thai" typeface="Angsana New"/>
-        <a:font script="Ethi" typeface="Nyala"/>
-        <a:font script="Beng" typeface="Vrinda"/>
-        <a:font script="Gujr" typeface="Shruti"/>
-        <a:font script="Khmr" typeface="MoolBoran"/>
-        <a:font script="Knda" typeface="Tunga"/>
-        <a:font script="Guru" typeface="Raavi"/>
-        <a:font script="Cans" typeface="Euphemia"/>
-        <a:font script="Cher" typeface="Plantagenet Cherokee"/>
-        <a:font script="Yiii" typeface="Microsoft Yi Baiti"/>
-        <a:font script="Tibt" typeface="Microsoft Himalaya"/>
-        <a:font script="Thaa" typeface="MV Boli"/>
-        <a:font script="Deva" typeface="Mangal"/>
-        <a:font script="Telu" typeface="Gautami"/>
-        <a:font script="Taml" typeface="Latha"/>
-        <a:font script="Syrc" typeface="Estrangelo Edessa"/>
-        <a:font script="Orya" typeface="Kalinga"/>
-        <a:font script="Mlym" typeface="Kartika"/>
-        <a:font script="Laoo" typeface="DokChampa"/>
-        <a:font script="Sinh" typeface="Iskoola Pota"/>
-        <a:font script="Mong" typeface="Mongolian Baiti"/>
-        <a:font script="Viet" typeface="Times New Roman"/>
-        <a:font script="Uigh" typeface="Microsoft Uighur"/>
-        <a:font script="Geor" typeface="Sylfaen"/>
-        <a:font script="Armn" typeface="Arial"/>
-        <a:font script="Bugi" typeface="Leelawadee UI"/>
-        <a:font script="Bopo" typeface="Microsoft JhengHei"/>
-        <a:font script="Java" typeface="Javanese Text"/>
-        <a:font script="Lisu" typeface="Segoe UI"/>
-        <a:font script="Mymr" typeface="Myanmar Text"/>
-        <a:font script="Nkoo" typeface="Ebrima"/>
-        <a:font script="Olck" typeface="Nirmala UI"/>
-        <a:font script="Osma" typeface="Ebrima"/>
-        <a:font script="Phag" typeface="Phagspa"/>
-        <a:font script="Syrn" typeface="Estrangelo Edessa"/>
-        <a:font script="Syrj" typeface="Estrangelo Edessa"/>
-        <a:font script="Syre" typeface="Estrangelo Edessa"/>
-        <a:font script="Sora" typeface="Nirmala UI"/>
-        <a:font script="Tale" typeface="Microsoft Tai Le"/>
-        <a:font script="Talu" typeface="Microsoft New Tai Lue"/>
-        <a:font script="Tfng" typeface="Ebrima"/>
-      </a:majorFont>
-      <a:minorFont>
-        <a:latin typeface="Calibri" panose="020F0502020204030204"/>
-        <a:ea typeface=""/>
-        <a:cs typeface=""/>
-        <a:font script="Jpan" typeface="游ゴシック"/>
-        <a:font script="Hang" typeface="맑은 고딕"/>
-        <a:font script="Hans" typeface="等线"/>
-        <a:font script="Hant" typeface="新細明體"/>
-        <a:font script="Arab" typeface="Arial"/>
-        <a:font script="Hebr" typeface="Arial"/>
-        <a:font script="Thai" typeface="Cordia New"/>
+        <a:font script="Jpan" typeface="ＭＳ ゴシック"/>
+        <a:font script="Hang" typeface="HY중고딕"/>
+        <a:font script="Hans" typeface="幼圆"/>
+        <a:font script="Hant" typeface="微軟正黑體"/>
+        <a:font script="Arab" typeface="Tahoma"/>
+        <a:font script="Hebr" typeface="Gisha"/>
+        <a:font script="Thai" typeface="DilleniaUPC"/>
         <a:font script="Ethi" typeface="Nyala"/>
         <a:font script="Beng" typeface="Vrinda"/>
         <a:font script="Gujr" typeface="Shruti"/>
@@ -3540,107 +4559,85 @@
         <a:font script="Laoo" typeface="DokChampa"/>
         <a:font script="Sinh" typeface="Iskoola Pota"/>
         <a:font script="Mong" typeface="Mongolian Baiti"/>
-        <a:font script="Viet" typeface="Arial"/>
+        <a:font script="Viet" typeface="Tahoma"/>
         <a:font script="Uigh" typeface="Microsoft Uighur"/>
         <a:font script="Geor" typeface="Sylfaen"/>
-        <a:font script="Armn" typeface="Arial"/>
-        <a:font script="Bugi" typeface="Leelawadee UI"/>
-        <a:font script="Bopo" typeface="Microsoft JhengHei"/>
-        <a:font script="Java" typeface="Javanese Text"/>
-        <a:font script="Lisu" typeface="Segoe UI"/>
-        <a:font script="Mymr" typeface="Myanmar Text"/>
-        <a:font script="Nkoo" typeface="Ebrima"/>
-        <a:font script="Olck" typeface="Nirmala UI"/>
-        <a:font script="Osma" typeface="Ebrima"/>
-        <a:font script="Phag" typeface="Phagspa"/>
-        <a:font script="Syrn" typeface="Estrangelo Edessa"/>
-        <a:font script="Syrj" typeface="Estrangelo Edessa"/>
-        <a:font script="Syre" typeface="Estrangelo Edessa"/>
-        <a:font script="Sora" typeface="Nirmala UI"/>
-        <a:font script="Tale" typeface="Microsoft Tai Le"/>
-        <a:font script="Talu" typeface="Microsoft New Tai Lue"/>
-        <a:font script="Tfng" typeface="Ebrima"/>
+      </a:majorFont>
+      <a:minorFont>
+        <a:latin typeface="Corbel" panose="020B0503020204020204"/>
+        <a:ea typeface=""/>
+        <a:cs typeface=""/>
+        <a:font script="Jpan" typeface="ＭＳ ゴシック"/>
+        <a:font script="Hang" typeface="HY중고딕"/>
+        <a:font script="Hans" typeface="幼圆"/>
+        <a:font script="Hant" typeface="微軟正黑體"/>
+        <a:font script="Arab" typeface="Tahoma"/>
+        <a:font script="Hebr" typeface="Gisha"/>
+        <a:font script="Thai" typeface="DilleniaUPC"/>
+        <a:font script="Ethi" typeface="Nyala"/>
+        <a:font script="Beng" typeface="Vrinda"/>
+        <a:font script="Gujr" typeface="Shruti"/>
+        <a:font script="Khmr" typeface="DaunPenh"/>
+        <a:font script="Knda" typeface="Tunga"/>
+        <a:font script="Guru" typeface="Raavi"/>
+        <a:font script="Cans" typeface="Euphemia"/>
+        <a:font script="Cher" typeface="Plantagenet Cherokee"/>
+        <a:font script="Yiii" typeface="Microsoft Yi Baiti"/>
+        <a:font script="Tibt" typeface="Microsoft Himalaya"/>
+        <a:font script="Thaa" typeface="MV Boli"/>
+        <a:font script="Deva" typeface="Mangal"/>
+        <a:font script="Telu" typeface="Gautami"/>
+        <a:font script="Taml" typeface="Latha"/>
+        <a:font script="Syrc" typeface="Estrangelo Edessa"/>
+        <a:font script="Orya" typeface="Kalinga"/>
+        <a:font script="Mlym" typeface="Kartika"/>
+        <a:font script="Laoo" typeface="DokChampa"/>
+        <a:font script="Sinh" typeface="Iskoola Pota"/>
+        <a:font script="Mong" typeface="Mongolian Baiti"/>
+        <a:font script="Viet" typeface="Verdana"/>
+        <a:font script="Uigh" typeface="Microsoft Uighur"/>
+        <a:font script="Geor" typeface="Sylfaen"/>
       </a:minorFont>
     </a:fontScheme>
-    <a:fmtScheme name="Office">
+    <a:fmtScheme name="Frame">
       <a:fillStyleLst>
         <a:solidFill>
           <a:schemeClr val="phClr"/>
         </a:solidFill>
-        <a:gradFill rotWithShape="1">
-          <a:gsLst>
-            <a:gs pos="0">
-              <a:schemeClr val="phClr">
-                <a:lumMod val="110000"/>
-                <a:satMod val="105000"/>
-                <a:tint val="67000"/>
-              </a:schemeClr>
-            </a:gs>
-            <a:gs pos="50000">
-              <a:schemeClr val="phClr">
-                <a:lumMod val="105000"/>
-                <a:satMod val="103000"/>
-                <a:tint val="73000"/>
-              </a:schemeClr>
-            </a:gs>
-            <a:gs pos="100000">
-              <a:schemeClr val="phClr">
-                <a:lumMod val="105000"/>
-                <a:satMod val="109000"/>
-                <a:tint val="81000"/>
-              </a:schemeClr>
-            </a:gs>
-          </a:gsLst>
-          <a:lin ang="5400000" scaled="0"/>
-        </a:gradFill>
-        <a:gradFill rotWithShape="1">
-          <a:gsLst>
-            <a:gs pos="0">
-              <a:schemeClr val="phClr">
-                <a:satMod val="103000"/>
-                <a:lumMod val="102000"/>
-                <a:tint val="94000"/>
-              </a:schemeClr>
-            </a:gs>
-            <a:gs pos="50000">
-              <a:schemeClr val="phClr">
-                <a:satMod val="110000"/>
-                <a:lumMod val="100000"/>
-                <a:shade val="100000"/>
-              </a:schemeClr>
-            </a:gs>
-            <a:gs pos="100000">
-              <a:schemeClr val="phClr">
-                <a:lumMod val="99000"/>
-                <a:satMod val="120000"/>
-                <a:shade val="78000"/>
-              </a:schemeClr>
-            </a:gs>
-          </a:gsLst>
-          <a:lin ang="5400000" scaled="0"/>
-        </a:gradFill>
+        <a:solidFill>
+          <a:schemeClr val="phClr">
+            <a:tint val="65000"/>
+          </a:schemeClr>
+        </a:solidFill>
+        <a:solidFill>
+          <a:schemeClr val="phClr">
+            <a:shade val="80000"/>
+            <a:satMod val="150000"/>
+          </a:schemeClr>
+        </a:solidFill>
       </a:fillStyleLst>
       <a:lnStyleLst>
-        <a:ln w="6350" cap="flat" cmpd="sng" algn="ctr">
+        <a:ln w="9525" cap="flat" cmpd="sng" algn="ctr">
           <a:solidFill>
             <a:schemeClr val="phClr"/>
           </a:solidFill>
           <a:prstDash val="solid"/>
-          <a:miter lim="800000"/>
         </a:ln>
-        <a:ln w="12700" cap="flat" cmpd="sng" algn="ctr">
+        <a:ln w="10795" cap="flat" cmpd="sng" algn="ctr">
           <a:solidFill>
             <a:schemeClr val="phClr"/>
           </a:solidFill>
           <a:prstDash val="solid"/>
-          <a:miter lim="800000"/>
         </a:ln>
-        <a:ln w="19050" cap="flat" cmpd="sng" algn="ctr">
+        <a:ln w="17145" cap="flat" cmpd="sng" algn="ctr">
           <a:solidFill>
-            <a:schemeClr val="phClr"/>
+            <a:schemeClr val="phClr">
+              <a:shade val="95000"/>
+              <a:alpha val="50000"/>
+              <a:satMod val="150000"/>
+            </a:schemeClr>
           </a:solidFill>
           <a:prstDash val="solid"/>
-          <a:miter lim="800000"/>
         </a:ln>
       </a:lnStyleLst>
       <a:effectStyleLst>
@@ -3652,12 +4649,21 @@
         </a:effectStyle>
         <a:effectStyle>
           <a:effectLst>
-            <a:outerShdw blurRad="57150" dist="19050" dir="5400000" algn="ctr" rotWithShape="0">
+            <a:outerShdw blurRad="44450" dist="13970" dir="5400000" algn="ctr" rotWithShape="0">
               <a:srgbClr val="000000">
-                <a:alpha val="63000"/>
+                <a:alpha val="45000"/>
               </a:srgbClr>
             </a:outerShdw>
           </a:effectLst>
+          <a:scene3d>
+            <a:camera prst="orthographicFront">
+              <a:rot lat="0" lon="0" rev="0"/>
+            </a:camera>
+            <a:lightRig rig="twoPt" dir="tl"/>
+          </a:scene3d>
+          <a:sp3d prstMaterial="flat">
+            <a:bevelT w="12700" h="25400" prst="coolSlant"/>
+          </a:sp3d>
         </a:effectStyle>
       </a:effectStyleLst>
       <a:bgFillStyleLst>
@@ -3675,23 +4681,24 @@
             <a:gs pos="0">
               <a:schemeClr val="phClr">
                 <a:tint val="93000"/>
-                <a:satMod val="150000"/>
                 <a:shade val="98000"/>
+                <a:satMod val="120000"/>
                 <a:lumMod val="102000"/>
               </a:schemeClr>
             </a:gs>
-            <a:gs pos="50000">
+            <a:gs pos="48000">
               <a:schemeClr val="phClr">
                 <a:tint val="98000"/>
-                <a:satMod val="130000"/>
                 <a:shade val="90000"/>
+                <a:satMod val="110000"/>
                 <a:lumMod val="103000"/>
               </a:schemeClr>
             </a:gs>
             <a:gs pos="100000">
               <a:schemeClr val="phClr">
-                <a:shade val="63000"/>
-                <a:satMod val="120000"/>
+                <a:tint val="98000"/>
+                <a:shade val="80000"/>
+                <a:satMod val="100000"/>
               </a:schemeClr>
             </a:gs>
           </a:gsLst>
@@ -3704,7 +4711,7 @@
   <a:extraClrSchemeLst/>
   <a:extLst>
     <a:ext uri="{05A4C25C-085E-4340-85A3-A5531E510DB2}">
-      <thm15:themeFamily xmlns:thm15="http://schemas.microsoft.com/office/thememl/2012/main" name="Office Theme" id="{62F939B6-93AF-4DB8-9C6B-D6C7DFDC589F}" vid="{4A3C46E8-61CC-4603-A589-7422A47A8E4A}"/>
+      <thm15:themeFamily xmlns:thm15="http://schemas.microsoft.com/office/thememl/2012/main" name="Frame" id="{F226E7A2-7162-461C-9490-D27D9DC04E43}" vid="{629A0216-3BBD-45C0-B63F-2683BEA18F60}"/>
     </a:ext>
   </a:extLst>
 </a:theme>

--- a/Presentaciones/4.7 Control de programa de proyecto.pptx
+++ b/Presentaciones/4.7 Control de programa de proyecto.pptx
@@ -8,6 +8,8 @@
     <p:sldId id="256" r:id="rId2"/>
     <p:sldId id="257" r:id="rId3"/>
     <p:sldId id="258" r:id="rId4"/>
+    <p:sldId id="259" r:id="rId5"/>
+    <p:sldId id="260" r:id="rId6"/>
   </p:sldIdLst>
   <p:sldSz cx="12192000" cy="6858000"/>
   <p:notesSz cx="6858000" cy="9144000"/>
@@ -4486,6 +4488,675 @@
 </p:sld>
 </file>
 
+<file path=ppt/slides/slide4.xml><?xml version="1.0" encoding="utf-8"?>
+<p:sld xmlns:a="http://schemas.openxmlformats.org/drawingml/2006/main" xmlns:r="http://schemas.openxmlformats.org/officeDocument/2006/relationships" xmlns:p="http://schemas.openxmlformats.org/presentationml/2006/main">
+  <p:cSld>
+    <p:spTree>
+      <p:nvGrpSpPr>
+        <p:cNvPr id="1" name=""/>
+        <p:cNvGrpSpPr/>
+        <p:nvPr/>
+      </p:nvGrpSpPr>
+      <p:grpSpPr>
+        <a:xfrm>
+          <a:off x="0" y="0"/>
+          <a:ext cx="0" cy="0"/>
+          <a:chOff x="0" y="0"/>
+          <a:chExt cx="0" cy="0"/>
+        </a:xfrm>
+      </p:grpSpPr>
+      <p:sp>
+        <p:nvSpPr>
+          <p:cNvPr id="4" name="TextBox 3">
+            <a:extLst>
+              <a:ext uri="{FF2B5EF4-FFF2-40B4-BE49-F238E27FC236}">
+                <a16:creationId xmlns:a16="http://schemas.microsoft.com/office/drawing/2014/main" id="{B86BDBD9-6C49-4780-90FB-0CA5496E4B54}"/>
+              </a:ext>
+            </a:extLst>
+          </p:cNvPr>
+          <p:cNvSpPr txBox="1"/>
+          <p:nvPr/>
+        </p:nvSpPr>
+        <p:spPr>
+          <a:xfrm>
+            <a:off x="2116899" y="1164921"/>
+            <a:ext cx="1002082" cy="369332"/>
+          </a:xfrm>
+          <a:prstGeom prst="rect">
+            <a:avLst/>
+          </a:prstGeom>
+        </p:spPr>
+        <p:style>
+          <a:lnRef idx="2">
+            <a:schemeClr val="accent1">
+              <a:shade val="50000"/>
+            </a:schemeClr>
+          </a:lnRef>
+          <a:fillRef idx="1">
+            <a:schemeClr val="accent1"/>
+          </a:fillRef>
+          <a:effectRef idx="0">
+            <a:schemeClr val="accent1"/>
+          </a:effectRef>
+          <a:fontRef idx="minor">
+            <a:schemeClr val="lt1"/>
+          </a:fontRef>
+        </p:style>
+        <p:txBody>
+          <a:bodyPr wrap="square" rtlCol="0">
+            <a:spAutoFit/>
+          </a:bodyPr>
+          <a:lstStyle/>
+          <a:p>
+            <a:pPr algn="ctr"/>
+            <a:r>
+              <a:rPr lang="es-MX" dirty="0" err="1"/>
+              <a:t>Joyeuse</a:t>
+            </a:r>
+            <a:endParaRPr lang="es-MX" dirty="0"/>
+          </a:p>
+        </p:txBody>
+      </p:sp>
+      <p:sp>
+        <p:nvSpPr>
+          <p:cNvPr id="5" name="TextBox 4">
+            <a:extLst>
+              <a:ext uri="{FF2B5EF4-FFF2-40B4-BE49-F238E27FC236}">
+                <a16:creationId xmlns:a16="http://schemas.microsoft.com/office/drawing/2014/main" id="{5C545B2B-87B6-459D-B5DE-D51620842965}"/>
+              </a:ext>
+            </a:extLst>
+          </p:cNvPr>
+          <p:cNvSpPr txBox="1"/>
+          <p:nvPr/>
+        </p:nvSpPr>
+        <p:spPr>
+          <a:xfrm>
+            <a:off x="3832964" y="1810197"/>
+            <a:ext cx="1565754" cy="369332"/>
+          </a:xfrm>
+          <a:prstGeom prst="rect">
+            <a:avLst/>
+          </a:prstGeom>
+        </p:spPr>
+        <p:style>
+          <a:lnRef idx="2">
+            <a:schemeClr val="accent1">
+              <a:shade val="50000"/>
+            </a:schemeClr>
+          </a:lnRef>
+          <a:fillRef idx="1">
+            <a:schemeClr val="accent1"/>
+          </a:fillRef>
+          <a:effectRef idx="0">
+            <a:schemeClr val="accent1"/>
+          </a:effectRef>
+          <a:fontRef idx="minor">
+            <a:schemeClr val="lt1"/>
+          </a:fontRef>
+        </p:style>
+        <p:txBody>
+          <a:bodyPr wrap="square" rtlCol="0">
+            <a:spAutoFit/>
+          </a:bodyPr>
+          <a:lstStyle/>
+          <a:p>
+            <a:pPr algn="ctr"/>
+            <a:r>
+              <a:rPr lang="es-MX" dirty="0"/>
+              <a:t>Comunicación</a:t>
+            </a:r>
+          </a:p>
+        </p:txBody>
+      </p:sp>
+      <p:sp>
+        <p:nvSpPr>
+          <p:cNvPr id="6" name="TextBox 5">
+            <a:extLst>
+              <a:ext uri="{FF2B5EF4-FFF2-40B4-BE49-F238E27FC236}">
+                <a16:creationId xmlns:a16="http://schemas.microsoft.com/office/drawing/2014/main" id="{EA26E490-6962-42AB-A41F-D47F57D6D30F}"/>
+              </a:ext>
+            </a:extLst>
+          </p:cNvPr>
+          <p:cNvSpPr txBox="1"/>
+          <p:nvPr/>
+        </p:nvSpPr>
+        <p:spPr>
+          <a:xfrm>
+            <a:off x="5899759" y="1810197"/>
+            <a:ext cx="1002082" cy="369332"/>
+          </a:xfrm>
+          <a:prstGeom prst="rect">
+            <a:avLst/>
+          </a:prstGeom>
+        </p:spPr>
+        <p:style>
+          <a:lnRef idx="2">
+            <a:schemeClr val="accent1">
+              <a:shade val="50000"/>
+            </a:schemeClr>
+          </a:lnRef>
+          <a:fillRef idx="1">
+            <a:schemeClr val="accent1"/>
+          </a:fillRef>
+          <a:effectRef idx="0">
+            <a:schemeClr val="accent1"/>
+          </a:effectRef>
+          <a:fontRef idx="minor">
+            <a:schemeClr val="lt1"/>
+          </a:fontRef>
+        </p:style>
+        <p:txBody>
+          <a:bodyPr wrap="square" rtlCol="0">
+            <a:spAutoFit/>
+          </a:bodyPr>
+          <a:lstStyle/>
+          <a:p>
+            <a:pPr algn="ctr"/>
+            <a:r>
+              <a:rPr lang="es-MX" dirty="0"/>
+              <a:t>Externo</a:t>
+            </a:r>
+          </a:p>
+        </p:txBody>
+      </p:sp>
+      <p:sp>
+        <p:nvSpPr>
+          <p:cNvPr id="7" name="TextBox 6">
+            <a:extLst>
+              <a:ext uri="{FF2B5EF4-FFF2-40B4-BE49-F238E27FC236}">
+                <a16:creationId xmlns:a16="http://schemas.microsoft.com/office/drawing/2014/main" id="{3E5A0CC6-4F58-4B95-B31C-747D95CBA651}"/>
+              </a:ext>
+            </a:extLst>
+          </p:cNvPr>
+          <p:cNvSpPr txBox="1"/>
+          <p:nvPr/>
+        </p:nvSpPr>
+        <p:spPr>
+          <a:xfrm>
+            <a:off x="7402882" y="1810197"/>
+            <a:ext cx="1665962" cy="369332"/>
+          </a:xfrm>
+          <a:prstGeom prst="rect">
+            <a:avLst/>
+          </a:prstGeom>
+        </p:spPr>
+        <p:style>
+          <a:lnRef idx="2">
+            <a:schemeClr val="accent1">
+              <a:shade val="50000"/>
+            </a:schemeClr>
+          </a:lnRef>
+          <a:fillRef idx="1">
+            <a:schemeClr val="accent1"/>
+          </a:fillRef>
+          <a:effectRef idx="0">
+            <a:schemeClr val="accent1"/>
+          </a:effectRef>
+          <a:fontRef idx="minor">
+            <a:schemeClr val="lt1"/>
+          </a:fontRef>
+        </p:style>
+        <p:txBody>
+          <a:bodyPr wrap="square" rtlCol="0">
+            <a:spAutoFit/>
+          </a:bodyPr>
+          <a:lstStyle/>
+          <a:p>
+            <a:pPr algn="ctr"/>
+            <a:r>
+              <a:rPr lang="es-MX" dirty="0"/>
+              <a:t>Administración</a:t>
+            </a:r>
+          </a:p>
+        </p:txBody>
+      </p:sp>
+      <p:sp>
+        <p:nvSpPr>
+          <p:cNvPr id="8" name="TextBox 7">
+            <a:extLst>
+              <a:ext uri="{FF2B5EF4-FFF2-40B4-BE49-F238E27FC236}">
+                <a16:creationId xmlns:a16="http://schemas.microsoft.com/office/drawing/2014/main" id="{BBCB3E9D-60B1-4715-B362-AA070D70873A}"/>
+              </a:ext>
+            </a:extLst>
+          </p:cNvPr>
+          <p:cNvSpPr txBox="1"/>
+          <p:nvPr/>
+        </p:nvSpPr>
+        <p:spPr>
+          <a:xfrm>
+            <a:off x="9377819" y="1797671"/>
+            <a:ext cx="1665962" cy="369332"/>
+          </a:xfrm>
+          <a:prstGeom prst="rect">
+            <a:avLst/>
+          </a:prstGeom>
+        </p:spPr>
+        <p:style>
+          <a:lnRef idx="2">
+            <a:schemeClr val="accent1">
+              <a:shade val="50000"/>
+            </a:schemeClr>
+          </a:lnRef>
+          <a:fillRef idx="1">
+            <a:schemeClr val="accent1"/>
+          </a:fillRef>
+          <a:effectRef idx="0">
+            <a:schemeClr val="accent1"/>
+          </a:effectRef>
+          <a:fontRef idx="minor">
+            <a:schemeClr val="lt1"/>
+          </a:fontRef>
+        </p:style>
+        <p:txBody>
+          <a:bodyPr wrap="square" rtlCol="0">
+            <a:spAutoFit/>
+          </a:bodyPr>
+          <a:lstStyle/>
+          <a:p>
+            <a:pPr algn="ctr"/>
+            <a:r>
+              <a:rPr lang="es-MX" dirty="0"/>
+              <a:t>Organizacional</a:t>
+            </a:r>
+          </a:p>
+        </p:txBody>
+      </p:sp>
+      <p:cxnSp>
+        <p:nvCxnSpPr>
+          <p:cNvPr id="10" name="Connector: Elbow 9">
+            <a:extLst>
+              <a:ext uri="{FF2B5EF4-FFF2-40B4-BE49-F238E27FC236}">
+                <a16:creationId xmlns:a16="http://schemas.microsoft.com/office/drawing/2014/main" id="{D930429D-24DC-4FA7-AB9E-7B5C9C078AC1}"/>
+              </a:ext>
+            </a:extLst>
+          </p:cNvPr>
+          <p:cNvCxnSpPr>
+            <a:cxnSpLocks/>
+            <a:stCxn id="4" idx="2"/>
+            <a:endCxn id="5" idx="0"/>
+          </p:cNvCxnSpPr>
+          <p:nvPr/>
+        </p:nvCxnSpPr>
+        <p:spPr>
+          <a:xfrm rot="16200000" flipH="1">
+            <a:off x="3478918" y="673274"/>
+            <a:ext cx="275944" cy="1997901"/>
+          </a:xfrm>
+          <a:prstGeom prst="bentConnector3">
+            <a:avLst>
+              <a:gd name="adj1" fmla="val 50000"/>
+            </a:avLst>
+          </a:prstGeom>
+          <a:ln>
+            <a:tailEnd type="triangle"/>
+          </a:ln>
+        </p:spPr>
+        <p:style>
+          <a:lnRef idx="1">
+            <a:schemeClr val="accent1"/>
+          </a:lnRef>
+          <a:fillRef idx="0">
+            <a:schemeClr val="accent1"/>
+          </a:fillRef>
+          <a:effectRef idx="0">
+            <a:schemeClr val="accent1"/>
+          </a:effectRef>
+          <a:fontRef idx="minor">
+            <a:schemeClr val="tx1"/>
+          </a:fontRef>
+        </p:style>
+      </p:cxnSp>
+      <p:cxnSp>
+        <p:nvCxnSpPr>
+          <p:cNvPr id="13" name="Connector: Elbow 12">
+            <a:extLst>
+              <a:ext uri="{FF2B5EF4-FFF2-40B4-BE49-F238E27FC236}">
+                <a16:creationId xmlns:a16="http://schemas.microsoft.com/office/drawing/2014/main" id="{9AD2B0A6-190C-4294-9420-458221ADB777}"/>
+              </a:ext>
+            </a:extLst>
+          </p:cNvPr>
+          <p:cNvCxnSpPr>
+            <a:stCxn id="4" idx="2"/>
+            <a:endCxn id="6" idx="0"/>
+          </p:cNvCxnSpPr>
+          <p:nvPr/>
+        </p:nvCxnSpPr>
+        <p:spPr>
+          <a:xfrm rot="16200000" flipH="1">
+            <a:off x="4371398" y="-219205"/>
+            <a:ext cx="275944" cy="3782860"/>
+          </a:xfrm>
+          <a:prstGeom prst="bentConnector3">
+            <a:avLst/>
+          </a:prstGeom>
+          <a:ln>
+            <a:tailEnd type="triangle"/>
+          </a:ln>
+        </p:spPr>
+        <p:style>
+          <a:lnRef idx="1">
+            <a:schemeClr val="accent1"/>
+          </a:lnRef>
+          <a:fillRef idx="0">
+            <a:schemeClr val="accent1"/>
+          </a:fillRef>
+          <a:effectRef idx="0">
+            <a:schemeClr val="accent1"/>
+          </a:effectRef>
+          <a:fontRef idx="minor">
+            <a:schemeClr val="tx1"/>
+          </a:fontRef>
+        </p:style>
+      </p:cxnSp>
+      <p:cxnSp>
+        <p:nvCxnSpPr>
+          <p:cNvPr id="15" name="Connector: Elbow 14">
+            <a:extLst>
+              <a:ext uri="{FF2B5EF4-FFF2-40B4-BE49-F238E27FC236}">
+                <a16:creationId xmlns:a16="http://schemas.microsoft.com/office/drawing/2014/main" id="{AC83E004-0EB4-442E-BA5B-0966A6A28066}"/>
+              </a:ext>
+            </a:extLst>
+          </p:cNvPr>
+          <p:cNvCxnSpPr>
+            <a:stCxn id="4" idx="2"/>
+            <a:endCxn id="7" idx="0"/>
+          </p:cNvCxnSpPr>
+          <p:nvPr/>
+        </p:nvCxnSpPr>
+        <p:spPr>
+          <a:xfrm rot="16200000" flipH="1">
+            <a:off x="5288929" y="-1136737"/>
+            <a:ext cx="275944" cy="5617923"/>
+          </a:xfrm>
+          <a:prstGeom prst="bentConnector3">
+            <a:avLst/>
+          </a:prstGeom>
+          <a:ln>
+            <a:tailEnd type="triangle"/>
+          </a:ln>
+        </p:spPr>
+        <p:style>
+          <a:lnRef idx="1">
+            <a:schemeClr val="accent1"/>
+          </a:lnRef>
+          <a:fillRef idx="0">
+            <a:schemeClr val="accent1"/>
+          </a:fillRef>
+          <a:effectRef idx="0">
+            <a:schemeClr val="accent1"/>
+          </a:effectRef>
+          <a:fontRef idx="minor">
+            <a:schemeClr val="tx1"/>
+          </a:fontRef>
+        </p:style>
+      </p:cxnSp>
+      <p:cxnSp>
+        <p:nvCxnSpPr>
+          <p:cNvPr id="17" name="Connector: Elbow 16">
+            <a:extLst>
+              <a:ext uri="{FF2B5EF4-FFF2-40B4-BE49-F238E27FC236}">
+                <a16:creationId xmlns:a16="http://schemas.microsoft.com/office/drawing/2014/main" id="{CEFBDBBA-9E63-43BB-B5DB-5DBBAB06BAFA}"/>
+              </a:ext>
+            </a:extLst>
+          </p:cNvPr>
+          <p:cNvCxnSpPr>
+            <a:stCxn id="4" idx="2"/>
+            <a:endCxn id="8" idx="0"/>
+          </p:cNvCxnSpPr>
+          <p:nvPr/>
+        </p:nvCxnSpPr>
+        <p:spPr>
+          <a:xfrm rot="16200000" flipH="1">
+            <a:off x="6282661" y="-2130468"/>
+            <a:ext cx="263418" cy="7592860"/>
+          </a:xfrm>
+          <a:prstGeom prst="bentConnector3">
+            <a:avLst/>
+          </a:prstGeom>
+          <a:ln>
+            <a:tailEnd type="triangle"/>
+          </a:ln>
+        </p:spPr>
+        <p:style>
+          <a:lnRef idx="1">
+            <a:schemeClr val="accent1"/>
+          </a:lnRef>
+          <a:fillRef idx="0">
+            <a:schemeClr val="accent1"/>
+          </a:fillRef>
+          <a:effectRef idx="0">
+            <a:schemeClr val="accent1"/>
+          </a:effectRef>
+          <a:fontRef idx="minor">
+            <a:schemeClr val="tx1"/>
+          </a:fontRef>
+        </p:style>
+      </p:cxnSp>
+      <p:sp>
+        <p:nvSpPr>
+          <p:cNvPr id="22" name="TextBox 21">
+            <a:extLst>
+              <a:ext uri="{FF2B5EF4-FFF2-40B4-BE49-F238E27FC236}">
+                <a16:creationId xmlns:a16="http://schemas.microsoft.com/office/drawing/2014/main" id="{7A122C57-BD46-49A7-8589-FBCE66FF8374}"/>
+              </a:ext>
+            </a:extLst>
+          </p:cNvPr>
+          <p:cNvSpPr txBox="1"/>
+          <p:nvPr/>
+        </p:nvSpPr>
+        <p:spPr>
+          <a:xfrm>
+            <a:off x="9377819" y="2402516"/>
+            <a:ext cx="1708759" cy="923330"/>
+          </a:xfrm>
+          <a:prstGeom prst="rect">
+            <a:avLst/>
+          </a:prstGeom>
+        </p:spPr>
+        <p:style>
+          <a:lnRef idx="2">
+            <a:schemeClr val="accent1">
+              <a:shade val="50000"/>
+            </a:schemeClr>
+          </a:lnRef>
+          <a:fillRef idx="1">
+            <a:schemeClr val="accent1"/>
+          </a:fillRef>
+          <a:effectRef idx="0">
+            <a:schemeClr val="accent1"/>
+          </a:effectRef>
+          <a:fontRef idx="minor">
+            <a:schemeClr val="lt1"/>
+          </a:fontRef>
+        </p:style>
+        <p:txBody>
+          <a:bodyPr wrap="square" rtlCol="0">
+            <a:spAutoFit/>
+          </a:bodyPr>
+          <a:lstStyle/>
+          <a:p>
+            <a:pPr algn="ctr"/>
+            <a:r>
+              <a:rPr lang="es-MX" dirty="0" err="1"/>
+              <a:t>Restraso</a:t>
+            </a:r>
+            <a:r>
+              <a:rPr lang="es-MX" dirty="0"/>
+              <a:t> por carga de trabajo</a:t>
+            </a:r>
+          </a:p>
+        </p:txBody>
+      </p:sp>
+      <p:cxnSp>
+        <p:nvCxnSpPr>
+          <p:cNvPr id="23" name="Connector: Elbow 22">
+            <a:extLst>
+              <a:ext uri="{FF2B5EF4-FFF2-40B4-BE49-F238E27FC236}">
+                <a16:creationId xmlns:a16="http://schemas.microsoft.com/office/drawing/2014/main" id="{0FDAC954-71E7-4367-A021-749911535C03}"/>
+              </a:ext>
+            </a:extLst>
+          </p:cNvPr>
+          <p:cNvCxnSpPr>
+            <a:cxnSpLocks/>
+            <a:stCxn id="8" idx="2"/>
+            <a:endCxn id="22" idx="0"/>
+          </p:cNvCxnSpPr>
+          <p:nvPr/>
+        </p:nvCxnSpPr>
+        <p:spPr>
+          <a:xfrm rot="16200000" flipH="1">
+            <a:off x="10103743" y="2274059"/>
+            <a:ext cx="235513" cy="21399"/>
+          </a:xfrm>
+          <a:prstGeom prst="bentConnector3">
+            <a:avLst/>
+          </a:prstGeom>
+          <a:ln>
+            <a:tailEnd type="triangle"/>
+          </a:ln>
+        </p:spPr>
+        <p:style>
+          <a:lnRef idx="1">
+            <a:schemeClr val="accent1"/>
+          </a:lnRef>
+          <a:fillRef idx="0">
+            <a:schemeClr val="accent1"/>
+          </a:fillRef>
+          <a:effectRef idx="0">
+            <a:schemeClr val="accent1"/>
+          </a:effectRef>
+          <a:fontRef idx="minor">
+            <a:schemeClr val="tx1"/>
+          </a:fontRef>
+        </p:style>
+      </p:cxnSp>
+    </p:spTree>
+    <p:extLst>
+      <p:ext uri="{BB962C8B-B14F-4D97-AF65-F5344CB8AC3E}">
+        <p14:creationId xmlns:p14="http://schemas.microsoft.com/office/powerpoint/2010/main" val="3565470218"/>
+      </p:ext>
+    </p:extLst>
+  </p:cSld>
+  <p:clrMapOvr>
+    <a:masterClrMapping/>
+  </p:clrMapOvr>
+</p:sld>
+</file>
+
+<file path=ppt/slides/slide5.xml><?xml version="1.0" encoding="utf-8"?>
+<p:sld xmlns:a="http://schemas.openxmlformats.org/drawingml/2006/main" xmlns:r="http://schemas.openxmlformats.org/officeDocument/2006/relationships" xmlns:p="http://schemas.openxmlformats.org/presentationml/2006/main">
+  <p:cSld>
+    <p:spTree>
+      <p:nvGrpSpPr>
+        <p:cNvPr id="1" name=""/>
+        <p:cNvGrpSpPr/>
+        <p:nvPr/>
+      </p:nvGrpSpPr>
+      <p:grpSpPr>
+        <a:xfrm>
+          <a:off x="0" y="0"/>
+          <a:ext cx="0" cy="0"/>
+          <a:chOff x="0" y="0"/>
+          <a:chExt cx="0" cy="0"/>
+        </a:xfrm>
+      </p:grpSpPr>
+      <p:sp>
+        <p:nvSpPr>
+          <p:cNvPr id="4" name="Title 3">
+            <a:extLst>
+              <a:ext uri="{FF2B5EF4-FFF2-40B4-BE49-F238E27FC236}">
+                <a16:creationId xmlns:a16="http://schemas.microsoft.com/office/drawing/2014/main" id="{BECD34F2-AE33-40D7-983D-F589C8440DD9}"/>
+              </a:ext>
+            </a:extLst>
+          </p:cNvPr>
+          <p:cNvSpPr>
+            <a:spLocks noGrp="1"/>
+          </p:cNvSpPr>
+          <p:nvPr>
+            <p:ph type="title"/>
+          </p:nvPr>
+        </p:nvSpPr>
+        <p:spPr/>
+        <p:txBody>
+          <a:bodyPr/>
+          <a:lstStyle/>
+          <a:p>
+            <a:r>
+              <a:rPr lang="es-MX" dirty="0"/>
+              <a:t>Análisis de supuesto</a:t>
+            </a:r>
+          </a:p>
+        </p:txBody>
+      </p:sp>
+      <p:sp>
+        <p:nvSpPr>
+          <p:cNvPr id="5" name="Content Placeholder 4">
+            <a:extLst>
+              <a:ext uri="{FF2B5EF4-FFF2-40B4-BE49-F238E27FC236}">
+                <a16:creationId xmlns:a16="http://schemas.microsoft.com/office/drawing/2014/main" id="{1DDFF22B-2604-441F-98FF-757BB6A684A8}"/>
+              </a:ext>
+            </a:extLst>
+          </p:cNvPr>
+          <p:cNvSpPr>
+            <a:spLocks noGrp="1"/>
+          </p:cNvSpPr>
+          <p:nvPr>
+            <p:ph idx="1"/>
+          </p:nvPr>
+        </p:nvSpPr>
+        <p:spPr/>
+        <p:txBody>
+          <a:bodyPr/>
+          <a:lstStyle/>
+          <a:p>
+            <a:r>
+              <a:rPr lang="es-MX" dirty="0"/>
+              <a:t>Se supone que: </a:t>
+            </a:r>
+          </a:p>
+          <a:p>
+            <a:pPr lvl="1"/>
+            <a:r>
+              <a:rPr lang="es-MX" dirty="0"/>
+              <a:t>Los desarrolladores pierden tiempo creando componentes básicos </a:t>
+            </a:r>
+          </a:p>
+          <a:p>
+            <a:pPr lvl="1"/>
+            <a:r>
+              <a:rPr lang="es-MX" dirty="0"/>
+              <a:t>Una interfaz fácil de usar puede acercar a no-desarrolladores al desarrollo. </a:t>
+            </a:r>
+          </a:p>
+          <a:p>
+            <a:pPr lvl="1"/>
+            <a:r>
+              <a:rPr lang="es-MX" dirty="0"/>
+              <a:t>Los desarrolladores estarán dispuestos a pagar por herramientas que consideren útiles</a:t>
+            </a:r>
+          </a:p>
+          <a:p>
+            <a:pPr lvl="2"/>
+            <a:r>
+              <a:rPr lang="es-MX" dirty="0"/>
+              <a:t>Nuestras herramientas les resultarán útiles. </a:t>
+            </a:r>
+          </a:p>
+        </p:txBody>
+      </p:sp>
+    </p:spTree>
+    <p:extLst>
+      <p:ext uri="{BB962C8B-B14F-4D97-AF65-F5344CB8AC3E}">
+        <p14:creationId xmlns:p14="http://schemas.microsoft.com/office/powerpoint/2010/main" val="1080148644"/>
+      </p:ext>
+    </p:extLst>
+  </p:cSld>
+  <p:clrMapOvr>
+    <a:masterClrMapping/>
+  </p:clrMapOvr>
+</p:sld>
+</file>
+
 <file path=ppt/theme/theme1.xml><?xml version="1.0" encoding="utf-8"?>
 <a:theme xmlns:a="http://schemas.openxmlformats.org/drawingml/2006/main" name="Frame">
   <a:themeElements>

--- a/Presentaciones/4.7 Control de programa de proyecto.pptx
+++ b/Presentaciones/4.7 Control de programa de proyecto.pptx
@@ -9,7 +9,8 @@
     <p:sldId id="257" r:id="rId3"/>
     <p:sldId id="258" r:id="rId4"/>
     <p:sldId id="259" r:id="rId5"/>
-    <p:sldId id="260" r:id="rId6"/>
+    <p:sldId id="261" r:id="rId6"/>
+    <p:sldId id="260" r:id="rId7"/>
   </p:sldIdLst>
   <p:sldSz cx="12192000" cy="6858000"/>
   <p:notesSz cx="6858000" cy="9144000"/>
@@ -340,7 +341,7 @@
           <a:p>
             <a:fld id="{8C95B75D-73A6-48A0-A6AB-4E09535D57A2}" type="datetimeFigureOut">
               <a:rPr lang="es-MX" smtClean="0"/>
-              <a:t>20/03/2019</a:t>
+              <a:t>03/04/2019</a:t>
             </a:fld>
             <a:endParaRPr lang="es-MX"/>
           </a:p>
@@ -510,7 +511,7 @@
           <a:p>
             <a:fld id="{8C95B75D-73A6-48A0-A6AB-4E09535D57A2}" type="datetimeFigureOut">
               <a:rPr lang="es-MX" smtClean="0"/>
-              <a:t>20/03/2019</a:t>
+              <a:t>03/04/2019</a:t>
             </a:fld>
             <a:endParaRPr lang="es-MX"/>
           </a:p>
@@ -690,7 +691,7 @@
           <a:p>
             <a:fld id="{8C95B75D-73A6-48A0-A6AB-4E09535D57A2}" type="datetimeFigureOut">
               <a:rPr lang="es-MX" smtClean="0"/>
-              <a:t>20/03/2019</a:t>
+              <a:t>03/04/2019</a:t>
             </a:fld>
             <a:endParaRPr lang="es-MX"/>
           </a:p>
@@ -860,7 +861,7 @@
           <a:p>
             <a:fld id="{8C95B75D-73A6-48A0-A6AB-4E09535D57A2}" type="datetimeFigureOut">
               <a:rPr lang="es-MX" smtClean="0"/>
-              <a:t>20/03/2019</a:t>
+              <a:t>03/04/2019</a:t>
             </a:fld>
             <a:endParaRPr lang="es-MX"/>
           </a:p>
@@ -1118,7 +1119,7 @@
           <a:p>
             <a:fld id="{8C95B75D-73A6-48A0-A6AB-4E09535D57A2}" type="datetimeFigureOut">
               <a:rPr lang="es-MX" smtClean="0"/>
-              <a:t>20/03/2019</a:t>
+              <a:t>03/04/2019</a:t>
             </a:fld>
             <a:endParaRPr lang="es-MX"/>
           </a:p>
@@ -1406,7 +1407,7 @@
           <a:p>
             <a:fld id="{8C95B75D-73A6-48A0-A6AB-4E09535D57A2}" type="datetimeFigureOut">
               <a:rPr lang="es-MX" smtClean="0"/>
-              <a:t>20/03/2019</a:t>
+              <a:t>03/04/2019</a:t>
             </a:fld>
             <a:endParaRPr lang="es-MX"/>
           </a:p>
@@ -1848,7 +1849,7 @@
           <a:p>
             <a:fld id="{8C95B75D-73A6-48A0-A6AB-4E09535D57A2}" type="datetimeFigureOut">
               <a:rPr lang="es-MX" smtClean="0"/>
-              <a:t>20/03/2019</a:t>
+              <a:t>03/04/2019</a:t>
             </a:fld>
             <a:endParaRPr lang="es-MX"/>
           </a:p>
@@ -1966,7 +1967,7 @@
           <a:p>
             <a:fld id="{8C95B75D-73A6-48A0-A6AB-4E09535D57A2}" type="datetimeFigureOut">
               <a:rPr lang="es-MX" smtClean="0"/>
-              <a:t>20/03/2019</a:t>
+              <a:t>03/04/2019</a:t>
             </a:fld>
             <a:endParaRPr lang="es-MX"/>
           </a:p>
@@ -2061,7 +2062,7 @@
           <a:p>
             <a:fld id="{8C95B75D-73A6-48A0-A6AB-4E09535D57A2}" type="datetimeFigureOut">
               <a:rPr lang="es-MX" smtClean="0"/>
-              <a:t>20/03/2019</a:t>
+              <a:t>03/04/2019</a:t>
             </a:fld>
             <a:endParaRPr lang="es-MX"/>
           </a:p>
@@ -2349,7 +2350,7 @@
           <a:p>
             <a:fld id="{8C95B75D-73A6-48A0-A6AB-4E09535D57A2}" type="datetimeFigureOut">
               <a:rPr lang="es-MX" smtClean="0"/>
-              <a:t>20/03/2019</a:t>
+              <a:t>03/04/2019</a:t>
             </a:fld>
             <a:endParaRPr lang="es-MX"/>
           </a:p>
@@ -2622,7 +2623,7 @@
           <a:p>
             <a:fld id="{8C95B75D-73A6-48A0-A6AB-4E09535D57A2}" type="datetimeFigureOut">
               <a:rPr lang="es-MX" smtClean="0"/>
-              <a:t>20/03/2019</a:t>
+              <a:t>03/04/2019</a:t>
             </a:fld>
             <a:endParaRPr lang="es-MX"/>
           </a:p>
@@ -2919,7 +2920,7 @@
           <a:p>
             <a:fld id="{8C95B75D-73A6-48A0-A6AB-4E09535D57A2}" type="datetimeFigureOut">
               <a:rPr lang="es-MX" smtClean="0"/>
-              <a:t>20/03/2019</a:t>
+              <a:t>03/04/2019</a:t>
             </a:fld>
             <a:endParaRPr lang="es-MX"/>
           </a:p>
@@ -4519,8 +4520,8 @@
         </p:nvSpPr>
         <p:spPr>
           <a:xfrm>
-            <a:off x="2116899" y="1164921"/>
-            <a:ext cx="1002082" cy="369332"/>
+            <a:off x="3210867" y="1343891"/>
+            <a:ext cx="1462028" cy="461665"/>
           </a:xfrm>
           <a:prstGeom prst="rect">
             <a:avLst/>
@@ -4550,10 +4551,10 @@
           <a:p>
             <a:pPr algn="ctr"/>
             <a:r>
-              <a:rPr lang="es-MX" dirty="0" err="1"/>
+              <a:rPr lang="es-MX" sz="2400" dirty="0" err="1"/>
               <a:t>Joyeuse</a:t>
             </a:r>
-            <a:endParaRPr lang="es-MX" dirty="0"/>
+            <a:endParaRPr lang="es-MX" sz="2400" dirty="0"/>
           </a:p>
         </p:txBody>
       </p:sp>
@@ -4571,8 +4572,8 @@
         </p:nvSpPr>
         <p:spPr>
           <a:xfrm>
-            <a:off x="3832964" y="1810197"/>
-            <a:ext cx="1565754" cy="369332"/>
+            <a:off x="537145" y="2285342"/>
+            <a:ext cx="2369700" cy="461665"/>
           </a:xfrm>
           <a:prstGeom prst="rect">
             <a:avLst/>
@@ -4602,8 +4603,8 @@
           <a:p>
             <a:pPr algn="ctr"/>
             <a:r>
-              <a:rPr lang="es-MX" dirty="0"/>
-              <a:t>Comunicación</a:t>
+              <a:rPr lang="es-MX" sz="2400" dirty="0"/>
+              <a:t>Organizacional</a:t>
             </a:r>
           </a:p>
         </p:txBody>
@@ -4622,8 +4623,8 @@
         </p:nvSpPr>
         <p:spPr>
           <a:xfrm>
-            <a:off x="5899759" y="1810197"/>
-            <a:ext cx="1002082" cy="369332"/>
+            <a:off x="4184217" y="2285342"/>
+            <a:ext cx="1462028" cy="461665"/>
           </a:xfrm>
           <a:prstGeom prst="rect">
             <a:avLst/>
@@ -4653,7 +4654,7 @@
           <a:p>
             <a:pPr algn="ctr"/>
             <a:r>
-              <a:rPr lang="es-MX" dirty="0"/>
+              <a:rPr lang="es-MX" sz="2400" dirty="0"/>
               <a:t>Externo</a:t>
             </a:r>
           </a:p>
@@ -4661,10 +4662,10 @@
       </p:sp>
       <p:sp>
         <p:nvSpPr>
-          <p:cNvPr id="7" name="TextBox 6">
+          <p:cNvPr id="8" name="TextBox 7">
             <a:extLst>
               <a:ext uri="{FF2B5EF4-FFF2-40B4-BE49-F238E27FC236}">
-                <a16:creationId xmlns:a16="http://schemas.microsoft.com/office/drawing/2014/main" id="{3E5A0CC6-4F58-4B95-B31C-747D95CBA651}"/>
+                <a16:creationId xmlns:a16="http://schemas.microsoft.com/office/drawing/2014/main" id="{BBCB3E9D-60B1-4715-B362-AA070D70873A}"/>
               </a:ext>
             </a:extLst>
           </p:cNvPr>
@@ -4673,8 +4674,8 @@
         </p:nvSpPr>
         <p:spPr>
           <a:xfrm>
-            <a:off x="7402882" y="1810197"/>
-            <a:ext cx="1665962" cy="369332"/>
+            <a:off x="6686034" y="2285342"/>
+            <a:ext cx="2430622" cy="461665"/>
           </a:xfrm>
           <a:prstGeom prst="rect">
             <a:avLst/>
@@ -4704,59 +4705,8 @@
           <a:p>
             <a:pPr algn="ctr"/>
             <a:r>
-              <a:rPr lang="es-MX" dirty="0"/>
-              <a:t>Administración</a:t>
-            </a:r>
-          </a:p>
-        </p:txBody>
-      </p:sp>
-      <p:sp>
-        <p:nvSpPr>
-          <p:cNvPr id="8" name="TextBox 7">
-            <a:extLst>
-              <a:ext uri="{FF2B5EF4-FFF2-40B4-BE49-F238E27FC236}">
-                <a16:creationId xmlns:a16="http://schemas.microsoft.com/office/drawing/2014/main" id="{BBCB3E9D-60B1-4715-B362-AA070D70873A}"/>
-              </a:ext>
-            </a:extLst>
-          </p:cNvPr>
-          <p:cNvSpPr txBox="1"/>
-          <p:nvPr/>
-        </p:nvSpPr>
-        <p:spPr>
-          <a:xfrm>
-            <a:off x="9377819" y="1797671"/>
-            <a:ext cx="1665962" cy="369332"/>
-          </a:xfrm>
-          <a:prstGeom prst="rect">
-            <a:avLst/>
-          </a:prstGeom>
-        </p:spPr>
-        <p:style>
-          <a:lnRef idx="2">
-            <a:schemeClr val="accent1">
-              <a:shade val="50000"/>
-            </a:schemeClr>
-          </a:lnRef>
-          <a:fillRef idx="1">
-            <a:schemeClr val="accent1"/>
-          </a:fillRef>
-          <a:effectRef idx="0">
-            <a:schemeClr val="accent1"/>
-          </a:effectRef>
-          <a:fontRef idx="minor">
-            <a:schemeClr val="lt1"/>
-          </a:fontRef>
-        </p:style>
-        <p:txBody>
-          <a:bodyPr wrap="square" rtlCol="0">
-            <a:spAutoFit/>
-          </a:bodyPr>
-          <a:lstStyle/>
-          <a:p>
-            <a:pPr algn="ctr"/>
-            <a:r>
-              <a:rPr lang="es-MX" dirty="0"/>
-              <a:t>Organizacional</a:t>
+              <a:rPr lang="es-MX" sz="2400" dirty="0"/>
+              <a:t>Técnico</a:t>
             </a:r>
           </a:p>
         </p:txBody>
@@ -4778,9 +4728,9 @@
           <p:nvPr/>
         </p:nvCxnSpPr>
         <p:spPr>
-          <a:xfrm rot="16200000" flipH="1">
-            <a:off x="3478918" y="673274"/>
-            <a:ext cx="275944" cy="1997901"/>
+          <a:xfrm rot="5400000">
+            <a:off x="2592045" y="935507"/>
+            <a:ext cx="479786" cy="2219885"/>
           </a:xfrm>
           <a:prstGeom prst="bentConnector3">
             <a:avLst>
@@ -4816,6 +4766,7 @@
             </a:extLst>
           </p:cNvPr>
           <p:cNvCxnSpPr>
+            <a:cxnSpLocks/>
             <a:stCxn id="4" idx="2"/>
             <a:endCxn id="6" idx="0"/>
           </p:cNvCxnSpPr>
@@ -4823,53 +4774,13 @@
         </p:nvCxnSpPr>
         <p:spPr>
           <a:xfrm rot="16200000" flipH="1">
-            <a:off x="4371398" y="-219205"/>
-            <a:ext cx="275944" cy="3782860"/>
+            <a:off x="4188663" y="1558774"/>
+            <a:ext cx="479786" cy="973351"/>
           </a:xfrm>
           <a:prstGeom prst="bentConnector3">
-            <a:avLst/>
-          </a:prstGeom>
-          <a:ln>
-            <a:tailEnd type="triangle"/>
-          </a:ln>
-        </p:spPr>
-        <p:style>
-          <a:lnRef idx="1">
-            <a:schemeClr val="accent1"/>
-          </a:lnRef>
-          <a:fillRef idx="0">
-            <a:schemeClr val="accent1"/>
-          </a:fillRef>
-          <a:effectRef idx="0">
-            <a:schemeClr val="accent1"/>
-          </a:effectRef>
-          <a:fontRef idx="minor">
-            <a:schemeClr val="tx1"/>
-          </a:fontRef>
-        </p:style>
-      </p:cxnSp>
-      <p:cxnSp>
-        <p:nvCxnSpPr>
-          <p:cNvPr id="15" name="Connector: Elbow 14">
-            <a:extLst>
-              <a:ext uri="{FF2B5EF4-FFF2-40B4-BE49-F238E27FC236}">
-                <a16:creationId xmlns:a16="http://schemas.microsoft.com/office/drawing/2014/main" id="{AC83E004-0EB4-442E-BA5B-0966A6A28066}"/>
-              </a:ext>
-            </a:extLst>
-          </p:cNvPr>
-          <p:cNvCxnSpPr>
-            <a:stCxn id="4" idx="2"/>
-            <a:endCxn id="7" idx="0"/>
-          </p:cNvCxnSpPr>
-          <p:nvPr/>
-        </p:nvCxnSpPr>
-        <p:spPr>
-          <a:xfrm rot="16200000" flipH="1">
-            <a:off x="5288929" y="-1136737"/>
-            <a:ext cx="275944" cy="5617923"/>
-          </a:xfrm>
-          <a:prstGeom prst="bentConnector3">
-            <a:avLst/>
+            <a:avLst>
+              <a:gd name="adj1" fmla="val 50000"/>
+            </a:avLst>
           </a:prstGeom>
           <a:ln>
             <a:tailEnd type="triangle"/>
@@ -4900,6 +4811,7 @@
             </a:extLst>
           </p:cNvPr>
           <p:cNvCxnSpPr>
+            <a:cxnSpLocks/>
             <a:stCxn id="4" idx="2"/>
             <a:endCxn id="8" idx="0"/>
           </p:cNvCxnSpPr>
@@ -4907,8 +4819,8 @@
         </p:nvCxnSpPr>
         <p:spPr>
           <a:xfrm rot="16200000" flipH="1">
-            <a:off x="6282661" y="-2130468"/>
-            <a:ext cx="263418" cy="7592860"/>
+            <a:off x="5681720" y="65717"/>
+            <a:ext cx="479786" cy="3959464"/>
           </a:xfrm>
           <a:prstGeom prst="bentConnector3">
             <a:avLst/>
@@ -4946,8 +4858,8 @@
         </p:nvSpPr>
         <p:spPr>
           <a:xfrm>
-            <a:off x="9377819" y="2402516"/>
-            <a:ext cx="1708759" cy="923330"/>
+            <a:off x="6686034" y="3167805"/>
+            <a:ext cx="2493062" cy="461665"/>
           </a:xfrm>
           <a:prstGeom prst="rect">
             <a:avLst/>
@@ -4977,12 +4889,8 @@
           <a:p>
             <a:pPr algn="ctr"/>
             <a:r>
-              <a:rPr lang="es-MX" dirty="0" err="1"/>
-              <a:t>Restraso</a:t>
-            </a:r>
-            <a:r>
-              <a:rPr lang="es-MX" dirty="0"/>
-              <a:t> por carga de trabajo</a:t>
+              <a:rPr lang="es-MX" sz="2400" dirty="0"/>
+              <a:t>Actualización</a:t>
             </a:r>
           </a:p>
         </p:txBody>
@@ -4998,18 +4906,884 @@
           </p:cNvPr>
           <p:cNvCxnSpPr>
             <a:cxnSpLocks/>
-            <a:stCxn id="8" idx="2"/>
-            <a:endCxn id="22" idx="0"/>
+            <a:stCxn id="8" idx="1"/>
+            <a:endCxn id="22" idx="1"/>
           </p:cNvCxnSpPr>
           <p:nvPr/>
         </p:nvCxnSpPr>
         <p:spPr>
+          <a:xfrm rot="10800000" flipV="1">
+            <a:off x="6686034" y="2516174"/>
+            <a:ext cx="12700" cy="882463"/>
+          </a:xfrm>
+          <a:prstGeom prst="bentConnector3">
+            <a:avLst>
+              <a:gd name="adj1" fmla="val 1800000"/>
+            </a:avLst>
+          </a:prstGeom>
+          <a:ln>
+            <a:tailEnd type="triangle"/>
+          </a:ln>
+        </p:spPr>
+        <p:style>
+          <a:lnRef idx="1">
+            <a:schemeClr val="accent1"/>
+          </a:lnRef>
+          <a:fillRef idx="0">
+            <a:schemeClr val="accent1"/>
+          </a:fillRef>
+          <a:effectRef idx="0">
+            <a:schemeClr val="accent1"/>
+          </a:effectRef>
+          <a:fontRef idx="minor">
+            <a:schemeClr val="tx1"/>
+          </a:fontRef>
+        </p:style>
+      </p:cxnSp>
+      <p:sp>
+        <p:nvSpPr>
+          <p:cNvPr id="18" name="TextBox 17">
+            <a:extLst>
+              <a:ext uri="{FF2B5EF4-FFF2-40B4-BE49-F238E27FC236}">
+                <a16:creationId xmlns:a16="http://schemas.microsoft.com/office/drawing/2014/main" id="{12E27D71-E65D-4F69-940C-6BF1A50BC799}"/>
+              </a:ext>
+            </a:extLst>
+          </p:cNvPr>
+          <p:cNvSpPr txBox="1"/>
+          <p:nvPr/>
+        </p:nvSpPr>
+        <p:spPr>
+          <a:xfrm>
+            <a:off x="3699542" y="3157814"/>
+            <a:ext cx="2493062" cy="461665"/>
+          </a:xfrm>
+          <a:prstGeom prst="rect">
+            <a:avLst/>
+          </a:prstGeom>
+        </p:spPr>
+        <p:style>
+          <a:lnRef idx="2">
+            <a:schemeClr val="accent1">
+              <a:shade val="50000"/>
+            </a:schemeClr>
+          </a:lnRef>
+          <a:fillRef idx="1">
+            <a:schemeClr val="accent1"/>
+          </a:fillRef>
+          <a:effectRef idx="0">
+            <a:schemeClr val="accent1"/>
+          </a:effectRef>
+          <a:fontRef idx="minor">
+            <a:schemeClr val="lt1"/>
+          </a:fontRef>
+        </p:style>
+        <p:txBody>
+          <a:bodyPr wrap="square" rtlCol="0">
+            <a:spAutoFit/>
+          </a:bodyPr>
+          <a:lstStyle/>
+          <a:p>
+            <a:pPr algn="ctr"/>
+            <a:r>
+              <a:rPr lang="es-MX" sz="2400" dirty="0"/>
+              <a:t>Mercado</a:t>
+            </a:r>
+          </a:p>
+        </p:txBody>
+      </p:sp>
+      <p:cxnSp>
+        <p:nvCxnSpPr>
+          <p:cNvPr id="19" name="Connector: Elbow 18">
+            <a:extLst>
+              <a:ext uri="{FF2B5EF4-FFF2-40B4-BE49-F238E27FC236}">
+                <a16:creationId xmlns:a16="http://schemas.microsoft.com/office/drawing/2014/main" id="{8CD76266-1BD0-4721-91A5-DB10FF4348C6}"/>
+              </a:ext>
+            </a:extLst>
+          </p:cNvPr>
+          <p:cNvCxnSpPr>
+            <a:cxnSpLocks/>
+            <a:stCxn id="6" idx="1"/>
+            <a:endCxn id="18" idx="1"/>
+          </p:cNvCxnSpPr>
+          <p:nvPr/>
+        </p:nvCxnSpPr>
+        <p:spPr>
+          <a:xfrm rot="10800000" flipV="1">
+            <a:off x="3699544" y="2516175"/>
+            <a:ext cx="484675" cy="872472"/>
+          </a:xfrm>
+          <a:prstGeom prst="bentConnector3">
+            <a:avLst>
+              <a:gd name="adj1" fmla="val 147166"/>
+            </a:avLst>
+          </a:prstGeom>
+          <a:ln>
+            <a:tailEnd type="triangle"/>
+          </a:ln>
+        </p:spPr>
+        <p:style>
+          <a:lnRef idx="1">
+            <a:schemeClr val="accent1"/>
+          </a:lnRef>
+          <a:fillRef idx="0">
+            <a:schemeClr val="accent1"/>
+          </a:fillRef>
+          <a:effectRef idx="0">
+            <a:schemeClr val="accent1"/>
+          </a:effectRef>
+          <a:fontRef idx="minor">
+            <a:schemeClr val="tx1"/>
+          </a:fontRef>
+        </p:style>
+      </p:cxnSp>
+      <p:sp>
+        <p:nvSpPr>
+          <p:cNvPr id="20" name="TextBox 19">
+            <a:extLst>
+              <a:ext uri="{FF2B5EF4-FFF2-40B4-BE49-F238E27FC236}">
+                <a16:creationId xmlns:a16="http://schemas.microsoft.com/office/drawing/2014/main" id="{A25D6245-0BE7-44EB-8AD1-4174DD4965FC}"/>
+              </a:ext>
+            </a:extLst>
+          </p:cNvPr>
+          <p:cNvSpPr txBox="1"/>
+          <p:nvPr/>
+        </p:nvSpPr>
+        <p:spPr>
+          <a:xfrm>
+            <a:off x="475467" y="3157815"/>
+            <a:ext cx="2493062" cy="461665"/>
+          </a:xfrm>
+          <a:prstGeom prst="rect">
+            <a:avLst/>
+          </a:prstGeom>
+        </p:spPr>
+        <p:style>
+          <a:lnRef idx="2">
+            <a:schemeClr val="accent1">
+              <a:shade val="50000"/>
+            </a:schemeClr>
+          </a:lnRef>
+          <a:fillRef idx="1">
+            <a:schemeClr val="accent1"/>
+          </a:fillRef>
+          <a:effectRef idx="0">
+            <a:schemeClr val="accent1"/>
+          </a:effectRef>
+          <a:fontRef idx="minor">
+            <a:schemeClr val="lt1"/>
+          </a:fontRef>
+        </p:style>
+        <p:txBody>
+          <a:bodyPr wrap="square" rtlCol="0">
+            <a:spAutoFit/>
+          </a:bodyPr>
+          <a:lstStyle/>
+          <a:p>
+            <a:pPr algn="ctr"/>
+            <a:r>
+              <a:rPr lang="es-MX" sz="2400" dirty="0"/>
+              <a:t>Comunicación</a:t>
+            </a:r>
+          </a:p>
+        </p:txBody>
+      </p:sp>
+      <p:cxnSp>
+        <p:nvCxnSpPr>
+          <p:cNvPr id="21" name="Connector: Elbow 20">
+            <a:extLst>
+              <a:ext uri="{FF2B5EF4-FFF2-40B4-BE49-F238E27FC236}">
+                <a16:creationId xmlns:a16="http://schemas.microsoft.com/office/drawing/2014/main" id="{3CF07994-4183-4B3B-AB79-D221B2245CC6}"/>
+              </a:ext>
+            </a:extLst>
+          </p:cNvPr>
+          <p:cNvCxnSpPr>
+            <a:cxnSpLocks/>
+            <a:stCxn id="5" idx="1"/>
+            <a:endCxn id="20" idx="1"/>
+          </p:cNvCxnSpPr>
+          <p:nvPr/>
+        </p:nvCxnSpPr>
+        <p:spPr>
+          <a:xfrm rot="10800000" flipV="1">
+            <a:off x="475467" y="2516173"/>
+            <a:ext cx="61677" cy="872473"/>
+          </a:xfrm>
+          <a:prstGeom prst="bentConnector3">
+            <a:avLst>
+              <a:gd name="adj1" fmla="val 470635"/>
+            </a:avLst>
+          </a:prstGeom>
+          <a:ln>
+            <a:tailEnd type="triangle"/>
+          </a:ln>
+        </p:spPr>
+        <p:style>
+          <a:lnRef idx="1">
+            <a:schemeClr val="accent1"/>
+          </a:lnRef>
+          <a:fillRef idx="0">
+            <a:schemeClr val="accent1"/>
+          </a:fillRef>
+          <a:effectRef idx="0">
+            <a:schemeClr val="accent1"/>
+          </a:effectRef>
+          <a:fontRef idx="minor">
+            <a:schemeClr val="tx1"/>
+          </a:fontRef>
+        </p:style>
+      </p:cxnSp>
+      <p:sp>
+        <p:nvSpPr>
+          <p:cNvPr id="26" name="TextBox 25">
+            <a:extLst>
+              <a:ext uri="{FF2B5EF4-FFF2-40B4-BE49-F238E27FC236}">
+                <a16:creationId xmlns:a16="http://schemas.microsoft.com/office/drawing/2014/main" id="{6741F54B-B64A-4481-A8D0-0AEBEE8FF6D6}"/>
+              </a:ext>
+            </a:extLst>
+          </p:cNvPr>
+          <p:cNvSpPr txBox="1"/>
+          <p:nvPr/>
+        </p:nvSpPr>
+        <p:spPr>
+          <a:xfrm>
+            <a:off x="475467" y="4046861"/>
+            <a:ext cx="2493062" cy="461665"/>
+          </a:xfrm>
+          <a:prstGeom prst="rect">
+            <a:avLst/>
+          </a:prstGeom>
+        </p:spPr>
+        <p:style>
+          <a:lnRef idx="2">
+            <a:schemeClr val="accent1">
+              <a:shade val="50000"/>
+            </a:schemeClr>
+          </a:lnRef>
+          <a:fillRef idx="1">
+            <a:schemeClr val="accent1"/>
+          </a:fillRef>
+          <a:effectRef idx="0">
+            <a:schemeClr val="accent1"/>
+          </a:effectRef>
+          <a:fontRef idx="minor">
+            <a:schemeClr val="lt1"/>
+          </a:fontRef>
+        </p:style>
+        <p:txBody>
+          <a:bodyPr wrap="square" rtlCol="0">
+            <a:spAutoFit/>
+          </a:bodyPr>
+          <a:lstStyle/>
+          <a:p>
+            <a:pPr algn="ctr"/>
+            <a:r>
+              <a:rPr lang="es-MX" sz="2400" dirty="0"/>
+              <a:t>Fondos</a:t>
+            </a:r>
+          </a:p>
+        </p:txBody>
+      </p:sp>
+      <p:cxnSp>
+        <p:nvCxnSpPr>
+          <p:cNvPr id="27" name="Connector: Elbow 26">
+            <a:extLst>
+              <a:ext uri="{FF2B5EF4-FFF2-40B4-BE49-F238E27FC236}">
+                <a16:creationId xmlns:a16="http://schemas.microsoft.com/office/drawing/2014/main" id="{78811194-5CBA-4C40-81DE-CADA7483553E}"/>
+              </a:ext>
+            </a:extLst>
+          </p:cNvPr>
+          <p:cNvCxnSpPr>
+            <a:cxnSpLocks/>
+            <a:stCxn id="5" idx="1"/>
+            <a:endCxn id="26" idx="1"/>
+          </p:cNvCxnSpPr>
+          <p:nvPr/>
+        </p:nvCxnSpPr>
+        <p:spPr>
+          <a:xfrm rot="10800000" flipV="1">
+            <a:off x="475467" y="2516173"/>
+            <a:ext cx="61677" cy="1761519"/>
+          </a:xfrm>
+          <a:prstGeom prst="bentConnector3">
+            <a:avLst>
+              <a:gd name="adj1" fmla="val 470635"/>
+            </a:avLst>
+          </a:prstGeom>
+          <a:ln>
+            <a:tailEnd type="triangle"/>
+          </a:ln>
+        </p:spPr>
+        <p:style>
+          <a:lnRef idx="1">
+            <a:schemeClr val="accent1"/>
+          </a:lnRef>
+          <a:fillRef idx="0">
+            <a:schemeClr val="accent1"/>
+          </a:fillRef>
+          <a:effectRef idx="0">
+            <a:schemeClr val="accent1"/>
+          </a:effectRef>
+          <a:fontRef idx="minor">
+            <a:schemeClr val="tx1"/>
+          </a:fontRef>
+        </p:style>
+      </p:cxnSp>
+      <p:sp>
+        <p:nvSpPr>
+          <p:cNvPr id="34" name="TextBox 33">
+            <a:extLst>
+              <a:ext uri="{FF2B5EF4-FFF2-40B4-BE49-F238E27FC236}">
+                <a16:creationId xmlns:a16="http://schemas.microsoft.com/office/drawing/2014/main" id="{407B31D5-1EA2-466C-81A0-39CE4AEDDDBD}"/>
+              </a:ext>
+            </a:extLst>
+          </p:cNvPr>
+          <p:cNvSpPr txBox="1"/>
+          <p:nvPr/>
+        </p:nvSpPr>
+        <p:spPr>
+          <a:xfrm>
+            <a:off x="3699542" y="4046859"/>
+            <a:ext cx="2493062" cy="461665"/>
+          </a:xfrm>
+          <a:prstGeom prst="rect">
+            <a:avLst/>
+          </a:prstGeom>
+        </p:spPr>
+        <p:style>
+          <a:lnRef idx="2">
+            <a:schemeClr val="accent1">
+              <a:shade val="50000"/>
+            </a:schemeClr>
+          </a:lnRef>
+          <a:fillRef idx="1">
+            <a:schemeClr val="accent1"/>
+          </a:fillRef>
+          <a:effectRef idx="0">
+            <a:schemeClr val="accent1"/>
+          </a:effectRef>
+          <a:fontRef idx="minor">
+            <a:schemeClr val="lt1"/>
+          </a:fontRef>
+        </p:style>
+        <p:txBody>
+          <a:bodyPr wrap="square" rtlCol="0">
+            <a:spAutoFit/>
+          </a:bodyPr>
+          <a:lstStyle/>
+          <a:p>
+            <a:pPr algn="ctr"/>
+            <a:r>
+              <a:rPr lang="es-MX" sz="2400" dirty="0"/>
+              <a:t>Comunidad</a:t>
+            </a:r>
+          </a:p>
+        </p:txBody>
+      </p:sp>
+      <p:cxnSp>
+        <p:nvCxnSpPr>
+          <p:cNvPr id="35" name="Connector: Elbow 34">
+            <a:extLst>
+              <a:ext uri="{FF2B5EF4-FFF2-40B4-BE49-F238E27FC236}">
+                <a16:creationId xmlns:a16="http://schemas.microsoft.com/office/drawing/2014/main" id="{05901A7A-BB8E-41D0-BFF0-6A8095C92724}"/>
+              </a:ext>
+            </a:extLst>
+          </p:cNvPr>
+          <p:cNvCxnSpPr>
+            <a:cxnSpLocks/>
+            <a:stCxn id="6" idx="1"/>
+            <a:endCxn id="34" idx="1"/>
+          </p:cNvCxnSpPr>
+          <p:nvPr/>
+        </p:nvCxnSpPr>
+        <p:spPr>
+          <a:xfrm rot="10800000" flipV="1">
+            <a:off x="3699544" y="2516173"/>
+            <a:ext cx="484675" cy="1761517"/>
+          </a:xfrm>
+          <a:prstGeom prst="bentConnector3">
+            <a:avLst>
+              <a:gd name="adj1" fmla="val 147166"/>
+            </a:avLst>
+          </a:prstGeom>
+          <a:ln>
+            <a:tailEnd type="triangle"/>
+          </a:ln>
+        </p:spPr>
+        <p:style>
+          <a:lnRef idx="1">
+            <a:schemeClr val="accent1"/>
+          </a:lnRef>
+          <a:fillRef idx="0">
+            <a:schemeClr val="accent1"/>
+          </a:fillRef>
+          <a:effectRef idx="0">
+            <a:schemeClr val="accent1"/>
+          </a:effectRef>
+          <a:fontRef idx="minor">
+            <a:schemeClr val="tx1"/>
+          </a:fontRef>
+        </p:style>
+      </p:cxnSp>
+      <p:sp>
+        <p:nvSpPr>
+          <p:cNvPr id="61" name="TextBox 60">
+            <a:extLst>
+              <a:ext uri="{FF2B5EF4-FFF2-40B4-BE49-F238E27FC236}">
+                <a16:creationId xmlns:a16="http://schemas.microsoft.com/office/drawing/2014/main" id="{79494913-3746-4851-A0B2-1ECCF5921BF6}"/>
+              </a:ext>
+            </a:extLst>
+          </p:cNvPr>
+          <p:cNvSpPr txBox="1"/>
+          <p:nvPr/>
+        </p:nvSpPr>
+        <p:spPr>
+          <a:xfrm>
+            <a:off x="475466" y="4984619"/>
+            <a:ext cx="2493062" cy="461665"/>
+          </a:xfrm>
+          <a:prstGeom prst="rect">
+            <a:avLst/>
+          </a:prstGeom>
+        </p:spPr>
+        <p:style>
+          <a:lnRef idx="2">
+            <a:schemeClr val="accent1">
+              <a:shade val="50000"/>
+            </a:schemeClr>
+          </a:lnRef>
+          <a:fillRef idx="1">
+            <a:schemeClr val="accent1"/>
+          </a:fillRef>
+          <a:effectRef idx="0">
+            <a:schemeClr val="accent1"/>
+          </a:effectRef>
+          <a:fontRef idx="minor">
+            <a:schemeClr val="lt1"/>
+          </a:fontRef>
+        </p:style>
+        <p:txBody>
+          <a:bodyPr wrap="square" rtlCol="0">
+            <a:spAutoFit/>
+          </a:bodyPr>
+          <a:lstStyle/>
+          <a:p>
+            <a:pPr algn="ctr"/>
+            <a:r>
+              <a:rPr lang="es-MX" sz="2400" dirty="0"/>
+              <a:t>Carga de trabajo</a:t>
+            </a:r>
+          </a:p>
+        </p:txBody>
+      </p:sp>
+      <p:cxnSp>
+        <p:nvCxnSpPr>
+          <p:cNvPr id="62" name="Connector: Elbow 61">
+            <a:extLst>
+              <a:ext uri="{FF2B5EF4-FFF2-40B4-BE49-F238E27FC236}">
+                <a16:creationId xmlns:a16="http://schemas.microsoft.com/office/drawing/2014/main" id="{411721E1-44FD-4DEA-B4D8-E81BA16020D4}"/>
+              </a:ext>
+            </a:extLst>
+          </p:cNvPr>
+          <p:cNvCxnSpPr>
+            <a:cxnSpLocks/>
+            <a:stCxn id="5" idx="1"/>
+            <a:endCxn id="61" idx="1"/>
+          </p:cNvCxnSpPr>
+          <p:nvPr/>
+        </p:nvCxnSpPr>
+        <p:spPr>
+          <a:xfrm rot="10800000" flipV="1">
+            <a:off x="475467" y="2516173"/>
+            <a:ext cx="61679" cy="2699277"/>
+          </a:xfrm>
+          <a:prstGeom prst="bentConnector3">
+            <a:avLst>
+              <a:gd name="adj1" fmla="val 470629"/>
+            </a:avLst>
+          </a:prstGeom>
+          <a:ln>
+            <a:tailEnd type="triangle"/>
+          </a:ln>
+        </p:spPr>
+        <p:style>
+          <a:lnRef idx="1">
+            <a:schemeClr val="accent1"/>
+          </a:lnRef>
+          <a:fillRef idx="0">
+            <a:schemeClr val="accent1"/>
+          </a:fillRef>
+          <a:effectRef idx="0">
+            <a:schemeClr val="accent1"/>
+          </a:effectRef>
+          <a:fontRef idx="minor">
+            <a:schemeClr val="tx1"/>
+          </a:fontRef>
+        </p:style>
+      </p:cxnSp>
+      <p:sp>
+        <p:nvSpPr>
+          <p:cNvPr id="86" name="TextBox 85">
+            <a:extLst>
+              <a:ext uri="{FF2B5EF4-FFF2-40B4-BE49-F238E27FC236}">
+                <a16:creationId xmlns:a16="http://schemas.microsoft.com/office/drawing/2014/main" id="{AB9590A3-E5C0-4948-A5B4-C4331F45D44A}"/>
+              </a:ext>
+            </a:extLst>
+          </p:cNvPr>
+          <p:cNvSpPr txBox="1"/>
+          <p:nvPr/>
+        </p:nvSpPr>
+        <p:spPr>
+          <a:xfrm>
+            <a:off x="3699542" y="4935905"/>
+            <a:ext cx="2493062" cy="830997"/>
+          </a:xfrm>
+          <a:prstGeom prst="rect">
+            <a:avLst/>
+          </a:prstGeom>
+        </p:spPr>
+        <p:style>
+          <a:lnRef idx="2">
+            <a:schemeClr val="accent1">
+              <a:shade val="50000"/>
+            </a:schemeClr>
+          </a:lnRef>
+          <a:fillRef idx="1">
+            <a:schemeClr val="accent1"/>
+          </a:fillRef>
+          <a:effectRef idx="0">
+            <a:schemeClr val="accent1"/>
+          </a:effectRef>
+          <a:fontRef idx="minor">
+            <a:schemeClr val="lt1"/>
+          </a:fontRef>
+        </p:style>
+        <p:txBody>
+          <a:bodyPr wrap="square" rtlCol="0">
+            <a:spAutoFit/>
+          </a:bodyPr>
+          <a:lstStyle/>
+          <a:p>
+            <a:pPr algn="ctr"/>
+            <a:r>
+              <a:rPr lang="es-MX" sz="2400" dirty="0"/>
+              <a:t>Dependencias tecnológicas</a:t>
+            </a:r>
+          </a:p>
+        </p:txBody>
+      </p:sp>
+      <p:cxnSp>
+        <p:nvCxnSpPr>
+          <p:cNvPr id="87" name="Connector: Elbow 86">
+            <a:extLst>
+              <a:ext uri="{FF2B5EF4-FFF2-40B4-BE49-F238E27FC236}">
+                <a16:creationId xmlns:a16="http://schemas.microsoft.com/office/drawing/2014/main" id="{8DE4073F-4753-45DD-8277-F8B27BE5B5A4}"/>
+              </a:ext>
+            </a:extLst>
+          </p:cNvPr>
+          <p:cNvCxnSpPr>
+            <a:cxnSpLocks/>
+            <a:stCxn id="6" idx="1"/>
+            <a:endCxn id="86" idx="1"/>
+          </p:cNvCxnSpPr>
+          <p:nvPr/>
+        </p:nvCxnSpPr>
+        <p:spPr>
+          <a:xfrm rot="10800000" flipV="1">
+            <a:off x="3699544" y="2516173"/>
+            <a:ext cx="484675" cy="2835229"/>
+          </a:xfrm>
+          <a:prstGeom prst="bentConnector3">
+            <a:avLst>
+              <a:gd name="adj1" fmla="val 147166"/>
+            </a:avLst>
+          </a:prstGeom>
+          <a:ln>
+            <a:tailEnd type="triangle"/>
+          </a:ln>
+        </p:spPr>
+        <p:style>
+          <a:lnRef idx="1">
+            <a:schemeClr val="accent1"/>
+          </a:lnRef>
+          <a:fillRef idx="0">
+            <a:schemeClr val="accent1"/>
+          </a:fillRef>
+          <a:effectRef idx="0">
+            <a:schemeClr val="accent1"/>
+          </a:effectRef>
+          <a:fontRef idx="minor">
+            <a:schemeClr val="tx1"/>
+          </a:fontRef>
+        </p:style>
+      </p:cxnSp>
+      <p:sp>
+        <p:nvSpPr>
+          <p:cNvPr id="92" name="TextBox 91">
+            <a:extLst>
+              <a:ext uri="{FF2B5EF4-FFF2-40B4-BE49-F238E27FC236}">
+                <a16:creationId xmlns:a16="http://schemas.microsoft.com/office/drawing/2014/main" id="{AA3BF999-8AA2-4781-BCAE-378EB346D3FD}"/>
+              </a:ext>
+            </a:extLst>
+          </p:cNvPr>
+          <p:cNvSpPr txBox="1"/>
+          <p:nvPr/>
+        </p:nvSpPr>
+        <p:spPr>
+          <a:xfrm>
+            <a:off x="9672526" y="2275350"/>
+            <a:ext cx="2430622" cy="461665"/>
+          </a:xfrm>
+          <a:prstGeom prst="rect">
+            <a:avLst/>
+          </a:prstGeom>
+        </p:spPr>
+        <p:style>
+          <a:lnRef idx="2">
+            <a:schemeClr val="accent1">
+              <a:shade val="50000"/>
+            </a:schemeClr>
+          </a:lnRef>
+          <a:fillRef idx="1">
+            <a:schemeClr val="accent1"/>
+          </a:fillRef>
+          <a:effectRef idx="0">
+            <a:schemeClr val="accent1"/>
+          </a:effectRef>
+          <a:fontRef idx="minor">
+            <a:schemeClr val="lt1"/>
+          </a:fontRef>
+        </p:style>
+        <p:txBody>
+          <a:bodyPr wrap="square" rtlCol="0">
+            <a:spAutoFit/>
+          </a:bodyPr>
+          <a:lstStyle/>
+          <a:p>
+            <a:pPr algn="ctr"/>
+            <a:r>
+              <a:rPr lang="es-MX" sz="2400" dirty="0"/>
+              <a:t>Administrativo</a:t>
+            </a:r>
+          </a:p>
+        </p:txBody>
+      </p:sp>
+      <p:sp>
+        <p:nvSpPr>
+          <p:cNvPr id="93" name="TextBox 92">
+            <a:extLst>
+              <a:ext uri="{FF2B5EF4-FFF2-40B4-BE49-F238E27FC236}">
+                <a16:creationId xmlns:a16="http://schemas.microsoft.com/office/drawing/2014/main" id="{11EA2112-9DD9-4915-AEFF-B65F99586FF9}"/>
+              </a:ext>
+            </a:extLst>
+          </p:cNvPr>
+          <p:cNvSpPr txBox="1"/>
+          <p:nvPr/>
+        </p:nvSpPr>
+        <p:spPr>
+          <a:xfrm>
+            <a:off x="9672526" y="3157813"/>
+            <a:ext cx="2493062" cy="461665"/>
+          </a:xfrm>
+          <a:prstGeom prst="rect">
+            <a:avLst/>
+          </a:prstGeom>
+        </p:spPr>
+        <p:style>
+          <a:lnRef idx="2">
+            <a:schemeClr val="accent1">
+              <a:shade val="50000"/>
+            </a:schemeClr>
+          </a:lnRef>
+          <a:fillRef idx="1">
+            <a:schemeClr val="accent1"/>
+          </a:fillRef>
+          <a:effectRef idx="0">
+            <a:schemeClr val="accent1"/>
+          </a:effectRef>
+          <a:fontRef idx="minor">
+            <a:schemeClr val="lt1"/>
+          </a:fontRef>
+        </p:style>
+        <p:txBody>
+          <a:bodyPr wrap="square" rtlCol="0">
+            <a:spAutoFit/>
+          </a:bodyPr>
+          <a:lstStyle/>
+          <a:p>
+            <a:pPr algn="ctr"/>
+            <a:r>
+              <a:rPr lang="es-MX" sz="2400" dirty="0"/>
+              <a:t>Rigidez</a:t>
+            </a:r>
+          </a:p>
+        </p:txBody>
+      </p:sp>
+      <p:cxnSp>
+        <p:nvCxnSpPr>
+          <p:cNvPr id="94" name="Connector: Elbow 93">
+            <a:extLst>
+              <a:ext uri="{FF2B5EF4-FFF2-40B4-BE49-F238E27FC236}">
+                <a16:creationId xmlns:a16="http://schemas.microsoft.com/office/drawing/2014/main" id="{5CBB7E17-2117-41AB-B22C-433ED1589B59}"/>
+              </a:ext>
+            </a:extLst>
+          </p:cNvPr>
+          <p:cNvCxnSpPr>
+            <a:cxnSpLocks/>
+            <a:stCxn id="92" idx="1"/>
+            <a:endCxn id="93" idx="1"/>
+          </p:cNvCxnSpPr>
+          <p:nvPr/>
+        </p:nvCxnSpPr>
+        <p:spPr>
+          <a:xfrm rot="10800000" flipV="1">
+            <a:off x="9672526" y="2506182"/>
+            <a:ext cx="12700" cy="882463"/>
+          </a:xfrm>
+          <a:prstGeom prst="bentConnector3">
+            <a:avLst>
+              <a:gd name="adj1" fmla="val 1800000"/>
+            </a:avLst>
+          </a:prstGeom>
+          <a:ln>
+            <a:tailEnd type="triangle"/>
+          </a:ln>
+        </p:spPr>
+        <p:style>
+          <a:lnRef idx="1">
+            <a:schemeClr val="accent1"/>
+          </a:lnRef>
+          <a:fillRef idx="0">
+            <a:schemeClr val="accent1"/>
+          </a:fillRef>
+          <a:effectRef idx="0">
+            <a:schemeClr val="accent1"/>
+          </a:effectRef>
+          <a:fontRef idx="minor">
+            <a:schemeClr val="tx1"/>
+          </a:fontRef>
+        </p:style>
+      </p:cxnSp>
+      <p:cxnSp>
+        <p:nvCxnSpPr>
+          <p:cNvPr id="98" name="Connector: Elbow 97">
+            <a:extLst>
+              <a:ext uri="{FF2B5EF4-FFF2-40B4-BE49-F238E27FC236}">
+                <a16:creationId xmlns:a16="http://schemas.microsoft.com/office/drawing/2014/main" id="{E0C1260F-E112-40CB-9AB7-D4F47CAEE538}"/>
+              </a:ext>
+            </a:extLst>
+          </p:cNvPr>
+          <p:cNvCxnSpPr>
+            <a:cxnSpLocks/>
+            <a:stCxn id="4" idx="2"/>
+            <a:endCxn id="92" idx="0"/>
+          </p:cNvCxnSpPr>
+          <p:nvPr/>
+        </p:nvCxnSpPr>
+        <p:spPr>
           <a:xfrm rot="16200000" flipH="1">
-            <a:off x="10103743" y="2274059"/>
-            <a:ext cx="235513" cy="21399"/>
+            <a:off x="7179962" y="-1432525"/>
+            <a:ext cx="469794" cy="6945956"/>
           </a:xfrm>
           <a:prstGeom prst="bentConnector3">
+            <a:avLst>
+              <a:gd name="adj1" fmla="val 50000"/>
+            </a:avLst>
+          </a:prstGeom>
+          <a:ln>
+            <a:tailEnd type="triangle"/>
+          </a:ln>
+        </p:spPr>
+        <p:style>
+          <a:lnRef idx="1">
+            <a:schemeClr val="accent1"/>
+          </a:lnRef>
+          <a:fillRef idx="0">
+            <a:schemeClr val="accent1"/>
+          </a:fillRef>
+          <a:effectRef idx="0">
+            <a:schemeClr val="accent1"/>
+          </a:effectRef>
+          <a:fontRef idx="minor">
+            <a:schemeClr val="tx1"/>
+          </a:fontRef>
+        </p:style>
+      </p:cxnSp>
+      <p:sp>
+        <p:nvSpPr>
+          <p:cNvPr id="104" name="TextBox 103">
+            <a:extLst>
+              <a:ext uri="{FF2B5EF4-FFF2-40B4-BE49-F238E27FC236}">
+                <a16:creationId xmlns:a16="http://schemas.microsoft.com/office/drawing/2014/main" id="{07264A83-51DA-4ACD-BDE2-D3BF4ADD79D3}"/>
+              </a:ext>
+            </a:extLst>
+          </p:cNvPr>
+          <p:cNvSpPr txBox="1"/>
+          <p:nvPr/>
+        </p:nvSpPr>
+        <p:spPr>
+          <a:xfrm>
+            <a:off x="9641306" y="4046859"/>
+            <a:ext cx="2493062" cy="461665"/>
+          </a:xfrm>
+          <a:prstGeom prst="rect">
             <a:avLst/>
+          </a:prstGeom>
+        </p:spPr>
+        <p:style>
+          <a:lnRef idx="2">
+            <a:schemeClr val="accent1">
+              <a:shade val="50000"/>
+            </a:schemeClr>
+          </a:lnRef>
+          <a:fillRef idx="1">
+            <a:schemeClr val="accent1"/>
+          </a:fillRef>
+          <a:effectRef idx="0">
+            <a:schemeClr val="accent1"/>
+          </a:effectRef>
+          <a:fontRef idx="minor">
+            <a:schemeClr val="lt1"/>
+          </a:fontRef>
+        </p:style>
+        <p:txBody>
+          <a:bodyPr wrap="square" rtlCol="0">
+            <a:spAutoFit/>
+          </a:bodyPr>
+          <a:lstStyle/>
+          <a:p>
+            <a:pPr algn="ctr"/>
+            <a:r>
+              <a:rPr lang="es-MX" sz="2400" dirty="0"/>
+              <a:t>Revisiones</a:t>
+            </a:r>
+          </a:p>
+        </p:txBody>
+      </p:sp>
+      <p:cxnSp>
+        <p:nvCxnSpPr>
+          <p:cNvPr id="105" name="Connector: Elbow 104">
+            <a:extLst>
+              <a:ext uri="{FF2B5EF4-FFF2-40B4-BE49-F238E27FC236}">
+                <a16:creationId xmlns:a16="http://schemas.microsoft.com/office/drawing/2014/main" id="{D5946660-D486-4E1C-B2F8-D39CC194E173}"/>
+              </a:ext>
+            </a:extLst>
+          </p:cNvPr>
+          <p:cNvCxnSpPr>
+            <a:cxnSpLocks/>
+            <a:stCxn id="92" idx="1"/>
+            <a:endCxn id="104" idx="1"/>
+          </p:cNvCxnSpPr>
+          <p:nvPr/>
+        </p:nvCxnSpPr>
+        <p:spPr>
+          <a:xfrm rot="10800000" flipV="1">
+            <a:off x="9641306" y="2506182"/>
+            <a:ext cx="31220" cy="1771509"/>
+          </a:xfrm>
+          <a:prstGeom prst="bentConnector3">
+            <a:avLst>
+              <a:gd name="adj1" fmla="val 699090"/>
+            </a:avLst>
           </a:prstGeom>
           <a:ln>
             <a:tailEnd type="triangle"/>
@@ -5044,6 +5818,1246 @@
 </file>
 
 <file path=ppt/slides/slide5.xml><?xml version="1.0" encoding="utf-8"?>
+<p:sld xmlns:a="http://schemas.openxmlformats.org/drawingml/2006/main" xmlns:r="http://schemas.openxmlformats.org/officeDocument/2006/relationships" xmlns:p="http://schemas.openxmlformats.org/presentationml/2006/main">
+  <p:cSld>
+    <p:spTree>
+      <p:nvGrpSpPr>
+        <p:cNvPr id="1" name=""/>
+        <p:cNvGrpSpPr/>
+        <p:nvPr/>
+      </p:nvGrpSpPr>
+      <p:grpSpPr>
+        <a:xfrm>
+          <a:off x="0" y="0"/>
+          <a:ext cx="0" cy="0"/>
+          <a:chOff x="0" y="0"/>
+          <a:chExt cx="0" cy="0"/>
+        </a:xfrm>
+      </p:grpSpPr>
+      <p:sp>
+        <p:nvSpPr>
+          <p:cNvPr id="2" name="TextBox 1">
+            <a:extLst>
+              <a:ext uri="{FF2B5EF4-FFF2-40B4-BE49-F238E27FC236}">
+                <a16:creationId xmlns:a16="http://schemas.microsoft.com/office/drawing/2014/main" id="{D63F5664-227A-4846-973A-6D2BFE9604ED}"/>
+              </a:ext>
+            </a:extLst>
+          </p:cNvPr>
+          <p:cNvSpPr txBox="1"/>
+          <p:nvPr/>
+        </p:nvSpPr>
+        <p:spPr>
+          <a:xfrm>
+            <a:off x="9144378" y="3198167"/>
+            <a:ext cx="2493062" cy="830997"/>
+          </a:xfrm>
+          <a:prstGeom prst="rect">
+            <a:avLst/>
+          </a:prstGeom>
+        </p:spPr>
+        <p:style>
+          <a:lnRef idx="2">
+            <a:schemeClr val="accent1">
+              <a:shade val="50000"/>
+            </a:schemeClr>
+          </a:lnRef>
+          <a:fillRef idx="1">
+            <a:schemeClr val="accent1"/>
+          </a:fillRef>
+          <a:effectRef idx="0">
+            <a:schemeClr val="accent1"/>
+          </a:effectRef>
+          <a:fontRef idx="minor">
+            <a:schemeClr val="lt1"/>
+          </a:fontRef>
+        </p:style>
+        <p:txBody>
+          <a:bodyPr wrap="square" rtlCol="0">
+            <a:spAutoFit/>
+          </a:bodyPr>
+          <a:lstStyle/>
+          <a:p>
+            <a:pPr algn="ctr"/>
+            <a:r>
+              <a:rPr lang="es-MX" sz="2400" dirty="0"/>
+              <a:t>Riesgos del proyecto</a:t>
+            </a:r>
+          </a:p>
+        </p:txBody>
+      </p:sp>
+      <p:cxnSp>
+        <p:nvCxnSpPr>
+          <p:cNvPr id="4" name="Straight Arrow Connector 3">
+            <a:extLst>
+              <a:ext uri="{FF2B5EF4-FFF2-40B4-BE49-F238E27FC236}">
+                <a16:creationId xmlns:a16="http://schemas.microsoft.com/office/drawing/2014/main" id="{0F438952-D02A-4BE5-82F3-F86349E85276}"/>
+              </a:ext>
+            </a:extLst>
+          </p:cNvPr>
+          <p:cNvCxnSpPr>
+            <a:cxnSpLocks/>
+            <a:endCxn id="2" idx="1"/>
+          </p:cNvCxnSpPr>
+          <p:nvPr/>
+        </p:nvCxnSpPr>
+        <p:spPr>
+          <a:xfrm>
+            <a:off x="415636" y="3613666"/>
+            <a:ext cx="8728742" cy="0"/>
+          </a:xfrm>
+          <a:prstGeom prst="straightConnector1">
+            <a:avLst/>
+          </a:prstGeom>
+          <a:ln>
+            <a:tailEnd type="triangle"/>
+          </a:ln>
+        </p:spPr>
+        <p:style>
+          <a:lnRef idx="1">
+            <a:schemeClr val="accent1"/>
+          </a:lnRef>
+          <a:fillRef idx="0">
+            <a:schemeClr val="accent1"/>
+          </a:fillRef>
+          <a:effectRef idx="0">
+            <a:schemeClr val="accent1"/>
+          </a:effectRef>
+          <a:fontRef idx="minor">
+            <a:schemeClr val="tx1"/>
+          </a:fontRef>
+        </p:style>
+      </p:cxnSp>
+      <p:sp>
+        <p:nvSpPr>
+          <p:cNvPr id="10" name="TextBox 9">
+            <a:extLst>
+              <a:ext uri="{FF2B5EF4-FFF2-40B4-BE49-F238E27FC236}">
+                <a16:creationId xmlns:a16="http://schemas.microsoft.com/office/drawing/2014/main" id="{87E91EA3-6B29-48A6-9DC9-FE0CCAEE1A85}"/>
+              </a:ext>
+            </a:extLst>
+          </p:cNvPr>
+          <p:cNvSpPr txBox="1"/>
+          <p:nvPr/>
+        </p:nvSpPr>
+        <p:spPr>
+          <a:xfrm>
+            <a:off x="969962" y="5927560"/>
+            <a:ext cx="2369700" cy="461665"/>
+          </a:xfrm>
+          <a:prstGeom prst="rect">
+            <a:avLst/>
+          </a:prstGeom>
+        </p:spPr>
+        <p:style>
+          <a:lnRef idx="2">
+            <a:schemeClr val="accent1">
+              <a:shade val="50000"/>
+            </a:schemeClr>
+          </a:lnRef>
+          <a:fillRef idx="1">
+            <a:schemeClr val="accent1"/>
+          </a:fillRef>
+          <a:effectRef idx="0">
+            <a:schemeClr val="accent1"/>
+          </a:effectRef>
+          <a:fontRef idx="minor">
+            <a:schemeClr val="lt1"/>
+          </a:fontRef>
+        </p:style>
+        <p:txBody>
+          <a:bodyPr wrap="square" rtlCol="0">
+            <a:spAutoFit/>
+          </a:bodyPr>
+          <a:lstStyle/>
+          <a:p>
+            <a:pPr algn="ctr"/>
+            <a:r>
+              <a:rPr lang="es-MX" sz="2400" dirty="0"/>
+              <a:t>Organizacional</a:t>
+            </a:r>
+          </a:p>
+        </p:txBody>
+      </p:sp>
+      <p:sp>
+        <p:nvSpPr>
+          <p:cNvPr id="11" name="TextBox 10">
+            <a:extLst>
+              <a:ext uri="{FF2B5EF4-FFF2-40B4-BE49-F238E27FC236}">
+                <a16:creationId xmlns:a16="http://schemas.microsoft.com/office/drawing/2014/main" id="{D3273632-5BFE-4C28-8F3E-CB3B8B6B86B3}"/>
+              </a:ext>
+            </a:extLst>
+          </p:cNvPr>
+          <p:cNvSpPr txBox="1"/>
+          <p:nvPr/>
+        </p:nvSpPr>
+        <p:spPr>
+          <a:xfrm>
+            <a:off x="969962" y="722945"/>
+            <a:ext cx="1462028" cy="461665"/>
+          </a:xfrm>
+          <a:prstGeom prst="rect">
+            <a:avLst/>
+          </a:prstGeom>
+        </p:spPr>
+        <p:style>
+          <a:lnRef idx="2">
+            <a:schemeClr val="accent1">
+              <a:shade val="50000"/>
+            </a:schemeClr>
+          </a:lnRef>
+          <a:fillRef idx="1">
+            <a:schemeClr val="accent1"/>
+          </a:fillRef>
+          <a:effectRef idx="0">
+            <a:schemeClr val="accent1"/>
+          </a:effectRef>
+          <a:fontRef idx="minor">
+            <a:schemeClr val="lt1"/>
+          </a:fontRef>
+        </p:style>
+        <p:txBody>
+          <a:bodyPr wrap="square" rtlCol="0">
+            <a:spAutoFit/>
+          </a:bodyPr>
+          <a:lstStyle/>
+          <a:p>
+            <a:pPr algn="ctr"/>
+            <a:r>
+              <a:rPr lang="es-MX" sz="2400" dirty="0"/>
+              <a:t>Externo</a:t>
+            </a:r>
+          </a:p>
+        </p:txBody>
+      </p:sp>
+      <p:sp>
+        <p:nvSpPr>
+          <p:cNvPr id="12" name="TextBox 11">
+            <a:extLst>
+              <a:ext uri="{FF2B5EF4-FFF2-40B4-BE49-F238E27FC236}">
+                <a16:creationId xmlns:a16="http://schemas.microsoft.com/office/drawing/2014/main" id="{9013D51F-0115-46D0-929B-171510C97550}"/>
+              </a:ext>
+            </a:extLst>
+          </p:cNvPr>
+          <p:cNvSpPr txBox="1"/>
+          <p:nvPr/>
+        </p:nvSpPr>
+        <p:spPr>
+          <a:xfrm>
+            <a:off x="5206931" y="725454"/>
+            <a:ext cx="2430622" cy="461665"/>
+          </a:xfrm>
+          <a:prstGeom prst="rect">
+            <a:avLst/>
+          </a:prstGeom>
+        </p:spPr>
+        <p:style>
+          <a:lnRef idx="2">
+            <a:schemeClr val="accent1">
+              <a:shade val="50000"/>
+            </a:schemeClr>
+          </a:lnRef>
+          <a:fillRef idx="1">
+            <a:schemeClr val="accent1"/>
+          </a:fillRef>
+          <a:effectRef idx="0">
+            <a:schemeClr val="accent1"/>
+          </a:effectRef>
+          <a:fontRef idx="minor">
+            <a:schemeClr val="lt1"/>
+          </a:fontRef>
+        </p:style>
+        <p:txBody>
+          <a:bodyPr wrap="square" rtlCol="0">
+            <a:spAutoFit/>
+          </a:bodyPr>
+          <a:lstStyle/>
+          <a:p>
+            <a:pPr algn="ctr"/>
+            <a:r>
+              <a:rPr lang="es-MX" sz="2400" dirty="0"/>
+              <a:t>Técnico</a:t>
+            </a:r>
+          </a:p>
+        </p:txBody>
+      </p:sp>
+      <p:cxnSp>
+        <p:nvCxnSpPr>
+          <p:cNvPr id="14" name="Straight Arrow Connector 13">
+            <a:extLst>
+              <a:ext uri="{FF2B5EF4-FFF2-40B4-BE49-F238E27FC236}">
+                <a16:creationId xmlns:a16="http://schemas.microsoft.com/office/drawing/2014/main" id="{D67E8714-1F4E-4C64-8DA4-CA4BB13BC443}"/>
+              </a:ext>
+            </a:extLst>
+          </p:cNvPr>
+          <p:cNvCxnSpPr>
+            <a:stCxn id="10" idx="0"/>
+          </p:cNvCxnSpPr>
+          <p:nvPr/>
+        </p:nvCxnSpPr>
+        <p:spPr>
+          <a:xfrm flipV="1">
+            <a:off x="2154812" y="3613666"/>
+            <a:ext cx="2254259" cy="2313894"/>
+          </a:xfrm>
+          <a:prstGeom prst="straightConnector1">
+            <a:avLst/>
+          </a:prstGeom>
+          <a:ln>
+            <a:tailEnd type="triangle"/>
+          </a:ln>
+        </p:spPr>
+        <p:style>
+          <a:lnRef idx="1">
+            <a:schemeClr val="accent1"/>
+          </a:lnRef>
+          <a:fillRef idx="0">
+            <a:schemeClr val="accent1"/>
+          </a:fillRef>
+          <a:effectRef idx="0">
+            <a:schemeClr val="accent1"/>
+          </a:effectRef>
+          <a:fontRef idx="minor">
+            <a:schemeClr val="tx1"/>
+          </a:fontRef>
+        </p:style>
+      </p:cxnSp>
+      <p:cxnSp>
+        <p:nvCxnSpPr>
+          <p:cNvPr id="16" name="Straight Arrow Connector 15">
+            <a:extLst>
+              <a:ext uri="{FF2B5EF4-FFF2-40B4-BE49-F238E27FC236}">
+                <a16:creationId xmlns:a16="http://schemas.microsoft.com/office/drawing/2014/main" id="{FBCF7CDC-114A-427F-9071-EDFA01F87BC3}"/>
+              </a:ext>
+            </a:extLst>
+          </p:cNvPr>
+          <p:cNvCxnSpPr>
+            <a:stCxn id="11" idx="2"/>
+          </p:cNvCxnSpPr>
+          <p:nvPr/>
+        </p:nvCxnSpPr>
+        <p:spPr>
+          <a:xfrm>
+            <a:off x="1700976" y="1184610"/>
+            <a:ext cx="1734951" cy="2429056"/>
+          </a:xfrm>
+          <a:prstGeom prst="straightConnector1">
+            <a:avLst/>
+          </a:prstGeom>
+          <a:ln>
+            <a:tailEnd type="triangle"/>
+          </a:ln>
+        </p:spPr>
+        <p:style>
+          <a:lnRef idx="1">
+            <a:schemeClr val="accent1"/>
+          </a:lnRef>
+          <a:fillRef idx="0">
+            <a:schemeClr val="accent1"/>
+          </a:fillRef>
+          <a:effectRef idx="0">
+            <a:schemeClr val="accent1"/>
+          </a:effectRef>
+          <a:fontRef idx="minor">
+            <a:schemeClr val="tx1"/>
+          </a:fontRef>
+        </p:style>
+      </p:cxnSp>
+      <p:cxnSp>
+        <p:nvCxnSpPr>
+          <p:cNvPr id="18" name="Straight Arrow Connector 17">
+            <a:extLst>
+              <a:ext uri="{FF2B5EF4-FFF2-40B4-BE49-F238E27FC236}">
+                <a16:creationId xmlns:a16="http://schemas.microsoft.com/office/drawing/2014/main" id="{68A521C1-62BC-466F-9060-CC7F389C704F}"/>
+              </a:ext>
+            </a:extLst>
+          </p:cNvPr>
+          <p:cNvCxnSpPr>
+            <a:stCxn id="12" idx="2"/>
+          </p:cNvCxnSpPr>
+          <p:nvPr/>
+        </p:nvCxnSpPr>
+        <p:spPr>
+          <a:xfrm>
+            <a:off x="6422242" y="1187119"/>
+            <a:ext cx="1527889" cy="2429056"/>
+          </a:xfrm>
+          <a:prstGeom prst="straightConnector1">
+            <a:avLst/>
+          </a:prstGeom>
+          <a:ln>
+            <a:tailEnd type="triangle"/>
+          </a:ln>
+        </p:spPr>
+        <p:style>
+          <a:lnRef idx="1">
+            <a:schemeClr val="accent1"/>
+          </a:lnRef>
+          <a:fillRef idx="0">
+            <a:schemeClr val="accent1"/>
+          </a:fillRef>
+          <a:effectRef idx="0">
+            <a:schemeClr val="accent1"/>
+          </a:effectRef>
+          <a:fontRef idx="minor">
+            <a:schemeClr val="tx1"/>
+          </a:fontRef>
+        </p:style>
+      </p:cxnSp>
+      <p:sp>
+        <p:nvSpPr>
+          <p:cNvPr id="19" name="TextBox 18">
+            <a:extLst>
+              <a:ext uri="{FF2B5EF4-FFF2-40B4-BE49-F238E27FC236}">
+                <a16:creationId xmlns:a16="http://schemas.microsoft.com/office/drawing/2014/main" id="{A1D949A1-8D89-48C6-908D-4E4F2DFD334A}"/>
+              </a:ext>
+            </a:extLst>
+          </p:cNvPr>
+          <p:cNvSpPr txBox="1"/>
+          <p:nvPr/>
+        </p:nvSpPr>
+        <p:spPr>
+          <a:xfrm>
+            <a:off x="7521213" y="5142731"/>
+            <a:ext cx="1675459" cy="523220"/>
+          </a:xfrm>
+          <a:prstGeom prst="rect">
+            <a:avLst/>
+          </a:prstGeom>
+          <a:noFill/>
+        </p:spPr>
+        <p:txBody>
+          <a:bodyPr wrap="none" rtlCol="0">
+            <a:spAutoFit/>
+          </a:bodyPr>
+          <a:lstStyle/>
+          <a:p>
+            <a:pPr algn="ctr"/>
+            <a:r>
+              <a:rPr lang="es-MX" sz="1400" dirty="0"/>
+              <a:t>Falta de rigidez</a:t>
+            </a:r>
+          </a:p>
+          <a:p>
+            <a:pPr algn="ctr"/>
+            <a:r>
+              <a:rPr lang="es-MX" sz="1400" dirty="0"/>
+              <a:t>en la administración</a:t>
+            </a:r>
+          </a:p>
+        </p:txBody>
+      </p:sp>
+      <p:sp>
+        <p:nvSpPr>
+          <p:cNvPr id="20" name="TextBox 19">
+            <a:extLst>
+              <a:ext uri="{FF2B5EF4-FFF2-40B4-BE49-F238E27FC236}">
+                <a16:creationId xmlns:a16="http://schemas.microsoft.com/office/drawing/2014/main" id="{3BF9B6B7-A7C1-486F-A16A-178020E80DFE}"/>
+              </a:ext>
+            </a:extLst>
+          </p:cNvPr>
+          <p:cNvSpPr txBox="1"/>
+          <p:nvPr/>
+        </p:nvSpPr>
+        <p:spPr>
+          <a:xfrm>
+            <a:off x="5151513" y="5927560"/>
+            <a:ext cx="2369700" cy="461665"/>
+          </a:xfrm>
+          <a:prstGeom prst="rect">
+            <a:avLst/>
+          </a:prstGeom>
+        </p:spPr>
+        <p:style>
+          <a:lnRef idx="2">
+            <a:schemeClr val="accent1">
+              <a:shade val="50000"/>
+            </a:schemeClr>
+          </a:lnRef>
+          <a:fillRef idx="1">
+            <a:schemeClr val="accent1"/>
+          </a:fillRef>
+          <a:effectRef idx="0">
+            <a:schemeClr val="accent1"/>
+          </a:effectRef>
+          <a:fontRef idx="minor">
+            <a:schemeClr val="lt1"/>
+          </a:fontRef>
+        </p:style>
+        <p:txBody>
+          <a:bodyPr wrap="square" rtlCol="0">
+            <a:spAutoFit/>
+          </a:bodyPr>
+          <a:lstStyle/>
+          <a:p>
+            <a:pPr algn="ctr"/>
+            <a:r>
+              <a:rPr lang="es-MX" sz="2400" dirty="0"/>
+              <a:t>Administrativo</a:t>
+            </a:r>
+          </a:p>
+        </p:txBody>
+      </p:sp>
+      <p:cxnSp>
+        <p:nvCxnSpPr>
+          <p:cNvPr id="21" name="Straight Arrow Connector 20">
+            <a:extLst>
+              <a:ext uri="{FF2B5EF4-FFF2-40B4-BE49-F238E27FC236}">
+                <a16:creationId xmlns:a16="http://schemas.microsoft.com/office/drawing/2014/main" id="{3FBA9B5C-2FBE-48A1-96FA-4C3D3222D2C6}"/>
+              </a:ext>
+            </a:extLst>
+          </p:cNvPr>
+          <p:cNvCxnSpPr>
+            <a:stCxn id="20" idx="0"/>
+          </p:cNvCxnSpPr>
+          <p:nvPr/>
+        </p:nvCxnSpPr>
+        <p:spPr>
+          <a:xfrm flipV="1">
+            <a:off x="6336363" y="3613666"/>
+            <a:ext cx="2254259" cy="2313894"/>
+          </a:xfrm>
+          <a:prstGeom prst="straightConnector1">
+            <a:avLst/>
+          </a:prstGeom>
+          <a:ln>
+            <a:tailEnd type="triangle"/>
+          </a:ln>
+        </p:spPr>
+        <p:style>
+          <a:lnRef idx="1">
+            <a:schemeClr val="accent1"/>
+          </a:lnRef>
+          <a:fillRef idx="0">
+            <a:schemeClr val="accent1"/>
+          </a:fillRef>
+          <a:effectRef idx="0">
+            <a:schemeClr val="accent1"/>
+          </a:effectRef>
+          <a:fontRef idx="minor">
+            <a:schemeClr val="tx1"/>
+          </a:fontRef>
+        </p:style>
+      </p:cxnSp>
+      <p:sp>
+        <p:nvSpPr>
+          <p:cNvPr id="22" name="TextBox 21">
+            <a:extLst>
+              <a:ext uri="{FF2B5EF4-FFF2-40B4-BE49-F238E27FC236}">
+                <a16:creationId xmlns:a16="http://schemas.microsoft.com/office/drawing/2014/main" id="{F3A35935-CF39-44D0-AF94-BC35D6D10755}"/>
+              </a:ext>
+            </a:extLst>
+          </p:cNvPr>
+          <p:cNvSpPr txBox="1"/>
+          <p:nvPr/>
+        </p:nvSpPr>
+        <p:spPr>
+          <a:xfrm>
+            <a:off x="7158937" y="1557981"/>
+            <a:ext cx="2400017" cy="523220"/>
+          </a:xfrm>
+          <a:prstGeom prst="rect">
+            <a:avLst/>
+          </a:prstGeom>
+          <a:noFill/>
+        </p:spPr>
+        <p:txBody>
+          <a:bodyPr wrap="none" rtlCol="0">
+            <a:spAutoFit/>
+          </a:bodyPr>
+          <a:lstStyle/>
+          <a:p>
+            <a:pPr algn="ctr"/>
+            <a:r>
+              <a:rPr lang="es-MX" sz="1400" dirty="0"/>
+              <a:t>Actualizaciones </a:t>
+            </a:r>
+          </a:p>
+          <a:p>
+            <a:pPr algn="ctr"/>
+            <a:r>
+              <a:rPr lang="es-MX" sz="1400" dirty="0"/>
+              <a:t>constantes en periodos cortos</a:t>
+            </a:r>
+          </a:p>
+        </p:txBody>
+      </p:sp>
+      <p:sp>
+        <p:nvSpPr>
+          <p:cNvPr id="23" name="TextBox 22">
+            <a:extLst>
+              <a:ext uri="{FF2B5EF4-FFF2-40B4-BE49-F238E27FC236}">
+                <a16:creationId xmlns:a16="http://schemas.microsoft.com/office/drawing/2014/main" id="{305C4D84-20ED-4E97-A0E5-8EB0CBD145CC}"/>
+              </a:ext>
+            </a:extLst>
+          </p:cNvPr>
+          <p:cNvSpPr txBox="1"/>
+          <p:nvPr/>
+        </p:nvSpPr>
+        <p:spPr>
+          <a:xfrm>
+            <a:off x="3024769" y="5142731"/>
+            <a:ext cx="2087431" cy="523220"/>
+          </a:xfrm>
+          <a:prstGeom prst="rect">
+            <a:avLst/>
+          </a:prstGeom>
+          <a:noFill/>
+        </p:spPr>
+        <p:txBody>
+          <a:bodyPr wrap="none" rtlCol="0">
+            <a:spAutoFit/>
+          </a:bodyPr>
+          <a:lstStyle/>
+          <a:p>
+            <a:pPr algn="ctr"/>
+            <a:r>
+              <a:rPr lang="es-MX" sz="1400" dirty="0"/>
+              <a:t>Falta de experiencia en</a:t>
+            </a:r>
+          </a:p>
+          <a:p>
+            <a:pPr algn="ctr"/>
+            <a:r>
+              <a:rPr lang="es-MX" sz="1400" dirty="0"/>
+              <a:t>Administración financiera</a:t>
+            </a:r>
+          </a:p>
+        </p:txBody>
+      </p:sp>
+      <p:sp>
+        <p:nvSpPr>
+          <p:cNvPr id="24" name="TextBox 23">
+            <a:extLst>
+              <a:ext uri="{FF2B5EF4-FFF2-40B4-BE49-F238E27FC236}">
+                <a16:creationId xmlns:a16="http://schemas.microsoft.com/office/drawing/2014/main" id="{95132C1E-96B7-4279-8527-0B3146012D8F}"/>
+              </a:ext>
+            </a:extLst>
+          </p:cNvPr>
+          <p:cNvSpPr txBox="1"/>
+          <p:nvPr/>
+        </p:nvSpPr>
+        <p:spPr>
+          <a:xfrm>
+            <a:off x="569685" y="5158118"/>
+            <a:ext cx="2020105" cy="307777"/>
+          </a:xfrm>
+          <a:prstGeom prst="rect">
+            <a:avLst/>
+          </a:prstGeom>
+          <a:noFill/>
+        </p:spPr>
+        <p:txBody>
+          <a:bodyPr wrap="none" rtlCol="0">
+            <a:spAutoFit/>
+          </a:bodyPr>
+          <a:lstStyle/>
+          <a:p>
+            <a:pPr algn="ctr"/>
+            <a:r>
+              <a:rPr lang="es-MX" sz="1400" dirty="0"/>
+              <a:t>Comunicación deficiente</a:t>
+            </a:r>
+          </a:p>
+        </p:txBody>
+      </p:sp>
+      <p:sp>
+        <p:nvSpPr>
+          <p:cNvPr id="25" name="TextBox 24">
+            <a:extLst>
+              <a:ext uri="{FF2B5EF4-FFF2-40B4-BE49-F238E27FC236}">
+                <a16:creationId xmlns:a16="http://schemas.microsoft.com/office/drawing/2014/main" id="{D2B6CAD3-5FF8-447B-8E2D-CD2D6D6CA5B9}"/>
+              </a:ext>
+            </a:extLst>
+          </p:cNvPr>
+          <p:cNvSpPr txBox="1"/>
+          <p:nvPr/>
+        </p:nvSpPr>
+        <p:spPr>
+          <a:xfrm>
+            <a:off x="1341189" y="4232003"/>
+            <a:ext cx="1861407" cy="523220"/>
+          </a:xfrm>
+          <a:prstGeom prst="rect">
+            <a:avLst/>
+          </a:prstGeom>
+          <a:noFill/>
+        </p:spPr>
+        <p:txBody>
+          <a:bodyPr wrap="none" rtlCol="0">
+            <a:spAutoFit/>
+          </a:bodyPr>
+          <a:lstStyle/>
+          <a:p>
+            <a:pPr algn="ctr"/>
+            <a:r>
+              <a:rPr lang="es-MX" sz="1400" dirty="0"/>
+              <a:t>Distribución deficiente</a:t>
+            </a:r>
+          </a:p>
+          <a:p>
+            <a:pPr algn="ctr"/>
+            <a:r>
+              <a:rPr lang="es-MX" sz="1400" dirty="0"/>
+              <a:t>de la carga de trabajo</a:t>
+            </a:r>
+          </a:p>
+        </p:txBody>
+      </p:sp>
+      <p:sp>
+        <p:nvSpPr>
+          <p:cNvPr id="26" name="TextBox 25">
+            <a:extLst>
+              <a:ext uri="{FF2B5EF4-FFF2-40B4-BE49-F238E27FC236}">
+                <a16:creationId xmlns:a16="http://schemas.microsoft.com/office/drawing/2014/main" id="{014726BE-EF0C-4CD1-A049-7E9001C942E4}"/>
+              </a:ext>
+            </a:extLst>
+          </p:cNvPr>
+          <p:cNvSpPr txBox="1"/>
+          <p:nvPr/>
+        </p:nvSpPr>
+        <p:spPr>
+          <a:xfrm>
+            <a:off x="2429049" y="1443567"/>
+            <a:ext cx="2284600" cy="523220"/>
+          </a:xfrm>
+          <a:prstGeom prst="rect">
+            <a:avLst/>
+          </a:prstGeom>
+          <a:noFill/>
+        </p:spPr>
+        <p:txBody>
+          <a:bodyPr wrap="none" rtlCol="0">
+            <a:spAutoFit/>
+          </a:bodyPr>
+          <a:lstStyle/>
+          <a:p>
+            <a:pPr algn="ctr"/>
+            <a:r>
+              <a:rPr lang="es-MX" sz="1400" dirty="0"/>
+              <a:t>Extensión en el mercado por</a:t>
+            </a:r>
+          </a:p>
+          <a:p>
+            <a:pPr algn="ctr"/>
+            <a:r>
+              <a:rPr lang="es-MX" sz="1400" dirty="0"/>
+              <a:t>gigantes informáticos</a:t>
+            </a:r>
+          </a:p>
+        </p:txBody>
+      </p:sp>
+      <p:sp>
+        <p:nvSpPr>
+          <p:cNvPr id="27" name="TextBox 26">
+            <a:extLst>
+              <a:ext uri="{FF2B5EF4-FFF2-40B4-BE49-F238E27FC236}">
+                <a16:creationId xmlns:a16="http://schemas.microsoft.com/office/drawing/2014/main" id="{782F7AA0-4264-489B-90FB-2DF1289FC017}"/>
+              </a:ext>
+            </a:extLst>
+          </p:cNvPr>
+          <p:cNvSpPr txBox="1"/>
+          <p:nvPr/>
+        </p:nvSpPr>
+        <p:spPr>
+          <a:xfrm>
+            <a:off x="76329" y="2504041"/>
+            <a:ext cx="2420855" cy="523220"/>
+          </a:xfrm>
+          <a:prstGeom prst="rect">
+            <a:avLst/>
+          </a:prstGeom>
+          <a:noFill/>
+        </p:spPr>
+        <p:txBody>
+          <a:bodyPr wrap="none" rtlCol="0">
+            <a:spAutoFit/>
+          </a:bodyPr>
+          <a:lstStyle/>
+          <a:p>
+            <a:pPr algn="ctr"/>
+            <a:r>
+              <a:rPr lang="es-MX" sz="1400" dirty="0"/>
+              <a:t>Se depende de infraestructura</a:t>
+            </a:r>
+          </a:p>
+          <a:p>
+            <a:pPr algn="ctr"/>
+            <a:r>
+              <a:rPr lang="es-MX" sz="1400" dirty="0"/>
+              <a:t>de terceros</a:t>
+            </a:r>
+          </a:p>
+        </p:txBody>
+      </p:sp>
+      <p:sp>
+        <p:nvSpPr>
+          <p:cNvPr id="28" name="TextBox 27">
+            <a:extLst>
+              <a:ext uri="{FF2B5EF4-FFF2-40B4-BE49-F238E27FC236}">
+                <a16:creationId xmlns:a16="http://schemas.microsoft.com/office/drawing/2014/main" id="{F3348BEB-0067-4CD8-A79E-E41E2C0CDE25}"/>
+              </a:ext>
+            </a:extLst>
+          </p:cNvPr>
+          <p:cNvSpPr txBox="1"/>
+          <p:nvPr/>
+        </p:nvSpPr>
+        <p:spPr>
+          <a:xfrm>
+            <a:off x="3511989" y="2535634"/>
+            <a:ext cx="1939955" cy="523220"/>
+          </a:xfrm>
+          <a:prstGeom prst="rect">
+            <a:avLst/>
+          </a:prstGeom>
+          <a:noFill/>
+        </p:spPr>
+        <p:txBody>
+          <a:bodyPr wrap="none" rtlCol="0">
+            <a:spAutoFit/>
+          </a:bodyPr>
+          <a:lstStyle/>
+          <a:p>
+            <a:pPr algn="ctr"/>
+            <a:r>
+              <a:rPr lang="es-MX" sz="1400" dirty="0"/>
+              <a:t>Comunidad con interés</a:t>
+            </a:r>
+          </a:p>
+          <a:p>
+            <a:pPr algn="ctr"/>
+            <a:r>
+              <a:rPr lang="es-MX" sz="1400" dirty="0"/>
+              <a:t>variable en el desarrollo</a:t>
+            </a:r>
+          </a:p>
+        </p:txBody>
+      </p:sp>
+      <p:sp>
+        <p:nvSpPr>
+          <p:cNvPr id="29" name="TextBox 28">
+            <a:extLst>
+              <a:ext uri="{FF2B5EF4-FFF2-40B4-BE49-F238E27FC236}">
+                <a16:creationId xmlns:a16="http://schemas.microsoft.com/office/drawing/2014/main" id="{F0ED7731-7B55-4808-A40F-94E9EBC7CFF4}"/>
+              </a:ext>
+            </a:extLst>
+          </p:cNvPr>
+          <p:cNvSpPr txBox="1"/>
+          <p:nvPr/>
+        </p:nvSpPr>
+        <p:spPr>
+          <a:xfrm>
+            <a:off x="5407581" y="4130976"/>
+            <a:ext cx="2145524" cy="523220"/>
+          </a:xfrm>
+          <a:prstGeom prst="rect">
+            <a:avLst/>
+          </a:prstGeom>
+          <a:noFill/>
+        </p:spPr>
+        <p:txBody>
+          <a:bodyPr wrap="none" rtlCol="0">
+            <a:spAutoFit/>
+          </a:bodyPr>
+          <a:lstStyle/>
+          <a:p>
+            <a:pPr algn="ctr"/>
+            <a:r>
+              <a:rPr lang="es-MX" sz="1400" dirty="0"/>
+              <a:t>Revisiones de periodicidad</a:t>
+            </a:r>
+          </a:p>
+          <a:p>
+            <a:pPr algn="ctr"/>
+            <a:r>
+              <a:rPr lang="es-MX" sz="1400" dirty="0"/>
+              <a:t>baja</a:t>
+            </a:r>
+          </a:p>
+        </p:txBody>
+      </p:sp>
+      <p:cxnSp>
+        <p:nvCxnSpPr>
+          <p:cNvPr id="30" name="Straight Arrow Connector 29">
+            <a:extLst>
+              <a:ext uri="{FF2B5EF4-FFF2-40B4-BE49-F238E27FC236}">
+                <a16:creationId xmlns:a16="http://schemas.microsoft.com/office/drawing/2014/main" id="{407B54A7-B1D2-425D-A7BB-1B8A028B8EF4}"/>
+              </a:ext>
+            </a:extLst>
+          </p:cNvPr>
+          <p:cNvCxnSpPr>
+            <a:cxnSpLocks/>
+          </p:cNvCxnSpPr>
+          <p:nvPr/>
+        </p:nvCxnSpPr>
+        <p:spPr>
+          <a:xfrm>
+            <a:off x="5555673" y="4755223"/>
+            <a:ext cx="1907819" cy="0"/>
+          </a:xfrm>
+          <a:prstGeom prst="straightConnector1">
+            <a:avLst/>
+          </a:prstGeom>
+          <a:ln>
+            <a:tailEnd type="triangle"/>
+          </a:ln>
+        </p:spPr>
+        <p:style>
+          <a:lnRef idx="1">
+            <a:schemeClr val="accent1"/>
+          </a:lnRef>
+          <a:fillRef idx="0">
+            <a:schemeClr val="accent1"/>
+          </a:fillRef>
+          <a:effectRef idx="0">
+            <a:schemeClr val="accent1"/>
+          </a:effectRef>
+          <a:fontRef idx="minor">
+            <a:schemeClr val="tx1"/>
+          </a:fontRef>
+        </p:style>
+      </p:cxnSp>
+      <p:cxnSp>
+        <p:nvCxnSpPr>
+          <p:cNvPr id="33" name="Straight Arrow Connector 32">
+            <a:extLst>
+              <a:ext uri="{FF2B5EF4-FFF2-40B4-BE49-F238E27FC236}">
+                <a16:creationId xmlns:a16="http://schemas.microsoft.com/office/drawing/2014/main" id="{AD403D2B-0351-48B6-BEFD-E8AB3C610CC8}"/>
+              </a:ext>
+            </a:extLst>
+          </p:cNvPr>
+          <p:cNvCxnSpPr>
+            <a:cxnSpLocks/>
+          </p:cNvCxnSpPr>
+          <p:nvPr/>
+        </p:nvCxnSpPr>
+        <p:spPr>
+          <a:xfrm flipH="1">
+            <a:off x="6635794" y="5651538"/>
+            <a:ext cx="2660606" cy="0"/>
+          </a:xfrm>
+          <a:prstGeom prst="straightConnector1">
+            <a:avLst/>
+          </a:prstGeom>
+          <a:ln>
+            <a:tailEnd type="triangle"/>
+          </a:ln>
+        </p:spPr>
+        <p:style>
+          <a:lnRef idx="1">
+            <a:schemeClr val="accent1"/>
+          </a:lnRef>
+          <a:fillRef idx="0">
+            <a:schemeClr val="accent1"/>
+          </a:fillRef>
+          <a:effectRef idx="0">
+            <a:schemeClr val="accent1"/>
+          </a:effectRef>
+          <a:fontRef idx="minor">
+            <a:schemeClr val="tx1"/>
+          </a:fontRef>
+        </p:style>
+      </p:cxnSp>
+      <p:cxnSp>
+        <p:nvCxnSpPr>
+          <p:cNvPr id="40" name="Straight Arrow Connector 39">
+            <a:extLst>
+              <a:ext uri="{FF2B5EF4-FFF2-40B4-BE49-F238E27FC236}">
+                <a16:creationId xmlns:a16="http://schemas.microsoft.com/office/drawing/2014/main" id="{D1A26E67-269C-485B-AD6D-3FF450BA1E71}"/>
+              </a:ext>
+            </a:extLst>
+          </p:cNvPr>
+          <p:cNvCxnSpPr>
+            <a:cxnSpLocks/>
+          </p:cNvCxnSpPr>
+          <p:nvPr/>
+        </p:nvCxnSpPr>
+        <p:spPr>
+          <a:xfrm>
+            <a:off x="76329" y="3198167"/>
+            <a:ext cx="2948440" cy="0"/>
+          </a:xfrm>
+          <a:prstGeom prst="straightConnector1">
+            <a:avLst/>
+          </a:prstGeom>
+          <a:ln>
+            <a:tailEnd type="triangle"/>
+          </a:ln>
+        </p:spPr>
+        <p:style>
+          <a:lnRef idx="1">
+            <a:schemeClr val="accent1"/>
+          </a:lnRef>
+          <a:fillRef idx="0">
+            <a:schemeClr val="accent1"/>
+          </a:fillRef>
+          <a:effectRef idx="0">
+            <a:schemeClr val="accent1"/>
+          </a:effectRef>
+          <a:fontRef idx="minor">
+            <a:schemeClr val="tx1"/>
+          </a:fontRef>
+        </p:style>
+      </p:cxnSp>
+      <p:cxnSp>
+        <p:nvCxnSpPr>
+          <p:cNvPr id="41" name="Straight Arrow Connector 40">
+            <a:extLst>
+              <a:ext uri="{FF2B5EF4-FFF2-40B4-BE49-F238E27FC236}">
+                <a16:creationId xmlns:a16="http://schemas.microsoft.com/office/drawing/2014/main" id="{9F083BC4-62C1-4F57-BF02-74E7ED9285A0}"/>
+              </a:ext>
+            </a:extLst>
+          </p:cNvPr>
+          <p:cNvCxnSpPr>
+            <a:cxnSpLocks/>
+          </p:cNvCxnSpPr>
+          <p:nvPr/>
+        </p:nvCxnSpPr>
+        <p:spPr>
+          <a:xfrm flipH="1">
+            <a:off x="6979284" y="2081201"/>
+            <a:ext cx="2660606" cy="0"/>
+          </a:xfrm>
+          <a:prstGeom prst="straightConnector1">
+            <a:avLst/>
+          </a:prstGeom>
+          <a:ln>
+            <a:tailEnd type="triangle"/>
+          </a:ln>
+        </p:spPr>
+        <p:style>
+          <a:lnRef idx="1">
+            <a:schemeClr val="accent1"/>
+          </a:lnRef>
+          <a:fillRef idx="0">
+            <a:schemeClr val="accent1"/>
+          </a:fillRef>
+          <a:effectRef idx="0">
+            <a:schemeClr val="accent1"/>
+          </a:effectRef>
+          <a:fontRef idx="minor">
+            <a:schemeClr val="tx1"/>
+          </a:fontRef>
+        </p:style>
+      </p:cxnSp>
+      <p:cxnSp>
+        <p:nvCxnSpPr>
+          <p:cNvPr id="43" name="Straight Arrow Connector 42">
+            <a:extLst>
+              <a:ext uri="{FF2B5EF4-FFF2-40B4-BE49-F238E27FC236}">
+                <a16:creationId xmlns:a16="http://schemas.microsoft.com/office/drawing/2014/main" id="{13E68D4A-E373-439B-B4E1-3F4FCE62952E}"/>
+              </a:ext>
+            </a:extLst>
+          </p:cNvPr>
+          <p:cNvCxnSpPr>
+            <a:cxnSpLocks/>
+          </p:cNvCxnSpPr>
+          <p:nvPr/>
+        </p:nvCxnSpPr>
+        <p:spPr>
+          <a:xfrm flipH="1">
+            <a:off x="3078768" y="3058854"/>
+            <a:ext cx="2373176" cy="0"/>
+          </a:xfrm>
+          <a:prstGeom prst="straightConnector1">
+            <a:avLst/>
+          </a:prstGeom>
+          <a:ln>
+            <a:tailEnd type="triangle"/>
+          </a:ln>
+        </p:spPr>
+        <p:style>
+          <a:lnRef idx="1">
+            <a:schemeClr val="accent1"/>
+          </a:lnRef>
+          <a:fillRef idx="0">
+            <a:schemeClr val="accent1"/>
+          </a:fillRef>
+          <a:effectRef idx="0">
+            <a:schemeClr val="accent1"/>
+          </a:effectRef>
+          <a:fontRef idx="minor">
+            <a:schemeClr val="tx1"/>
+          </a:fontRef>
+        </p:style>
+      </p:cxnSp>
+      <p:cxnSp>
+        <p:nvCxnSpPr>
+          <p:cNvPr id="44" name="Straight Arrow Connector 43">
+            <a:extLst>
+              <a:ext uri="{FF2B5EF4-FFF2-40B4-BE49-F238E27FC236}">
+                <a16:creationId xmlns:a16="http://schemas.microsoft.com/office/drawing/2014/main" id="{E6A50EB1-D530-42E0-8DCA-66812BE3B29C}"/>
+              </a:ext>
+            </a:extLst>
+          </p:cNvPr>
+          <p:cNvCxnSpPr>
+            <a:cxnSpLocks/>
+          </p:cNvCxnSpPr>
+          <p:nvPr/>
+        </p:nvCxnSpPr>
+        <p:spPr>
+          <a:xfrm flipH="1">
+            <a:off x="2392830" y="2081201"/>
+            <a:ext cx="2320819" cy="0"/>
+          </a:xfrm>
+          <a:prstGeom prst="straightConnector1">
+            <a:avLst/>
+          </a:prstGeom>
+          <a:ln>
+            <a:tailEnd type="triangle"/>
+          </a:ln>
+        </p:spPr>
+        <p:style>
+          <a:lnRef idx="1">
+            <a:schemeClr val="accent1"/>
+          </a:lnRef>
+          <a:fillRef idx="0">
+            <a:schemeClr val="accent1"/>
+          </a:fillRef>
+          <a:effectRef idx="0">
+            <a:schemeClr val="accent1"/>
+          </a:effectRef>
+          <a:fontRef idx="minor">
+            <a:schemeClr val="tx1"/>
+          </a:fontRef>
+        </p:style>
+      </p:cxnSp>
+      <p:cxnSp>
+        <p:nvCxnSpPr>
+          <p:cNvPr id="45" name="Straight Arrow Connector 44">
+            <a:extLst>
+              <a:ext uri="{FF2B5EF4-FFF2-40B4-BE49-F238E27FC236}">
+                <a16:creationId xmlns:a16="http://schemas.microsoft.com/office/drawing/2014/main" id="{B4580A9C-B517-45FF-9479-D6C929D29F8D}"/>
+              </a:ext>
+            </a:extLst>
+          </p:cNvPr>
+          <p:cNvCxnSpPr>
+            <a:cxnSpLocks/>
+          </p:cNvCxnSpPr>
+          <p:nvPr/>
+        </p:nvCxnSpPr>
+        <p:spPr>
+          <a:xfrm>
+            <a:off x="1341189" y="4770613"/>
+            <a:ext cx="1861407" cy="0"/>
+          </a:xfrm>
+          <a:prstGeom prst="straightConnector1">
+            <a:avLst/>
+          </a:prstGeom>
+          <a:ln>
+            <a:tailEnd type="triangle"/>
+          </a:ln>
+        </p:spPr>
+        <p:style>
+          <a:lnRef idx="1">
+            <a:schemeClr val="accent1"/>
+          </a:lnRef>
+          <a:fillRef idx="0">
+            <a:schemeClr val="accent1"/>
+          </a:fillRef>
+          <a:effectRef idx="0">
+            <a:schemeClr val="accent1"/>
+          </a:effectRef>
+          <a:fontRef idx="minor">
+            <a:schemeClr val="tx1"/>
+          </a:fontRef>
+        </p:style>
+      </p:cxnSp>
+      <p:cxnSp>
+        <p:nvCxnSpPr>
+          <p:cNvPr id="46" name="Straight Arrow Connector 45">
+            <a:extLst>
+              <a:ext uri="{FF2B5EF4-FFF2-40B4-BE49-F238E27FC236}">
+                <a16:creationId xmlns:a16="http://schemas.microsoft.com/office/drawing/2014/main" id="{0E9ACA56-C857-4691-AAD0-14F9D89C0E13}"/>
+              </a:ext>
+            </a:extLst>
+          </p:cNvPr>
+          <p:cNvCxnSpPr>
+            <a:cxnSpLocks/>
+          </p:cNvCxnSpPr>
+          <p:nvPr/>
+        </p:nvCxnSpPr>
+        <p:spPr>
+          <a:xfrm>
+            <a:off x="569685" y="5466963"/>
+            <a:ext cx="1927499" cy="0"/>
+          </a:xfrm>
+          <a:prstGeom prst="straightConnector1">
+            <a:avLst/>
+          </a:prstGeom>
+          <a:ln>
+            <a:tailEnd type="triangle"/>
+          </a:ln>
+        </p:spPr>
+        <p:style>
+          <a:lnRef idx="1">
+            <a:schemeClr val="accent1"/>
+          </a:lnRef>
+          <a:fillRef idx="0">
+            <a:schemeClr val="accent1"/>
+          </a:fillRef>
+          <a:effectRef idx="0">
+            <a:schemeClr val="accent1"/>
+          </a:effectRef>
+          <a:fontRef idx="minor">
+            <a:schemeClr val="tx1"/>
+          </a:fontRef>
+        </p:style>
+      </p:cxnSp>
+      <p:cxnSp>
+        <p:nvCxnSpPr>
+          <p:cNvPr id="49" name="Straight Arrow Connector 48">
+            <a:extLst>
+              <a:ext uri="{FF2B5EF4-FFF2-40B4-BE49-F238E27FC236}">
+                <a16:creationId xmlns:a16="http://schemas.microsoft.com/office/drawing/2014/main" id="{A46E5152-9A9F-445B-BBA2-2D4EF16EAA8B}"/>
+              </a:ext>
+            </a:extLst>
+          </p:cNvPr>
+          <p:cNvCxnSpPr>
+            <a:cxnSpLocks/>
+          </p:cNvCxnSpPr>
+          <p:nvPr/>
+        </p:nvCxnSpPr>
+        <p:spPr>
+          <a:xfrm flipH="1">
+            <a:off x="2429049" y="5665951"/>
+            <a:ext cx="2660606" cy="0"/>
+          </a:xfrm>
+          <a:prstGeom prst="straightConnector1">
+            <a:avLst/>
+          </a:prstGeom>
+          <a:ln>
+            <a:tailEnd type="triangle"/>
+          </a:ln>
+        </p:spPr>
+        <p:style>
+          <a:lnRef idx="1">
+            <a:schemeClr val="accent1"/>
+          </a:lnRef>
+          <a:fillRef idx="0">
+            <a:schemeClr val="accent1"/>
+          </a:fillRef>
+          <a:effectRef idx="0">
+            <a:schemeClr val="accent1"/>
+          </a:effectRef>
+          <a:fontRef idx="minor">
+            <a:schemeClr val="tx1"/>
+          </a:fontRef>
+        </p:style>
+      </p:cxnSp>
+    </p:spTree>
+    <p:extLst>
+      <p:ext uri="{BB962C8B-B14F-4D97-AF65-F5344CB8AC3E}">
+        <p14:creationId xmlns:p14="http://schemas.microsoft.com/office/powerpoint/2010/main" val="3999513497"/>
+      </p:ext>
+    </p:extLst>
+  </p:cSld>
+  <p:clrMapOvr>
+    <a:masterClrMapping/>
+  </p:clrMapOvr>
+</p:sld>
+</file>
+
+<file path=ppt/slides/slide6.xml><?xml version="1.0" encoding="utf-8"?>
 <p:sld xmlns:a="http://schemas.openxmlformats.org/drawingml/2006/main" xmlns:r="http://schemas.openxmlformats.org/officeDocument/2006/relationships" xmlns:p="http://schemas.openxmlformats.org/presentationml/2006/main">
   <p:cSld>
     <p:spTree>
